--- a/Named-Data-Net/PPT/NDN_Tutorial_ndnSIM_Install.pptx
+++ b/Named-Data-Net/PPT/NDN_Tutorial_ndnSIM_Install.pptx
@@ -5,40 +5,38 @@
     <p:sldMasterId id="2147483648" r:id="rId4"/>
   </p:sldMasterIdLst>
   <p:notesMasterIdLst>
-    <p:notesMasterId r:id="rId19"/>
+    <p:notesMasterId r:id="rId17"/>
   </p:notesMasterIdLst>
   <p:sldIdLst>
     <p:sldId id="272" r:id="rId5"/>
     <p:sldId id="273" r:id="rId6"/>
     <p:sldId id="330" r:id="rId7"/>
     <p:sldId id="266" r:id="rId8"/>
-    <p:sldId id="334" r:id="rId9"/>
-    <p:sldId id="331" r:id="rId10"/>
-    <p:sldId id="335" r:id="rId11"/>
-    <p:sldId id="336" r:id="rId12"/>
-    <p:sldId id="337" r:id="rId13"/>
-    <p:sldId id="338" r:id="rId14"/>
-    <p:sldId id="339" r:id="rId15"/>
-    <p:sldId id="341" r:id="rId16"/>
-    <p:sldId id="340" r:id="rId17"/>
-    <p:sldId id="342" r:id="rId18"/>
+    <p:sldId id="331" r:id="rId9"/>
+    <p:sldId id="332" r:id="rId10"/>
+    <p:sldId id="333" r:id="rId11"/>
+    <p:sldId id="334" r:id="rId12"/>
+    <p:sldId id="335" r:id="rId13"/>
+    <p:sldId id="336" r:id="rId14"/>
+    <p:sldId id="337" r:id="rId15"/>
+    <p:sldId id="338" r:id="rId16"/>
   </p:sldIdLst>
   <p:sldSz cx="12192000" cy="6858000"/>
   <p:notesSz cx="6858000" cy="9144000"/>
   <p:embeddedFontLst>
     <p:embeddedFont>
       <p:font typeface="맑은 고딕" panose="020B0503020000020004" pitchFamily="50" charset="-127"/>
-      <p:regular r:id="rId20"/>
-      <p:bold r:id="rId21"/>
+      <p:regular r:id="rId18"/>
+      <p:bold r:id="rId19"/>
     </p:embeddedFont>
     <p:embeddedFont>
       <p:font typeface="배달의민족 도현" panose="020B0600000101010101" pitchFamily="50" charset="-127"/>
-      <p:regular r:id="rId22"/>
+      <p:regular r:id="rId20"/>
     </p:embeddedFont>
     <p:embeddedFont>
       <p:font typeface="한컴 고딕" panose="02000500000000000000" pitchFamily="2" charset="-127"/>
-      <p:regular r:id="rId23"/>
-      <p:bold r:id="rId24"/>
+      <p:regular r:id="rId21"/>
+      <p:bold r:id="rId22"/>
     </p:embeddedFont>
   </p:embeddedFontLst>
   <p:defaultTextStyle>
@@ -4109,7 +4107,7 @@
         <p:spPr>
           <a:xfrm>
             <a:off x="143435" y="130844"/>
-            <a:ext cx="11842377" cy="584775"/>
+            <a:ext cx="9744635" cy="584775"/>
           </a:xfrm>
           <a:prstGeom prst="rect">
             <a:avLst/>
@@ -4124,7 +4122,7 @@
           <a:p>
             <a:pPr algn="just"/>
             <a:r>
-              <a:rPr lang="en-US" altLang="ko-KR" sz="3200" dirty="0">
+              <a:rPr lang="en-US" altLang="ko-KR" sz="3200" dirty="0" err="1">
                 <a:solidFill>
                   <a:schemeClr val="tx1">
                     <a:lumMod val="65000"/>
@@ -4134,8 +4132,44 @@
                 <a:latin typeface="배달의민족 도현" panose="020B0600000101010101" pitchFamily="50" charset="-127"/>
                 <a:ea typeface="배달의민족 도현" panose="020B0600000101010101" pitchFamily="50" charset="-127"/>
               </a:rPr>
-              <a:t>NDN Transport : Synchronizing Dataset Names</a:t>
-            </a:r>
+              <a:t>ndnSIM</a:t>
+            </a:r>
+            <a:r>
+              <a:rPr lang="en-US" altLang="ko-KR" sz="3200" dirty="0">
+                <a:solidFill>
+                  <a:schemeClr val="tx1">
+                    <a:lumMod val="65000"/>
+                    <a:lumOff val="35000"/>
+                  </a:schemeClr>
+                </a:solidFill>
+                <a:latin typeface="배달의민족 도현" panose="020B0600000101010101" pitchFamily="50" charset="-127"/>
+                <a:ea typeface="배달의민족 도현" panose="020B0600000101010101" pitchFamily="50" charset="-127"/>
+              </a:rPr>
+              <a:t> </a:t>
+            </a:r>
+            <a:r>
+              <a:rPr lang="ko-KR" altLang="en-US" sz="3200" dirty="0">
+                <a:solidFill>
+                  <a:schemeClr val="tx1">
+                    <a:lumMod val="65000"/>
+                    <a:lumOff val="35000"/>
+                  </a:schemeClr>
+                </a:solidFill>
+                <a:latin typeface="배달의민족 도현" panose="020B0600000101010101" pitchFamily="50" charset="-127"/>
+                <a:ea typeface="배달의민족 도현" panose="020B0600000101010101" pitchFamily="50" charset="-127"/>
+              </a:rPr>
+              <a:t>설치</a:t>
+            </a:r>
+            <a:endParaRPr lang="en-US" altLang="ko-KR" sz="3200" dirty="0">
+              <a:solidFill>
+                <a:schemeClr val="tx1">
+                  <a:lumMod val="65000"/>
+                  <a:lumOff val="35000"/>
+                </a:schemeClr>
+              </a:solidFill>
+              <a:latin typeface="배달의민족 도현" panose="020B0600000101010101" pitchFamily="50" charset="-127"/>
+              <a:ea typeface="배달의민족 도현" panose="020B0600000101010101" pitchFamily="50" charset="-127"/>
+            </a:endParaRPr>
           </a:p>
         </p:txBody>
       </p:sp>
@@ -4156,7 +4190,7 @@
         <p:spPr>
           <a:xfrm>
             <a:off x="206188" y="724225"/>
-            <a:ext cx="9764530" cy="0"/>
+            <a:ext cx="2424278" cy="0"/>
           </a:xfrm>
           <a:prstGeom prst="line">
             <a:avLst/>
@@ -4199,7 +4233,7 @@
         <p:spPr>
           <a:xfrm>
             <a:off x="206187" y="715619"/>
-            <a:ext cx="11833413" cy="2817951"/>
+            <a:ext cx="11842378" cy="971292"/>
           </a:xfrm>
           <a:prstGeom prst="rect">
             <a:avLst/>
@@ -4218,6 +4252,16 @@
               </a:lnSpc>
             </a:pPr>
             <a:r>
+              <a:rPr lang="en-US" altLang="ko-KR" sz="2000" b="1" dirty="0" err="1">
+                <a:solidFill>
+                  <a:schemeClr val="accent1"/>
+                </a:solidFill>
+                <a:latin typeface="한컴 고딕" panose="02000500000000000000" pitchFamily="2" charset="-127"/>
+                <a:ea typeface="한컴 고딕" panose="02000500000000000000" pitchFamily="2" charset="-127"/>
+              </a:rPr>
+              <a:t>ndnSIM</a:t>
+            </a:r>
+            <a:r>
               <a:rPr lang="en-US" altLang="ko-KR" sz="2000" b="1" dirty="0">
                 <a:solidFill>
                   <a:schemeClr val="accent1"/>
@@ -4225,8 +4269,25 @@
                 <a:latin typeface="한컴 고딕" panose="02000500000000000000" pitchFamily="2" charset="-127"/>
                 <a:ea typeface="한컴 고딕" panose="02000500000000000000" pitchFamily="2" charset="-127"/>
               </a:rPr>
-              <a:t>SVS (State Vector Sync)</a:t>
-            </a:r>
+              <a:t> </a:t>
+            </a:r>
+            <a:r>
+              <a:rPr lang="ko-KR" altLang="en-US" sz="2000" b="1" dirty="0">
+                <a:solidFill>
+                  <a:schemeClr val="accent1"/>
+                </a:solidFill>
+                <a:latin typeface="한컴 고딕" panose="02000500000000000000" pitchFamily="2" charset="-127"/>
+                <a:ea typeface="한컴 고딕" panose="02000500000000000000" pitchFamily="2" charset="-127"/>
+              </a:rPr>
+              <a:t>설치</a:t>
+            </a:r>
+            <a:endParaRPr lang="en-US" altLang="ko-KR" sz="2000" b="1" dirty="0">
+              <a:solidFill>
+                <a:schemeClr val="accent1"/>
+              </a:solidFill>
+              <a:latin typeface="한컴 고딕" panose="02000500000000000000" pitchFamily="2" charset="-127"/>
+              <a:ea typeface="한컴 고딕" panose="02000500000000000000" pitchFamily="2" charset="-127"/>
+            </a:endParaRPr>
           </a:p>
           <a:p>
             <a:pPr marL="342900" indent="-342900">
@@ -4247,94 +4308,7 @@
                 <a:latin typeface="한컴 고딕" panose="02000500000000000000" pitchFamily="2" charset="-127"/>
                 <a:ea typeface="한컴 고딕" panose="02000500000000000000" pitchFamily="2" charset="-127"/>
               </a:rPr>
-              <a:t>상세한 내용은 차후 </a:t>
-            </a:r>
-            <a:r>
-              <a:rPr lang="en-US" altLang="ko-KR" sz="2000" b="1" dirty="0" err="1">
-                <a:solidFill>
-                  <a:schemeClr val="tx1">
-                    <a:lumMod val="50000"/>
-                    <a:lumOff val="50000"/>
-                  </a:schemeClr>
-                </a:solidFill>
-                <a:latin typeface="한컴 고딕" panose="02000500000000000000" pitchFamily="2" charset="-127"/>
-                <a:ea typeface="한컴 고딕" panose="02000500000000000000" pitchFamily="2" charset="-127"/>
-              </a:rPr>
-              <a:t>ndnSim</a:t>
-            </a:r>
-            <a:r>
-              <a:rPr lang="ko-KR" altLang="en-US" sz="2000" b="1" dirty="0">
-                <a:solidFill>
-                  <a:schemeClr val="tx1">
-                    <a:lumMod val="50000"/>
-                    <a:lumOff val="50000"/>
-                  </a:schemeClr>
-                </a:solidFill>
-                <a:latin typeface="한컴 고딕" panose="02000500000000000000" pitchFamily="2" charset="-127"/>
-                <a:ea typeface="한컴 고딕" panose="02000500000000000000" pitchFamily="2" charset="-127"/>
-              </a:rPr>
-              <a:t> 설치 이후 </a:t>
-            </a:r>
-            <a:r>
-              <a:rPr lang="en-US" altLang="ko-KR" sz="2000" b="1" dirty="0">
-                <a:solidFill>
-                  <a:schemeClr val="tx1">
-                    <a:lumMod val="50000"/>
-                    <a:lumOff val="50000"/>
-                  </a:schemeClr>
-                </a:solidFill>
-                <a:latin typeface="한컴 고딕" panose="02000500000000000000" pitchFamily="2" charset="-127"/>
-                <a:ea typeface="한컴 고딕" panose="02000500000000000000" pitchFamily="2" charset="-127"/>
-              </a:rPr>
-              <a:t>SVS </a:t>
-            </a:r>
-            <a:r>
-              <a:rPr lang="ko-KR" altLang="en-US" sz="2000" b="1" dirty="0">
-                <a:solidFill>
-                  <a:schemeClr val="tx1">
-                    <a:lumMod val="50000"/>
-                    <a:lumOff val="50000"/>
-                  </a:schemeClr>
-                </a:solidFill>
-                <a:latin typeface="한컴 고딕" panose="02000500000000000000" pitchFamily="2" charset="-127"/>
-                <a:ea typeface="한컴 고딕" panose="02000500000000000000" pitchFamily="2" charset="-127"/>
-              </a:rPr>
-              <a:t>라이브러리 설치 후 실습 예정이다</a:t>
-            </a:r>
-            <a:r>
-              <a:rPr lang="en-US" altLang="ko-KR" sz="2000" b="1" dirty="0">
-                <a:solidFill>
-                  <a:schemeClr val="tx1">
-                    <a:lumMod val="50000"/>
-                    <a:lumOff val="50000"/>
-                  </a:schemeClr>
-                </a:solidFill>
-                <a:latin typeface="한컴 고딕" panose="02000500000000000000" pitchFamily="2" charset="-127"/>
-                <a:ea typeface="한컴 고딕" panose="02000500000000000000" pitchFamily="2" charset="-127"/>
-              </a:rPr>
-              <a:t>.</a:t>
-            </a:r>
-          </a:p>
-          <a:p>
-            <a:pPr marL="342900" indent="-342900">
-              <a:lnSpc>
-                <a:spcPct val="150000"/>
-              </a:lnSpc>
-              <a:buFont typeface="Arial" panose="020B0604020202020204" pitchFamily="34" charset="0"/>
-              <a:buChar char="•"/>
-            </a:pPr>
-            <a:r>
-              <a:rPr lang="ko-KR" altLang="en-US" sz="2000" b="1" dirty="0">
-                <a:solidFill>
-                  <a:schemeClr val="tx1">
-                    <a:lumMod val="50000"/>
-                    <a:lumOff val="50000"/>
-                  </a:schemeClr>
-                </a:solidFill>
-                <a:latin typeface="한컴 고딕" panose="02000500000000000000" pitchFamily="2" charset="-127"/>
-                <a:ea typeface="한컴 고딕" panose="02000500000000000000" pitchFamily="2" charset="-127"/>
-              </a:rPr>
-              <a:t>기존 아이디어</a:t>
+              <a:t>아래 명령어 실행</a:t>
             </a:r>
             <a:endParaRPr lang="en-US" altLang="ko-KR" sz="2000" b="1" dirty="0">
               <a:solidFill>
@@ -4347,8 +4321,96 @@
               <a:ea typeface="한컴 고딕" panose="02000500000000000000" pitchFamily="2" charset="-127"/>
             </a:endParaRPr>
           </a:p>
-          <a:p>
-            <a:pPr marL="800100" lvl="1" indent="-342900">
+        </p:txBody>
+      </p:sp>
+      <p:sp>
+        <p:nvSpPr>
+          <p:cNvPr id="3" name="슬라이드 번호 개체 틀 2">
+            <a:extLst>
+              <a:ext uri="{FF2B5EF4-FFF2-40B4-BE49-F238E27FC236}">
+                <a16:creationId xmlns:a16="http://schemas.microsoft.com/office/drawing/2014/main" id="{4EC25071-CFFA-8C9C-CB7A-29C2F016666E}"/>
+              </a:ext>
+            </a:extLst>
+          </p:cNvPr>
+          <p:cNvSpPr>
+            <a:spLocks noGrp="1"/>
+          </p:cNvSpPr>
+          <p:nvPr>
+            <p:ph type="sldNum" sz="quarter" idx="12"/>
+          </p:nvPr>
+        </p:nvSpPr>
+        <p:spPr/>
+        <p:txBody>
+          <a:bodyPr/>
+          <a:lstStyle/>
+          <a:p>
+            <a:fld id="{4503EA79-8FE5-4AB7-9144-49D69278BFF0}" type="slidenum">
+              <a:rPr lang="ko-KR" altLang="en-US" smtClean="0"/>
+              <a:t>10</a:t>
+            </a:fld>
+            <a:endParaRPr lang="ko-KR" altLang="en-US"/>
+          </a:p>
+        </p:txBody>
+      </p:sp>
+      <p:pic>
+        <p:nvPicPr>
+          <p:cNvPr id="15" name="그림 14">
+            <a:extLst>
+              <a:ext uri="{FF2B5EF4-FFF2-40B4-BE49-F238E27FC236}">
+                <a16:creationId xmlns:a16="http://schemas.microsoft.com/office/drawing/2014/main" id="{0FDB7A86-B063-3256-797E-B12E1006A46D}"/>
+              </a:ext>
+            </a:extLst>
+          </p:cNvPr>
+          <p:cNvPicPr>
+            <a:picLocks noChangeAspect="1"/>
+          </p:cNvPicPr>
+          <p:nvPr/>
+        </p:nvPicPr>
+        <p:blipFill>
+          <a:blip r:embed="rId2"/>
+          <a:stretch>
+            <a:fillRect/>
+          </a:stretch>
+        </p:blipFill>
+        <p:spPr>
+          <a:xfrm>
+            <a:off x="206186" y="1686911"/>
+            <a:ext cx="9344025" cy="657225"/>
+          </a:xfrm>
+          <a:prstGeom prst="rect">
+            <a:avLst/>
+          </a:prstGeom>
+        </p:spPr>
+      </p:pic>
+      <p:sp>
+        <p:nvSpPr>
+          <p:cNvPr id="16" name="TextBox 15">
+            <a:extLst>
+              <a:ext uri="{FF2B5EF4-FFF2-40B4-BE49-F238E27FC236}">
+                <a16:creationId xmlns:a16="http://schemas.microsoft.com/office/drawing/2014/main" id="{DCA8C46D-4E8C-8BAD-11E2-6D7D320A05F3}"/>
+              </a:ext>
+            </a:extLst>
+          </p:cNvPr>
+          <p:cNvSpPr txBox="1"/>
+          <p:nvPr/>
+        </p:nvSpPr>
+        <p:spPr>
+          <a:xfrm>
+            <a:off x="206187" y="2344136"/>
+            <a:ext cx="11842378" cy="509627"/>
+          </a:xfrm>
+          <a:prstGeom prst="rect">
+            <a:avLst/>
+          </a:prstGeom>
+          <a:noFill/>
+        </p:spPr>
+        <p:txBody>
+          <a:bodyPr wrap="square" rtlCol="0">
+            <a:spAutoFit/>
+          </a:bodyPr>
+          <a:lstStyle/>
+          <a:p>
+            <a:pPr marL="342900" indent="-342900">
               <a:lnSpc>
                 <a:spcPct val="150000"/>
               </a:lnSpc>
@@ -4366,7 +4428,7 @@
                 <a:latin typeface="한컴 고딕" panose="02000500000000000000" pitchFamily="2" charset="-127"/>
                 <a:ea typeface="한컴 고딕" panose="02000500000000000000" pitchFamily="2" charset="-127"/>
               </a:rPr>
-              <a:t>Alice, Bob, Cathy</a:t>
+              <a:t>NS-3</a:t>
             </a:r>
             <a:r>
               <a:rPr lang="ko-KR" altLang="en-US" sz="2000" b="1" dirty="0">
@@ -4379,7 +4441,7 @@
                 <a:latin typeface="한컴 고딕" panose="02000500000000000000" pitchFamily="2" charset="-127"/>
                 <a:ea typeface="한컴 고딕" panose="02000500000000000000" pitchFamily="2" charset="-127"/>
               </a:rPr>
-              <a:t>가 배포 앱을 실행한다</a:t>
+              <a:t>의 </a:t>
             </a:r>
             <a:r>
               <a:rPr lang="en-US" altLang="ko-KR" sz="2000" b="1" dirty="0">
@@ -4392,10 +4454,10 @@
                 <a:latin typeface="한컴 고딕" panose="02000500000000000000" pitchFamily="2" charset="-127"/>
                 <a:ea typeface="한컴 고딕" panose="02000500000000000000" pitchFamily="2" charset="-127"/>
               </a:rPr>
-              <a:t>. </a:t>
-            </a:r>
-            <a:r>
-              <a:rPr lang="en-US" altLang="ko-KR" sz="2000" b="1" dirty="0">
+              <a:t>Python </a:t>
+            </a:r>
+            <a:r>
+              <a:rPr lang="ko-KR" altLang="en-US" sz="2000" b="1" dirty="0">
                 <a:solidFill>
                   <a:schemeClr val="tx1">
                     <a:lumMod val="50000"/>
@@ -4404,12 +4466,11 @@
                 </a:solidFill>
                 <a:latin typeface="한컴 고딕" panose="02000500000000000000" pitchFamily="2" charset="-127"/>
                 <a:ea typeface="한컴 고딕" panose="02000500000000000000" pitchFamily="2" charset="-127"/>
-                <a:sym typeface="Wingdings" panose="05000000000000000000" pitchFamily="2" charset="2"/>
-              </a:rPr>
-              <a:t> </a:t>
-            </a:r>
-            <a:r>
-              <a:rPr lang="ko-KR" altLang="en-US" sz="2000" b="1" dirty="0">
+              </a:rPr>
+              <a:t>바인딩을 사용할 경우 다양한 종속성 추가 </a:t>
+            </a:r>
+            <a:r>
+              <a:rPr lang="en-US" altLang="ko-KR" sz="2000" b="1" dirty="0">
                 <a:solidFill>
                   <a:schemeClr val="tx1">
                     <a:lumMod val="50000"/>
@@ -4418,12 +4479,11 @@
                 </a:solidFill>
                 <a:latin typeface="한컴 고딕" panose="02000500000000000000" pitchFamily="2" charset="-127"/>
                 <a:ea typeface="한컴 고딕" panose="02000500000000000000" pitchFamily="2" charset="-127"/>
-                <a:sym typeface="Wingdings" panose="05000000000000000000" pitchFamily="2" charset="2"/>
-              </a:rPr>
-              <a:t>모두 동기화 그룹에 가입한다</a:t>
-            </a:r>
-            <a:r>
-              <a:rPr lang="en-US" altLang="ko-KR" sz="2000" b="1" dirty="0">
+              </a:rPr>
+              <a:t>(Visualizer </a:t>
+            </a:r>
+            <a:r>
+              <a:rPr lang="ko-KR" altLang="en-US" sz="2000" b="1" dirty="0">
                 <a:solidFill>
                   <a:schemeClr val="tx1">
                     <a:lumMod val="50000"/>
@@ -4432,13 +4492,266 @@
                 </a:solidFill>
                 <a:latin typeface="한컴 고딕" panose="02000500000000000000" pitchFamily="2" charset="-127"/>
                 <a:ea typeface="한컴 고딕" panose="02000500000000000000" pitchFamily="2" charset="-127"/>
-                <a:sym typeface="Wingdings" panose="05000000000000000000" pitchFamily="2" charset="2"/>
-              </a:rPr>
-              <a:t>.</a:t>
-            </a:r>
-          </a:p>
-          <a:p>
-            <a:pPr marL="800100" lvl="1" indent="-342900">
+              </a:rPr>
+              <a:t>사용을 위해 필요</a:t>
+            </a:r>
+            <a:r>
+              <a:rPr lang="en-US" altLang="ko-KR" sz="2000" b="1" dirty="0">
+                <a:solidFill>
+                  <a:schemeClr val="tx1">
+                    <a:lumMod val="50000"/>
+                    <a:lumOff val="50000"/>
+                  </a:schemeClr>
+                </a:solidFill>
+                <a:latin typeface="한컴 고딕" panose="02000500000000000000" pitchFamily="2" charset="-127"/>
+                <a:ea typeface="한컴 고딕" panose="02000500000000000000" pitchFamily="2" charset="-127"/>
+              </a:rPr>
+              <a:t>)</a:t>
+            </a:r>
+          </a:p>
+        </p:txBody>
+      </p:sp>
+      <p:sp>
+        <p:nvSpPr>
+          <p:cNvPr id="19" name="TextBox 18">
+            <a:extLst>
+              <a:ext uri="{FF2B5EF4-FFF2-40B4-BE49-F238E27FC236}">
+                <a16:creationId xmlns:a16="http://schemas.microsoft.com/office/drawing/2014/main" id="{730BFFAC-5B15-BA1D-0E7D-F5DC0B6F86A3}"/>
+              </a:ext>
+            </a:extLst>
+          </p:cNvPr>
+          <p:cNvSpPr txBox="1"/>
+          <p:nvPr/>
+        </p:nvSpPr>
+        <p:spPr>
+          <a:xfrm>
+            <a:off x="412373" y="2853763"/>
+            <a:ext cx="11779627" cy="923330"/>
+          </a:xfrm>
+          <a:prstGeom prst="rect">
+            <a:avLst/>
+          </a:prstGeom>
+          <a:noFill/>
+        </p:spPr>
+        <p:txBody>
+          <a:bodyPr wrap="square">
+            <a:spAutoFit/>
+          </a:bodyPr>
+          <a:lstStyle/>
+          <a:p>
+            <a:r>
+              <a:rPr lang="ko-KR" altLang="en-US" dirty="0">
+                <a:solidFill>
+                  <a:schemeClr val="tx1">
+                    <a:lumMod val="50000"/>
+                    <a:lumOff val="50000"/>
+                  </a:schemeClr>
+                </a:solidFill>
+                <a:latin typeface="한컴 고딕" panose="02000500000000000000" pitchFamily="2" charset="-127"/>
+                <a:ea typeface="한컴 고딕" panose="02000500000000000000" pitchFamily="2" charset="-127"/>
+              </a:rPr>
+              <a:t>$ </a:t>
+            </a:r>
+            <a:r>
+              <a:rPr lang="ko-KR" altLang="en-US" dirty="0" err="1">
+                <a:solidFill>
+                  <a:schemeClr val="tx1">
+                    <a:lumMod val="50000"/>
+                    <a:lumOff val="50000"/>
+                  </a:schemeClr>
+                </a:solidFill>
+                <a:latin typeface="한컴 고딕" panose="02000500000000000000" pitchFamily="2" charset="-127"/>
+                <a:ea typeface="한컴 고딕" panose="02000500000000000000" pitchFamily="2" charset="-127"/>
+              </a:rPr>
+              <a:t>sudo</a:t>
+            </a:r>
+            <a:r>
+              <a:rPr lang="ko-KR" altLang="en-US" dirty="0">
+                <a:solidFill>
+                  <a:schemeClr val="tx1">
+                    <a:lumMod val="50000"/>
+                    <a:lumOff val="50000"/>
+                  </a:schemeClr>
+                </a:solidFill>
+                <a:latin typeface="한컴 고딕" panose="02000500000000000000" pitchFamily="2" charset="-127"/>
+                <a:ea typeface="한컴 고딕" panose="02000500000000000000" pitchFamily="2" charset="-127"/>
+              </a:rPr>
+              <a:t> </a:t>
+            </a:r>
+            <a:r>
+              <a:rPr lang="ko-KR" altLang="en-US" dirty="0" err="1">
+                <a:solidFill>
+                  <a:schemeClr val="tx1">
+                    <a:lumMod val="50000"/>
+                    <a:lumOff val="50000"/>
+                  </a:schemeClr>
+                </a:solidFill>
+                <a:latin typeface="한컴 고딕" panose="02000500000000000000" pitchFamily="2" charset="-127"/>
+                <a:ea typeface="한컴 고딕" panose="02000500000000000000" pitchFamily="2" charset="-127"/>
+              </a:rPr>
+              <a:t>apt</a:t>
+            </a:r>
+            <a:r>
+              <a:rPr lang="ko-KR" altLang="en-US" dirty="0">
+                <a:solidFill>
+                  <a:schemeClr val="tx1">
+                    <a:lumMod val="50000"/>
+                    <a:lumOff val="50000"/>
+                  </a:schemeClr>
+                </a:solidFill>
+                <a:latin typeface="한컴 고딕" panose="02000500000000000000" pitchFamily="2" charset="-127"/>
+                <a:ea typeface="한컴 고딕" panose="02000500000000000000" pitchFamily="2" charset="-127"/>
+              </a:rPr>
+              <a:t> </a:t>
+            </a:r>
+            <a:r>
+              <a:rPr lang="ko-KR" altLang="en-US" dirty="0" err="1">
+                <a:solidFill>
+                  <a:schemeClr val="tx1">
+                    <a:lumMod val="50000"/>
+                    <a:lumOff val="50000"/>
+                  </a:schemeClr>
+                </a:solidFill>
+                <a:latin typeface="한컴 고딕" panose="02000500000000000000" pitchFamily="2" charset="-127"/>
+                <a:ea typeface="한컴 고딕" panose="02000500000000000000" pitchFamily="2" charset="-127"/>
+              </a:rPr>
+              <a:t>install</a:t>
+            </a:r>
+            <a:r>
+              <a:rPr lang="ko-KR" altLang="en-US" dirty="0">
+                <a:solidFill>
+                  <a:schemeClr val="tx1">
+                    <a:lumMod val="50000"/>
+                    <a:lumOff val="50000"/>
+                  </a:schemeClr>
+                </a:solidFill>
+                <a:latin typeface="한컴 고딕" panose="02000500000000000000" pitchFamily="2" charset="-127"/>
+                <a:ea typeface="한컴 고딕" panose="02000500000000000000" pitchFamily="2" charset="-127"/>
+              </a:rPr>
+              <a:t> gir1.2-goocanvas-2.0 gir1.2-gtk-3.0 libgirepository1.0-dev python3-dev python3-gi python3-gi-cairo python3-pip python3-pygraphviz python3-pygccxml</a:t>
+            </a:r>
+          </a:p>
+          <a:p>
+            <a:r>
+              <a:rPr lang="ko-KR" altLang="en-US" dirty="0">
+                <a:solidFill>
+                  <a:schemeClr val="tx1">
+                    <a:lumMod val="50000"/>
+                    <a:lumOff val="50000"/>
+                  </a:schemeClr>
+                </a:solidFill>
+                <a:latin typeface="한컴 고딕" panose="02000500000000000000" pitchFamily="2" charset="-127"/>
+                <a:ea typeface="한컴 고딕" panose="02000500000000000000" pitchFamily="2" charset="-127"/>
+              </a:rPr>
+              <a:t>$ </a:t>
+            </a:r>
+            <a:r>
+              <a:rPr lang="ko-KR" altLang="en-US" dirty="0" err="1">
+                <a:solidFill>
+                  <a:schemeClr val="tx1">
+                    <a:lumMod val="50000"/>
+                    <a:lumOff val="50000"/>
+                  </a:schemeClr>
+                </a:solidFill>
+                <a:latin typeface="한컴 고딕" panose="02000500000000000000" pitchFamily="2" charset="-127"/>
+                <a:ea typeface="한컴 고딕" panose="02000500000000000000" pitchFamily="2" charset="-127"/>
+              </a:rPr>
+              <a:t>sudo</a:t>
+            </a:r>
+            <a:r>
+              <a:rPr lang="ko-KR" altLang="en-US" dirty="0">
+                <a:solidFill>
+                  <a:schemeClr val="tx1">
+                    <a:lumMod val="50000"/>
+                    <a:lumOff val="50000"/>
+                  </a:schemeClr>
+                </a:solidFill>
+                <a:latin typeface="한컴 고딕" panose="02000500000000000000" pitchFamily="2" charset="-127"/>
+                <a:ea typeface="한컴 고딕" panose="02000500000000000000" pitchFamily="2" charset="-127"/>
+              </a:rPr>
+              <a:t> pip3 </a:t>
+            </a:r>
+            <a:r>
+              <a:rPr lang="ko-KR" altLang="en-US" dirty="0" err="1">
+                <a:solidFill>
+                  <a:schemeClr val="tx1">
+                    <a:lumMod val="50000"/>
+                    <a:lumOff val="50000"/>
+                  </a:schemeClr>
+                </a:solidFill>
+                <a:latin typeface="한컴 고딕" panose="02000500000000000000" pitchFamily="2" charset="-127"/>
+                <a:ea typeface="한컴 고딕" panose="02000500000000000000" pitchFamily="2" charset="-127"/>
+              </a:rPr>
+              <a:t>install</a:t>
+            </a:r>
+            <a:r>
+              <a:rPr lang="ko-KR" altLang="en-US" dirty="0">
+                <a:solidFill>
+                  <a:schemeClr val="tx1">
+                    <a:lumMod val="50000"/>
+                    <a:lumOff val="50000"/>
+                  </a:schemeClr>
+                </a:solidFill>
+                <a:latin typeface="한컴 고딕" panose="02000500000000000000" pitchFamily="2" charset="-127"/>
+                <a:ea typeface="한컴 고딕" panose="02000500000000000000" pitchFamily="2" charset="-127"/>
+              </a:rPr>
+              <a:t> </a:t>
+            </a:r>
+            <a:r>
+              <a:rPr lang="ko-KR" altLang="en-US" dirty="0" err="1">
+                <a:solidFill>
+                  <a:schemeClr val="tx1">
+                    <a:lumMod val="50000"/>
+                    <a:lumOff val="50000"/>
+                  </a:schemeClr>
+                </a:solidFill>
+                <a:latin typeface="한컴 고딕" panose="02000500000000000000" pitchFamily="2" charset="-127"/>
+                <a:ea typeface="한컴 고딕" panose="02000500000000000000" pitchFamily="2" charset="-127"/>
+              </a:rPr>
+              <a:t>kiwi</a:t>
+            </a:r>
+            <a:endParaRPr lang="ko-KR" altLang="en-US" dirty="0">
+              <a:solidFill>
+                <a:schemeClr val="tx1">
+                  <a:lumMod val="50000"/>
+                  <a:lumOff val="50000"/>
+                </a:schemeClr>
+              </a:solidFill>
+              <a:latin typeface="한컴 고딕" panose="02000500000000000000" pitchFamily="2" charset="-127"/>
+              <a:ea typeface="한컴 고딕" panose="02000500000000000000" pitchFamily="2" charset="-127"/>
+            </a:endParaRPr>
+          </a:p>
+        </p:txBody>
+      </p:sp>
+      <p:sp>
+        <p:nvSpPr>
+          <p:cNvPr id="20" name="TextBox 19">
+            <a:extLst>
+              <a:ext uri="{FF2B5EF4-FFF2-40B4-BE49-F238E27FC236}">
+                <a16:creationId xmlns:a16="http://schemas.microsoft.com/office/drawing/2014/main" id="{9582D61F-3D70-B6E8-1A1B-82995A4925FC}"/>
+              </a:ext>
+            </a:extLst>
+          </p:cNvPr>
+          <p:cNvSpPr txBox="1"/>
+          <p:nvPr/>
+        </p:nvSpPr>
+        <p:spPr>
+          <a:xfrm>
+            <a:off x="206187" y="3777093"/>
+            <a:ext cx="11842378" cy="509627"/>
+          </a:xfrm>
+          <a:prstGeom prst="rect">
+            <a:avLst/>
+          </a:prstGeom>
+          <a:noFill/>
+        </p:spPr>
+        <p:txBody>
+          <a:bodyPr wrap="square" rtlCol="0">
+            <a:spAutoFit/>
+          </a:bodyPr>
+          <a:lstStyle/>
+          <a:p>
+            <a:pPr marL="342900" indent="-342900">
               <a:lnSpc>
                 <a:spcPct val="150000"/>
               </a:lnSpc>
@@ -4446,7 +4759,7 @@
               <a:buChar char="•"/>
             </a:pPr>
             <a:r>
-              <a:rPr lang="ko-KR" altLang="en-US" sz="2000" b="1" dirty="0">
+              <a:rPr lang="en-US" altLang="ko-KR" sz="2000" b="1" dirty="0" err="1">
                 <a:solidFill>
                   <a:schemeClr val="tx1">
                     <a:lumMod val="50000"/>
@@ -4455,9 +4768,8 @@
                 </a:solidFill>
                 <a:latin typeface="한컴 고딕" panose="02000500000000000000" pitchFamily="2" charset="-127"/>
                 <a:ea typeface="한컴 고딕" panose="02000500000000000000" pitchFamily="2" charset="-127"/>
-                <a:sym typeface="Wingdings" panose="05000000000000000000" pitchFamily="2" charset="2"/>
-              </a:rPr>
-              <a:t>데이터 생성자 </a:t>
+              </a:rPr>
+              <a:t>ndnSIM</a:t>
             </a:r>
             <a:r>
               <a:rPr lang="en-US" altLang="ko-KR" sz="2000" b="1" dirty="0">
@@ -4469,9 +4781,8 @@
                 </a:solidFill>
                 <a:latin typeface="한컴 고딕" panose="02000500000000000000" pitchFamily="2" charset="-127"/>
                 <a:ea typeface="한컴 고딕" panose="02000500000000000000" pitchFamily="2" charset="-127"/>
-                <a:sym typeface="Wingdings" panose="05000000000000000000" pitchFamily="2" charset="2"/>
-              </a:rPr>
-              <a:t>(Alice) : </a:t>
+              </a:rPr>
+              <a:t> Source </a:t>
             </a:r>
             <a:r>
               <a:rPr lang="ko-KR" altLang="en-US" sz="2000" b="1" dirty="0">
@@ -4483,425 +4794,56 @@
                 </a:solidFill>
                 <a:latin typeface="한컴 고딕" panose="02000500000000000000" pitchFamily="2" charset="-127"/>
                 <a:ea typeface="한컴 고딕" panose="02000500000000000000" pitchFamily="2" charset="-127"/>
-                <a:sym typeface="Wingdings" panose="05000000000000000000" pitchFamily="2" charset="2"/>
-              </a:rPr>
-              <a:t>동기화 </a:t>
-            </a:r>
-            <a:r>
-              <a:rPr lang="en-US" altLang="ko-KR" sz="2000" b="1" dirty="0">
-                <a:solidFill>
-                  <a:schemeClr val="tx1">
-                    <a:lumMod val="50000"/>
-                    <a:lumOff val="50000"/>
-                  </a:schemeClr>
-                </a:solidFill>
-                <a:latin typeface="한컴 고딕" panose="02000500000000000000" pitchFamily="2" charset="-127"/>
-                <a:ea typeface="한컴 고딕" panose="02000500000000000000" pitchFamily="2" charset="-127"/>
-                <a:sym typeface="Wingdings" panose="05000000000000000000" pitchFamily="2" charset="2"/>
-              </a:rPr>
-              <a:t>Interest</a:t>
-            </a:r>
-            <a:r>
-              <a:rPr lang="ko-KR" altLang="en-US" sz="2000" b="1" dirty="0">
-                <a:solidFill>
-                  <a:schemeClr val="tx1">
-                    <a:lumMod val="50000"/>
-                    <a:lumOff val="50000"/>
-                  </a:schemeClr>
-                </a:solidFill>
-                <a:latin typeface="한컴 고딕" panose="02000500000000000000" pitchFamily="2" charset="-127"/>
-                <a:ea typeface="한컴 고딕" panose="02000500000000000000" pitchFamily="2" charset="-127"/>
-                <a:sym typeface="Wingdings" panose="05000000000000000000" pitchFamily="2" charset="2"/>
-              </a:rPr>
-              <a:t>를 전송하여 다른 사용자들에게 알린다</a:t>
-            </a:r>
-            <a:r>
-              <a:rPr lang="en-US" altLang="ko-KR" sz="2000" b="1" dirty="0">
-                <a:solidFill>
-                  <a:schemeClr val="tx1">
-                    <a:lumMod val="50000"/>
-                    <a:lumOff val="50000"/>
-                  </a:schemeClr>
-                </a:solidFill>
-                <a:latin typeface="한컴 고딕" panose="02000500000000000000" pitchFamily="2" charset="-127"/>
-                <a:ea typeface="한컴 고딕" panose="02000500000000000000" pitchFamily="2" charset="-127"/>
-                <a:sym typeface="Wingdings" panose="05000000000000000000" pitchFamily="2" charset="2"/>
-              </a:rPr>
-              <a:t>.</a:t>
-            </a:r>
-            <a:br>
-              <a:rPr lang="en-US" altLang="ko-KR" sz="2000" b="1" dirty="0">
-                <a:solidFill>
-                  <a:schemeClr val="tx1">
-                    <a:lumMod val="50000"/>
-                    <a:lumOff val="50000"/>
-                  </a:schemeClr>
-                </a:solidFill>
-                <a:latin typeface="한컴 고딕" panose="02000500000000000000" pitchFamily="2" charset="-127"/>
-                <a:ea typeface="한컴 고딕" panose="02000500000000000000" pitchFamily="2" charset="-127"/>
-                <a:sym typeface="Wingdings" panose="05000000000000000000" pitchFamily="2" charset="2"/>
-              </a:rPr>
-            </a:br>
-            <a:r>
-              <a:rPr lang="en-US" altLang="ko-KR" sz="2000" b="1" dirty="0">
-                <a:solidFill>
-                  <a:schemeClr val="tx1">
-                    <a:lumMod val="50000"/>
-                    <a:lumOff val="50000"/>
-                  </a:schemeClr>
-                </a:solidFill>
-                <a:latin typeface="한컴 고딕" panose="02000500000000000000" pitchFamily="2" charset="-127"/>
-                <a:ea typeface="한컴 고딕" panose="02000500000000000000" pitchFamily="2" charset="-127"/>
-                <a:sym typeface="Wingdings" panose="05000000000000000000" pitchFamily="2" charset="2"/>
-              </a:rPr>
-              <a:t>   </a:t>
-            </a:r>
-            <a:r>
-              <a:rPr lang="ko-KR" altLang="en-US" sz="2000" b="1" dirty="0">
-                <a:solidFill>
-                  <a:schemeClr val="tx1">
-                    <a:lumMod val="50000"/>
-                    <a:lumOff val="50000"/>
-                  </a:schemeClr>
-                </a:solidFill>
-                <a:latin typeface="한컴 고딕" panose="02000500000000000000" pitchFamily="2" charset="-127"/>
-                <a:ea typeface="한컴 고딕" panose="02000500000000000000" pitchFamily="2" charset="-127"/>
-                <a:sym typeface="Wingdings" panose="05000000000000000000" pitchFamily="2" charset="2"/>
-              </a:rPr>
-              <a:t>데이터를 원하는 사용자는 </a:t>
-            </a:r>
-            <a:r>
-              <a:rPr lang="en-US" altLang="ko-KR" sz="2000" b="1" dirty="0">
-                <a:solidFill>
-                  <a:schemeClr val="tx1">
-                    <a:lumMod val="50000"/>
-                    <a:lumOff val="50000"/>
-                  </a:schemeClr>
-                </a:solidFill>
-                <a:latin typeface="한컴 고딕" panose="02000500000000000000" pitchFamily="2" charset="-127"/>
-                <a:ea typeface="한컴 고딕" panose="02000500000000000000" pitchFamily="2" charset="-127"/>
-                <a:sym typeface="Wingdings" panose="05000000000000000000" pitchFamily="2" charset="2"/>
-              </a:rPr>
-              <a:t>Interest </a:t>
-            </a:r>
-            <a:r>
-              <a:rPr lang="ko-KR" altLang="en-US" sz="2000" b="1" dirty="0">
-                <a:solidFill>
-                  <a:schemeClr val="tx1">
-                    <a:lumMod val="50000"/>
-                    <a:lumOff val="50000"/>
-                  </a:schemeClr>
-                </a:solidFill>
-                <a:latin typeface="한컴 고딕" panose="02000500000000000000" pitchFamily="2" charset="-127"/>
-                <a:ea typeface="한컴 고딕" panose="02000500000000000000" pitchFamily="2" charset="-127"/>
-                <a:sym typeface="Wingdings" panose="05000000000000000000" pitchFamily="2" charset="2"/>
-              </a:rPr>
-              <a:t>이름으로 데이터를 가져온다</a:t>
-            </a:r>
-            <a:r>
-              <a:rPr lang="en-US" altLang="ko-KR" sz="2000" b="1" dirty="0">
-                <a:solidFill>
-                  <a:schemeClr val="tx1">
-                    <a:lumMod val="50000"/>
-                    <a:lumOff val="50000"/>
-                  </a:schemeClr>
-                </a:solidFill>
-                <a:latin typeface="한컴 고딕" panose="02000500000000000000" pitchFamily="2" charset="-127"/>
-                <a:ea typeface="한컴 고딕" panose="02000500000000000000" pitchFamily="2" charset="-127"/>
-                <a:sym typeface="Wingdings" panose="05000000000000000000" pitchFamily="2" charset="2"/>
-              </a:rPr>
-              <a:t>.</a:t>
-            </a:r>
-          </a:p>
-        </p:txBody>
-      </p:sp>
-      <p:sp>
-        <p:nvSpPr>
-          <p:cNvPr id="3" name="슬라이드 번호 개체 틀 2">
-            <a:extLst>
-              <a:ext uri="{FF2B5EF4-FFF2-40B4-BE49-F238E27FC236}">
-                <a16:creationId xmlns:a16="http://schemas.microsoft.com/office/drawing/2014/main" id="{4EC25071-CFFA-8C9C-CB7A-29C2F016666E}"/>
-              </a:ext>
-            </a:extLst>
-          </p:cNvPr>
-          <p:cNvSpPr>
-            <a:spLocks noGrp="1"/>
-          </p:cNvSpPr>
-          <p:nvPr>
-            <p:ph type="sldNum" sz="quarter" idx="12"/>
-          </p:nvPr>
-        </p:nvSpPr>
-        <p:spPr/>
-        <p:txBody>
-          <a:bodyPr/>
-          <a:lstStyle/>
-          <a:p>
-            <a:fld id="{4503EA79-8FE5-4AB7-9144-49D69278BFF0}" type="slidenum">
-              <a:rPr lang="ko-KR" altLang="en-US" smtClean="0"/>
-              <a:t>10</a:t>
-            </a:fld>
-            <a:endParaRPr lang="ko-KR" altLang="en-US" dirty="0"/>
-          </a:p>
-        </p:txBody>
-      </p:sp>
-      <p:grpSp>
-        <p:nvGrpSpPr>
-          <p:cNvPr id="14" name="그룹 13">
-            <a:extLst>
-              <a:ext uri="{FF2B5EF4-FFF2-40B4-BE49-F238E27FC236}">
-                <a16:creationId xmlns:a16="http://schemas.microsoft.com/office/drawing/2014/main" id="{9C5EFB2F-A953-EA5F-598D-829AACB0F652}"/>
-              </a:ext>
-            </a:extLst>
-          </p:cNvPr>
-          <p:cNvGrpSpPr/>
+              </a:rPr>
+              <a:t>다운로드</a:t>
+            </a:r>
+            <a:endParaRPr lang="en-US" altLang="ko-KR" sz="2000" b="1" dirty="0">
+              <a:solidFill>
+                <a:schemeClr val="tx1">
+                  <a:lumMod val="50000"/>
+                  <a:lumOff val="50000"/>
+                </a:schemeClr>
+              </a:solidFill>
+              <a:latin typeface="한컴 고딕" panose="02000500000000000000" pitchFamily="2" charset="-127"/>
+              <a:ea typeface="한컴 고딕" panose="02000500000000000000" pitchFamily="2" charset="-127"/>
+            </a:endParaRPr>
+          </a:p>
+        </p:txBody>
+      </p:sp>
+      <p:pic>
+        <p:nvPicPr>
+          <p:cNvPr id="22" name="그림 21">
+            <a:extLst>
+              <a:ext uri="{FF2B5EF4-FFF2-40B4-BE49-F238E27FC236}">
+                <a16:creationId xmlns:a16="http://schemas.microsoft.com/office/drawing/2014/main" id="{05AE81C1-6F89-7EF4-6CAE-DAB4E43765B8}"/>
+              </a:ext>
+            </a:extLst>
+          </p:cNvPr>
+          <p:cNvPicPr>
+            <a:picLocks noChangeAspect="1"/>
+          </p:cNvPicPr>
           <p:nvPr/>
-        </p:nvGrpSpPr>
-        <p:grpSpPr>
+        </p:nvPicPr>
+        <p:blipFill>
+          <a:blip r:embed="rId3"/>
+          <a:stretch>
+            <a:fillRect/>
+          </a:stretch>
+        </p:blipFill>
+        <p:spPr>
           <a:xfrm>
-            <a:off x="3673739" y="3495786"/>
-            <a:ext cx="4844522" cy="2952493"/>
-            <a:chOff x="3673739" y="3495786"/>
-            <a:chExt cx="4844522" cy="2952493"/>
+            <a:off x="206186" y="4286720"/>
+            <a:ext cx="9334500" cy="2190750"/>
           </a:xfrm>
-        </p:grpSpPr>
-        <p:grpSp>
-          <p:nvGrpSpPr>
-            <p:cNvPr id="9" name="그룹 8">
-              <a:extLst>
-                <a:ext uri="{FF2B5EF4-FFF2-40B4-BE49-F238E27FC236}">
-                  <a16:creationId xmlns:a16="http://schemas.microsoft.com/office/drawing/2014/main" id="{EF00D929-5F8D-7E12-E12D-3D458B2C89C9}"/>
-                </a:ext>
-              </a:extLst>
-            </p:cNvPr>
-            <p:cNvGrpSpPr/>
-            <p:nvPr/>
-          </p:nvGrpSpPr>
-          <p:grpSpPr>
-            <a:xfrm>
-              <a:off x="3673739" y="3495786"/>
-              <a:ext cx="4844522" cy="2952493"/>
-              <a:chOff x="3673739" y="3495786"/>
-              <a:chExt cx="4844522" cy="2952493"/>
-            </a:xfrm>
-          </p:grpSpPr>
-          <p:pic>
-            <p:nvPicPr>
-              <p:cNvPr id="5122" name="Picture 2" descr="image">
-                <a:extLst>
-                  <a:ext uri="{FF2B5EF4-FFF2-40B4-BE49-F238E27FC236}">
-                    <a16:creationId xmlns:a16="http://schemas.microsoft.com/office/drawing/2014/main" id="{CB682662-FDC6-5FD2-EE23-4DE7AC0F7AC1}"/>
-                  </a:ext>
-                </a:extLst>
-              </p:cNvPr>
-              <p:cNvPicPr>
-                <a:picLocks noChangeAspect="1" noChangeArrowheads="1"/>
-              </p:cNvPicPr>
-              <p:nvPr/>
-            </p:nvPicPr>
-            <p:blipFill>
-              <a:blip r:embed="rId2">
-                <a:extLst>
-                  <a:ext uri="{28A0092B-C50C-407E-A947-70E740481C1C}">
-                    <a14:useLocalDpi xmlns:a14="http://schemas.microsoft.com/office/drawing/2010/main" val="0"/>
-                  </a:ext>
-                </a:extLst>
-              </a:blip>
-              <a:srcRect/>
-              <a:stretch>
-                <a:fillRect/>
-              </a:stretch>
-            </p:blipFill>
-            <p:spPr bwMode="auto">
-              <a:xfrm>
-                <a:off x="4345376" y="3495786"/>
-                <a:ext cx="3501249" cy="2713145"/>
-              </a:xfrm>
-              <a:prstGeom prst="rect">
-                <a:avLst/>
-              </a:prstGeom>
-              <a:noFill/>
-              <a:extLst>
-                <a:ext uri="{909E8E84-426E-40DD-AFC4-6F175D3DCCD1}">
-                  <a14:hiddenFill xmlns:a14="http://schemas.microsoft.com/office/drawing/2010/main">
-                    <a:solidFill>
-                      <a:srgbClr val="FFFFFF"/>
-                    </a:solidFill>
-                  </a14:hiddenFill>
-                </a:ext>
-              </a:extLst>
-            </p:spPr>
-          </p:pic>
-          <p:sp>
-            <p:nvSpPr>
-              <p:cNvPr id="5" name="TextBox 4">
-                <a:extLst>
-                  <a:ext uri="{FF2B5EF4-FFF2-40B4-BE49-F238E27FC236}">
-                    <a16:creationId xmlns:a16="http://schemas.microsoft.com/office/drawing/2014/main" id="{31A75CA9-E77A-7875-13E5-DF321F091CB8}"/>
-                  </a:ext>
-                </a:extLst>
-              </p:cNvPr>
-              <p:cNvSpPr txBox="1"/>
-              <p:nvPr/>
-            </p:nvSpPr>
-            <p:spPr>
-              <a:xfrm>
-                <a:off x="3673739" y="6202058"/>
-                <a:ext cx="4844522" cy="246221"/>
-              </a:xfrm>
-              <a:prstGeom prst="rect">
-                <a:avLst/>
-              </a:prstGeom>
-              <a:noFill/>
-            </p:spPr>
-            <p:txBody>
-              <a:bodyPr wrap="square" rtlCol="0">
-                <a:spAutoFit/>
-              </a:bodyPr>
-              <a:lstStyle/>
-              <a:p>
-                <a:pPr algn="ctr"/>
-                <a:r>
-                  <a:rPr lang="ko-KR" altLang="en-US" sz="1000" b="1" dirty="0">
-                    <a:latin typeface="한컴 고딕" panose="02000500000000000000" pitchFamily="2" charset="-127"/>
-                    <a:ea typeface="한컴 고딕" panose="02000500000000000000" pitchFamily="2" charset="-127"/>
-                  </a:rPr>
-                  <a:t>그림</a:t>
-                </a:r>
-                <a:r>
-                  <a:rPr lang="en-US" altLang="ko-KR" sz="1000" b="1" dirty="0">
-                    <a:latin typeface="한컴 고딕" panose="02000500000000000000" pitchFamily="2" charset="-127"/>
-                    <a:ea typeface="한컴 고딕" panose="02000500000000000000" pitchFamily="2" charset="-127"/>
-                  </a:rPr>
-                  <a:t> 6. </a:t>
-                </a:r>
-                <a:r>
-                  <a:rPr lang="ko-KR" altLang="en-US" sz="1000" b="1" dirty="0">
-                    <a:latin typeface="한컴 고딕" panose="02000500000000000000" pitchFamily="2" charset="-127"/>
-                    <a:ea typeface="한컴 고딕" panose="02000500000000000000" pitchFamily="2" charset="-127"/>
-                  </a:rPr>
-                  <a:t>배포 앱 내부에서 가입한 동기화 그룹</a:t>
-                </a:r>
-                <a:endParaRPr lang="en-US" altLang="ko-KR" sz="1000" b="1" dirty="0">
-                  <a:latin typeface="한컴 고딕" panose="02000500000000000000" pitchFamily="2" charset="-127"/>
-                  <a:ea typeface="한컴 고딕" panose="02000500000000000000" pitchFamily="2" charset="-127"/>
-                </a:endParaRPr>
-              </a:p>
-            </p:txBody>
-          </p:sp>
-        </p:grpSp>
-        <p:sp>
-          <p:nvSpPr>
-            <p:cNvPr id="11" name="TextBox 10">
-              <a:extLst>
-                <a:ext uri="{FF2B5EF4-FFF2-40B4-BE49-F238E27FC236}">
-                  <a16:creationId xmlns:a16="http://schemas.microsoft.com/office/drawing/2014/main" id="{DECE1E4B-E2FD-E423-8752-BA003C449B86}"/>
-                </a:ext>
-              </a:extLst>
-            </p:cNvPr>
-            <p:cNvSpPr txBox="1"/>
-            <p:nvPr/>
-          </p:nvSpPr>
-          <p:spPr>
-            <a:xfrm>
-              <a:off x="4922729" y="4631612"/>
-              <a:ext cx="713657" cy="369332"/>
-            </a:xfrm>
-            <a:prstGeom prst="rect">
-              <a:avLst/>
-            </a:prstGeom>
-            <a:noFill/>
-          </p:spPr>
-          <p:txBody>
-            <a:bodyPr wrap="none" rtlCol="0">
-              <a:spAutoFit/>
-            </a:bodyPr>
-            <a:lstStyle/>
-            <a:p>
-              <a:r>
-                <a:rPr lang="en-US" altLang="ko-KR" b="1" dirty="0"/>
-                <a:t>Alice</a:t>
-              </a:r>
-              <a:endParaRPr lang="ko-KR" altLang="en-US" b="1" dirty="0"/>
-            </a:p>
-          </p:txBody>
-        </p:sp>
-        <p:sp>
-          <p:nvSpPr>
-            <p:cNvPr id="12" name="TextBox 11">
-              <a:extLst>
-                <a:ext uri="{FF2B5EF4-FFF2-40B4-BE49-F238E27FC236}">
-                  <a16:creationId xmlns:a16="http://schemas.microsoft.com/office/drawing/2014/main" id="{F7EFF0C0-8F14-F59C-4388-FA434CDF1A46}"/>
-                </a:ext>
-              </a:extLst>
-            </p:cNvPr>
-            <p:cNvSpPr txBox="1"/>
-            <p:nvPr/>
-          </p:nvSpPr>
-          <p:spPr>
-            <a:xfrm>
-              <a:off x="7160048" y="3749013"/>
-              <a:ext cx="619080" cy="369332"/>
-            </a:xfrm>
-            <a:prstGeom prst="rect">
-              <a:avLst/>
-            </a:prstGeom>
-            <a:noFill/>
-          </p:spPr>
-          <p:txBody>
-            <a:bodyPr wrap="none" rtlCol="0">
-              <a:spAutoFit/>
-            </a:bodyPr>
-            <a:lstStyle/>
-            <a:p>
-              <a:r>
-                <a:rPr lang="en-US" altLang="ko-KR" b="1" dirty="0"/>
-                <a:t>Bob</a:t>
-              </a:r>
-              <a:endParaRPr lang="ko-KR" altLang="en-US" b="1" dirty="0"/>
-            </a:p>
-          </p:txBody>
-        </p:sp>
-        <p:sp>
-          <p:nvSpPr>
-            <p:cNvPr id="13" name="TextBox 12">
-              <a:extLst>
-                <a:ext uri="{FF2B5EF4-FFF2-40B4-BE49-F238E27FC236}">
-                  <a16:creationId xmlns:a16="http://schemas.microsoft.com/office/drawing/2014/main" id="{1AC494C3-1135-9C77-EDA4-44D59F1EBDAB}"/>
-                </a:ext>
-              </a:extLst>
-            </p:cNvPr>
-            <p:cNvSpPr txBox="1"/>
-            <p:nvPr/>
-          </p:nvSpPr>
-          <p:spPr>
-            <a:xfrm>
-              <a:off x="7160048" y="5593378"/>
-              <a:ext cx="808235" cy="369332"/>
-            </a:xfrm>
-            <a:prstGeom prst="rect">
-              <a:avLst/>
-            </a:prstGeom>
-            <a:noFill/>
-          </p:spPr>
-          <p:txBody>
-            <a:bodyPr wrap="none" rtlCol="0">
-              <a:spAutoFit/>
-            </a:bodyPr>
-            <a:lstStyle/>
-            <a:p>
-              <a:r>
-                <a:rPr lang="en-US" altLang="ko-KR" b="1" dirty="0"/>
-                <a:t>Cathy</a:t>
-              </a:r>
-              <a:endParaRPr lang="ko-KR" altLang="en-US" b="1" dirty="0"/>
-            </a:p>
-          </p:txBody>
-        </p:sp>
-      </p:grpSp>
+          <a:prstGeom prst="rect">
+            <a:avLst/>
+          </a:prstGeom>
+        </p:spPr>
+      </p:pic>
     </p:spTree>
     <p:extLst>
       <p:ext uri="{BB962C8B-B14F-4D97-AF65-F5344CB8AC3E}">
-        <p14:creationId xmlns:p14="http://schemas.microsoft.com/office/powerpoint/2010/main" val="3671059957"/>
+        <p14:creationId xmlns:p14="http://schemas.microsoft.com/office/powerpoint/2010/main" val="2433310012"/>
       </p:ext>
     </p:extLst>
   </p:cSld>
@@ -4943,7 +4885,7 @@
         <p:spPr>
           <a:xfrm>
             <a:off x="143435" y="130844"/>
-            <a:ext cx="11842377" cy="584775"/>
+            <a:ext cx="9744635" cy="584775"/>
           </a:xfrm>
           <a:prstGeom prst="rect">
             <a:avLst/>
@@ -4958,7 +4900,7 @@
           <a:p>
             <a:pPr algn="just"/>
             <a:r>
-              <a:rPr lang="en-US" altLang="ko-KR" sz="3200" dirty="0">
+              <a:rPr lang="en-US" altLang="ko-KR" sz="3200" dirty="0" err="1">
                 <a:solidFill>
                   <a:schemeClr val="tx1">
                     <a:lumMod val="65000"/>
@@ -4968,8 +4910,44 @@
                 <a:latin typeface="배달의민족 도현" panose="020B0600000101010101" pitchFamily="50" charset="-127"/>
                 <a:ea typeface="배달의민족 도현" panose="020B0600000101010101" pitchFamily="50" charset="-127"/>
               </a:rPr>
-              <a:t>NDN Transport : Synchronizing Dataset Names</a:t>
-            </a:r>
+              <a:t>ndnSIM</a:t>
+            </a:r>
+            <a:r>
+              <a:rPr lang="en-US" altLang="ko-KR" sz="3200" dirty="0">
+                <a:solidFill>
+                  <a:schemeClr val="tx1">
+                    <a:lumMod val="65000"/>
+                    <a:lumOff val="35000"/>
+                  </a:schemeClr>
+                </a:solidFill>
+                <a:latin typeface="배달의민족 도현" panose="020B0600000101010101" pitchFamily="50" charset="-127"/>
+                <a:ea typeface="배달의민족 도현" panose="020B0600000101010101" pitchFamily="50" charset="-127"/>
+              </a:rPr>
+              <a:t> </a:t>
+            </a:r>
+            <a:r>
+              <a:rPr lang="ko-KR" altLang="en-US" sz="3200" dirty="0">
+                <a:solidFill>
+                  <a:schemeClr val="tx1">
+                    <a:lumMod val="65000"/>
+                    <a:lumOff val="35000"/>
+                  </a:schemeClr>
+                </a:solidFill>
+                <a:latin typeface="배달의민족 도현" panose="020B0600000101010101" pitchFamily="50" charset="-127"/>
+                <a:ea typeface="배달의민족 도현" panose="020B0600000101010101" pitchFamily="50" charset="-127"/>
+              </a:rPr>
+              <a:t>설치</a:t>
+            </a:r>
+            <a:endParaRPr lang="en-US" altLang="ko-KR" sz="3200" dirty="0">
+              <a:solidFill>
+                <a:schemeClr val="tx1">
+                  <a:lumMod val="65000"/>
+                  <a:lumOff val="35000"/>
+                </a:schemeClr>
+              </a:solidFill>
+              <a:latin typeface="배달의민족 도현" panose="020B0600000101010101" pitchFamily="50" charset="-127"/>
+              <a:ea typeface="배달의민족 도현" panose="020B0600000101010101" pitchFamily="50" charset="-127"/>
+            </a:endParaRPr>
           </a:p>
         </p:txBody>
       </p:sp>
@@ -4990,7 +4968,7 @@
         <p:spPr>
           <a:xfrm>
             <a:off x="206188" y="724225"/>
-            <a:ext cx="9764530" cy="0"/>
+            <a:ext cx="2424278" cy="0"/>
           </a:xfrm>
           <a:prstGeom prst="line">
             <a:avLst/>
@@ -5033,7 +5011,7 @@
         <p:spPr>
           <a:xfrm>
             <a:off x="206187" y="715619"/>
-            <a:ext cx="11833413" cy="3741281"/>
+            <a:ext cx="11842378" cy="971292"/>
           </a:xfrm>
           <a:prstGeom prst="rect">
             <a:avLst/>
@@ -5052,14 +5030,24 @@
               </a:lnSpc>
             </a:pPr>
             <a:r>
-              <a:rPr lang="ko-KR" altLang="en-US" sz="2000" b="1" dirty="0" err="1">
+              <a:rPr lang="en-US" altLang="ko-KR" sz="2000" b="1" dirty="0" err="1">
                 <a:solidFill>
                   <a:schemeClr val="accent1"/>
                 </a:solidFill>
                 <a:latin typeface="한컴 고딕" panose="02000500000000000000" pitchFamily="2" charset="-127"/>
                 <a:ea typeface="한컴 고딕" panose="02000500000000000000" pitchFamily="2" charset="-127"/>
               </a:rPr>
-              <a:t>채팅앱을</a:t>
+              <a:t>ndnSIM</a:t>
+            </a:r>
+            <a:r>
+              <a:rPr lang="en-US" altLang="ko-KR" sz="2000" b="1" dirty="0">
+                <a:solidFill>
+                  <a:schemeClr val="accent1"/>
+                </a:solidFill>
+                <a:latin typeface="한컴 고딕" panose="02000500000000000000" pitchFamily="2" charset="-127"/>
+                <a:ea typeface="한컴 고딕" panose="02000500000000000000" pitchFamily="2" charset="-127"/>
+              </a:rPr>
+              <a:t> </a:t>
             </a:r>
             <a:r>
               <a:rPr lang="ko-KR" altLang="en-US" sz="2000" b="1" dirty="0">
@@ -5069,27 +5057,7 @@
                 <a:latin typeface="한컴 고딕" panose="02000500000000000000" pitchFamily="2" charset="-127"/>
                 <a:ea typeface="한컴 고딕" panose="02000500000000000000" pitchFamily="2" charset="-127"/>
               </a:rPr>
-              <a:t> 통한 </a:t>
-            </a:r>
-            <a:r>
-              <a:rPr lang="en-US" altLang="ko-KR" sz="2000" b="1" dirty="0">
-                <a:solidFill>
-                  <a:schemeClr val="accent1"/>
-                </a:solidFill>
-                <a:latin typeface="한컴 고딕" panose="02000500000000000000" pitchFamily="2" charset="-127"/>
-                <a:ea typeface="한컴 고딕" panose="02000500000000000000" pitchFamily="2" charset="-127"/>
-              </a:rPr>
-              <a:t>SVS </a:t>
-            </a:r>
-            <a:r>
-              <a:rPr lang="ko-KR" altLang="en-US" sz="2000" b="1" dirty="0">
-                <a:solidFill>
-                  <a:schemeClr val="accent1"/>
-                </a:solidFill>
-                <a:latin typeface="한컴 고딕" panose="02000500000000000000" pitchFamily="2" charset="-127"/>
-                <a:ea typeface="한컴 고딕" panose="02000500000000000000" pitchFamily="2" charset="-127"/>
-              </a:rPr>
-              <a:t>예시</a:t>
+              <a:t>설치</a:t>
             </a:r>
             <a:endParaRPr lang="en-US" altLang="ko-KR" sz="2000" b="1" dirty="0">
               <a:solidFill>
@@ -5100,817 +5068,6 @@
             </a:endParaRPr>
           </a:p>
           <a:p>
-            <a:pPr>
-              <a:lnSpc>
-                <a:spcPct val="150000"/>
-              </a:lnSpc>
-            </a:pPr>
-            <a:r>
-              <a:rPr lang="en-US" altLang="ko-KR" sz="2000" b="1" dirty="0">
-                <a:solidFill>
-                  <a:schemeClr val="tx1">
-                    <a:lumMod val="50000"/>
-                    <a:lumOff val="50000"/>
-                  </a:schemeClr>
-                </a:solidFill>
-                <a:latin typeface="한컴 고딕" panose="02000500000000000000" pitchFamily="2" charset="-127"/>
-                <a:ea typeface="한컴 고딕" panose="02000500000000000000" pitchFamily="2" charset="-127"/>
-                <a:sym typeface="Wingdings" panose="05000000000000000000" pitchFamily="2" charset="2"/>
-              </a:rPr>
-              <a:t>1. </a:t>
-            </a:r>
-            <a:r>
-              <a:rPr lang="ko-KR" altLang="en-US" sz="2000" b="1" dirty="0">
-                <a:solidFill>
-                  <a:schemeClr val="tx1">
-                    <a:lumMod val="50000"/>
-                    <a:lumOff val="50000"/>
-                  </a:schemeClr>
-                </a:solidFill>
-                <a:latin typeface="한컴 고딕" panose="02000500000000000000" pitchFamily="2" charset="-127"/>
-                <a:ea typeface="한컴 고딕" panose="02000500000000000000" pitchFamily="2" charset="-127"/>
-                <a:sym typeface="Wingdings" panose="05000000000000000000" pitchFamily="2" charset="2"/>
-              </a:rPr>
-              <a:t>모든 사용자</a:t>
-            </a:r>
-            <a:r>
-              <a:rPr lang="en-US" altLang="ko-KR" sz="2000" b="1" dirty="0">
-                <a:solidFill>
-                  <a:schemeClr val="tx1">
-                    <a:lumMod val="50000"/>
-                    <a:lumOff val="50000"/>
-                  </a:schemeClr>
-                </a:solidFill>
-                <a:latin typeface="한컴 고딕" panose="02000500000000000000" pitchFamily="2" charset="-127"/>
-                <a:ea typeface="한컴 고딕" panose="02000500000000000000" pitchFamily="2" charset="-127"/>
-                <a:sym typeface="Wingdings" panose="05000000000000000000" pitchFamily="2" charset="2"/>
-              </a:rPr>
-              <a:t>(Alice, Bob, Cathy)</a:t>
-            </a:r>
-            <a:r>
-              <a:rPr lang="ko-KR" altLang="en-US" sz="2000" b="1" dirty="0">
-                <a:solidFill>
-                  <a:schemeClr val="tx1">
-                    <a:lumMod val="50000"/>
-                    <a:lumOff val="50000"/>
-                  </a:schemeClr>
-                </a:solidFill>
-                <a:latin typeface="한컴 고딕" panose="02000500000000000000" pitchFamily="2" charset="-127"/>
-                <a:ea typeface="한컴 고딕" panose="02000500000000000000" pitchFamily="2" charset="-127"/>
-                <a:sym typeface="Wingdings" panose="05000000000000000000" pitchFamily="2" charset="2"/>
-              </a:rPr>
-              <a:t>가 </a:t>
-            </a:r>
-            <a:r>
-              <a:rPr lang="ko-KR" altLang="en-US" sz="2000" b="1" dirty="0" err="1">
-                <a:solidFill>
-                  <a:schemeClr val="tx1">
-                    <a:lumMod val="50000"/>
-                    <a:lumOff val="50000"/>
-                  </a:schemeClr>
-                </a:solidFill>
-                <a:latin typeface="한컴 고딕" panose="02000500000000000000" pitchFamily="2" charset="-127"/>
-                <a:ea typeface="한컴 고딕" panose="02000500000000000000" pitchFamily="2" charset="-127"/>
-                <a:sym typeface="Wingdings" panose="05000000000000000000" pitchFamily="2" charset="2"/>
-              </a:rPr>
-              <a:t>채팅룸에</a:t>
-            </a:r>
-            <a:r>
-              <a:rPr lang="ko-KR" altLang="en-US" sz="2000" b="1" dirty="0">
-                <a:solidFill>
-                  <a:schemeClr val="tx1">
-                    <a:lumMod val="50000"/>
-                    <a:lumOff val="50000"/>
-                  </a:schemeClr>
-                </a:solidFill>
-                <a:latin typeface="한컴 고딕" panose="02000500000000000000" pitchFamily="2" charset="-127"/>
-                <a:ea typeface="한컴 고딕" panose="02000500000000000000" pitchFamily="2" charset="-127"/>
-                <a:sym typeface="Wingdings" panose="05000000000000000000" pitchFamily="2" charset="2"/>
-              </a:rPr>
-              <a:t> 입장하여 </a:t>
-            </a:r>
-            <a:r>
-              <a:rPr lang="en-US" altLang="ko-KR" sz="2000" b="1" dirty="0">
-                <a:solidFill>
-                  <a:schemeClr val="tx1">
-                    <a:lumMod val="50000"/>
-                    <a:lumOff val="50000"/>
-                  </a:schemeClr>
-                </a:solidFill>
-                <a:latin typeface="한컴 고딕" panose="02000500000000000000" pitchFamily="2" charset="-127"/>
-                <a:ea typeface="한컴 고딕" panose="02000500000000000000" pitchFamily="2" charset="-127"/>
-                <a:sym typeface="Wingdings" panose="05000000000000000000" pitchFamily="2" charset="2"/>
-              </a:rPr>
-              <a:t>Sync Group</a:t>
-            </a:r>
-            <a:r>
-              <a:rPr lang="ko-KR" altLang="en-US" sz="2000" b="1" dirty="0">
-                <a:solidFill>
-                  <a:schemeClr val="tx1">
-                    <a:lumMod val="50000"/>
-                    <a:lumOff val="50000"/>
-                  </a:schemeClr>
-                </a:solidFill>
-                <a:latin typeface="한컴 고딕" panose="02000500000000000000" pitchFamily="2" charset="-127"/>
-                <a:ea typeface="한컴 고딕" panose="02000500000000000000" pitchFamily="2" charset="-127"/>
-                <a:sym typeface="Wingdings" panose="05000000000000000000" pitchFamily="2" charset="2"/>
-              </a:rPr>
-              <a:t>에 합류한다</a:t>
-            </a:r>
-            <a:r>
-              <a:rPr lang="en-US" altLang="ko-KR" sz="2000" b="1" dirty="0">
-                <a:solidFill>
-                  <a:schemeClr val="tx1">
-                    <a:lumMod val="50000"/>
-                    <a:lumOff val="50000"/>
-                  </a:schemeClr>
-                </a:solidFill>
-                <a:latin typeface="한컴 고딕" panose="02000500000000000000" pitchFamily="2" charset="-127"/>
-                <a:ea typeface="한컴 고딕" panose="02000500000000000000" pitchFamily="2" charset="-127"/>
-                <a:sym typeface="Wingdings" panose="05000000000000000000" pitchFamily="2" charset="2"/>
-              </a:rPr>
-              <a:t>.</a:t>
-            </a:r>
-          </a:p>
-          <a:p>
-            <a:pPr>
-              <a:lnSpc>
-                <a:spcPct val="150000"/>
-              </a:lnSpc>
-            </a:pPr>
-            <a:r>
-              <a:rPr lang="en-US" altLang="ko-KR" sz="2000" b="1" dirty="0">
-                <a:solidFill>
-                  <a:schemeClr val="tx1">
-                    <a:lumMod val="50000"/>
-                    <a:lumOff val="50000"/>
-                  </a:schemeClr>
-                </a:solidFill>
-                <a:latin typeface="한컴 고딕" panose="02000500000000000000" pitchFamily="2" charset="-127"/>
-                <a:ea typeface="한컴 고딕" panose="02000500000000000000" pitchFamily="2" charset="-127"/>
-                <a:sym typeface="Wingdings" panose="05000000000000000000" pitchFamily="2" charset="2"/>
-              </a:rPr>
-              <a:t>2. Alice</a:t>
-            </a:r>
-            <a:r>
-              <a:rPr lang="ko-KR" altLang="en-US" sz="2000" b="1" dirty="0">
-                <a:solidFill>
-                  <a:schemeClr val="tx1">
-                    <a:lumMod val="50000"/>
-                    <a:lumOff val="50000"/>
-                  </a:schemeClr>
-                </a:solidFill>
-                <a:latin typeface="한컴 고딕" panose="02000500000000000000" pitchFamily="2" charset="-127"/>
-                <a:ea typeface="한컴 고딕" panose="02000500000000000000" pitchFamily="2" charset="-127"/>
-                <a:sym typeface="Wingdings" panose="05000000000000000000" pitchFamily="2" charset="2"/>
-              </a:rPr>
-              <a:t>가 사진을 </a:t>
-            </a:r>
-            <a:r>
-              <a:rPr lang="ko-KR" altLang="en-US" sz="2000" b="1" dirty="0" err="1">
-                <a:solidFill>
-                  <a:schemeClr val="tx1">
-                    <a:lumMod val="50000"/>
-                    <a:lumOff val="50000"/>
-                  </a:schemeClr>
-                </a:solidFill>
-                <a:latin typeface="한컴 고딕" panose="02000500000000000000" pitchFamily="2" charset="-127"/>
-                <a:ea typeface="한컴 고딕" panose="02000500000000000000" pitchFamily="2" charset="-127"/>
-                <a:sym typeface="Wingdings" panose="05000000000000000000" pitchFamily="2" charset="2"/>
-              </a:rPr>
-              <a:t>채팅룸에</a:t>
-            </a:r>
-            <a:r>
-              <a:rPr lang="ko-KR" altLang="en-US" sz="2000" b="1" dirty="0">
-                <a:solidFill>
-                  <a:schemeClr val="tx1">
-                    <a:lumMod val="50000"/>
-                    <a:lumOff val="50000"/>
-                  </a:schemeClr>
-                </a:solidFill>
-                <a:latin typeface="한컴 고딕" panose="02000500000000000000" pitchFamily="2" charset="-127"/>
-                <a:ea typeface="한컴 고딕" panose="02000500000000000000" pitchFamily="2" charset="-127"/>
-                <a:sym typeface="Wingdings" panose="05000000000000000000" pitchFamily="2" charset="2"/>
-              </a:rPr>
-              <a:t> 전송한다</a:t>
-            </a:r>
-            <a:r>
-              <a:rPr lang="en-US" altLang="ko-KR" sz="2000" b="1" dirty="0">
-                <a:solidFill>
-                  <a:schemeClr val="tx1">
-                    <a:lumMod val="50000"/>
-                    <a:lumOff val="50000"/>
-                  </a:schemeClr>
-                </a:solidFill>
-                <a:latin typeface="한컴 고딕" panose="02000500000000000000" pitchFamily="2" charset="-127"/>
-                <a:ea typeface="한컴 고딕" panose="02000500000000000000" pitchFamily="2" charset="-127"/>
-                <a:sym typeface="Wingdings" panose="05000000000000000000" pitchFamily="2" charset="2"/>
-              </a:rPr>
-              <a:t>. (</a:t>
-            </a:r>
-            <a:r>
-              <a:rPr lang="ko-KR" altLang="en-US" sz="2000" b="1" dirty="0">
-                <a:solidFill>
-                  <a:schemeClr val="tx1">
-                    <a:lumMod val="50000"/>
-                    <a:lumOff val="50000"/>
-                  </a:schemeClr>
-                </a:solidFill>
-                <a:latin typeface="한컴 고딕" panose="02000500000000000000" pitchFamily="2" charset="-127"/>
-                <a:ea typeface="한컴 고딕" panose="02000500000000000000" pitchFamily="2" charset="-127"/>
-                <a:sym typeface="Wingdings" panose="05000000000000000000" pitchFamily="2" charset="2"/>
-              </a:rPr>
-              <a:t>이 때</a:t>
-            </a:r>
-            <a:r>
-              <a:rPr lang="en-US" altLang="ko-KR" sz="2000" b="1" dirty="0">
-                <a:solidFill>
-                  <a:schemeClr val="tx1">
-                    <a:lumMod val="50000"/>
-                    <a:lumOff val="50000"/>
-                  </a:schemeClr>
-                </a:solidFill>
-                <a:latin typeface="한컴 고딕" panose="02000500000000000000" pitchFamily="2" charset="-127"/>
-                <a:ea typeface="한컴 고딕" panose="02000500000000000000" pitchFamily="2" charset="-127"/>
-                <a:sym typeface="Wingdings" panose="05000000000000000000" pitchFamily="2" charset="2"/>
-              </a:rPr>
-              <a:t>, App</a:t>
-            </a:r>
-            <a:r>
-              <a:rPr lang="ko-KR" altLang="en-US" sz="2000" b="1" dirty="0">
-                <a:solidFill>
-                  <a:schemeClr val="tx1">
-                    <a:lumMod val="50000"/>
-                    <a:lumOff val="50000"/>
-                  </a:schemeClr>
-                </a:solidFill>
-                <a:latin typeface="한컴 고딕" panose="02000500000000000000" pitchFamily="2" charset="-127"/>
-                <a:ea typeface="한컴 고딕" panose="02000500000000000000" pitchFamily="2" charset="-127"/>
-                <a:sym typeface="Wingdings" panose="05000000000000000000" pitchFamily="2" charset="2"/>
-              </a:rPr>
-              <a:t>은 이미지를 </a:t>
-            </a:r>
-            <a:r>
-              <a:rPr lang="en-US" altLang="ko-KR" sz="2000" b="1" dirty="0">
-                <a:solidFill>
-                  <a:schemeClr val="tx1">
-                    <a:lumMod val="50000"/>
-                    <a:lumOff val="50000"/>
-                  </a:schemeClr>
-                </a:solidFill>
-                <a:latin typeface="한컴 고딕" panose="02000500000000000000" pitchFamily="2" charset="-127"/>
-                <a:ea typeface="한컴 고딕" panose="02000500000000000000" pitchFamily="2" charset="-127"/>
-                <a:sym typeface="Wingdings" panose="05000000000000000000" pitchFamily="2" charset="2"/>
-              </a:rPr>
-              <a:t>SVS</a:t>
-            </a:r>
-            <a:r>
-              <a:rPr lang="ko-KR" altLang="en-US" sz="2000" b="1" dirty="0">
-                <a:solidFill>
-                  <a:schemeClr val="tx1">
-                    <a:lumMod val="50000"/>
-                    <a:lumOff val="50000"/>
-                  </a:schemeClr>
-                </a:solidFill>
-                <a:latin typeface="한컴 고딕" panose="02000500000000000000" pitchFamily="2" charset="-127"/>
-                <a:ea typeface="한컴 고딕" panose="02000500000000000000" pitchFamily="2" charset="-127"/>
-                <a:sym typeface="Wingdings" panose="05000000000000000000" pitchFamily="2" charset="2"/>
-              </a:rPr>
-              <a:t>에 전송한다</a:t>
-            </a:r>
-            <a:r>
-              <a:rPr lang="en-US" altLang="ko-KR" sz="2000" b="1" dirty="0">
-                <a:solidFill>
-                  <a:schemeClr val="tx1">
-                    <a:lumMod val="50000"/>
-                    <a:lumOff val="50000"/>
-                  </a:schemeClr>
-                </a:solidFill>
-                <a:latin typeface="한컴 고딕" panose="02000500000000000000" pitchFamily="2" charset="-127"/>
-                <a:ea typeface="한컴 고딕" panose="02000500000000000000" pitchFamily="2" charset="-127"/>
-                <a:sym typeface="Wingdings" panose="05000000000000000000" pitchFamily="2" charset="2"/>
-              </a:rPr>
-              <a:t>.)</a:t>
-            </a:r>
-          </a:p>
-          <a:p>
-            <a:pPr>
-              <a:lnSpc>
-                <a:spcPct val="150000"/>
-              </a:lnSpc>
-            </a:pPr>
-            <a:r>
-              <a:rPr lang="en-US" altLang="ko-KR" sz="2000" b="1" dirty="0">
-                <a:solidFill>
-                  <a:schemeClr val="tx1">
-                    <a:lumMod val="50000"/>
-                    <a:lumOff val="50000"/>
-                  </a:schemeClr>
-                </a:solidFill>
-                <a:latin typeface="한컴 고딕" panose="02000500000000000000" pitchFamily="2" charset="-127"/>
-                <a:ea typeface="한컴 고딕" panose="02000500000000000000" pitchFamily="2" charset="-127"/>
-                <a:sym typeface="Wingdings" panose="05000000000000000000" pitchFamily="2" charset="2"/>
-              </a:rPr>
-              <a:t>3. SVS</a:t>
-            </a:r>
-            <a:r>
-              <a:rPr lang="ko-KR" altLang="en-US" sz="2000" b="1" dirty="0">
-                <a:solidFill>
-                  <a:schemeClr val="tx1">
-                    <a:lumMod val="50000"/>
-                    <a:lumOff val="50000"/>
-                  </a:schemeClr>
-                </a:solidFill>
-                <a:latin typeface="한컴 고딕" panose="02000500000000000000" pitchFamily="2" charset="-127"/>
-                <a:ea typeface="한컴 고딕" panose="02000500000000000000" pitchFamily="2" charset="-127"/>
-                <a:sym typeface="Wingdings" panose="05000000000000000000" pitchFamily="2" charset="2"/>
-              </a:rPr>
-              <a:t>는 새로운 데이터가 있다는 정보를 </a:t>
-            </a:r>
-            <a:r>
-              <a:rPr lang="en-US" altLang="ko-KR" sz="2000" b="1" dirty="0">
-                <a:solidFill>
-                  <a:schemeClr val="tx1">
-                    <a:lumMod val="50000"/>
-                    <a:lumOff val="50000"/>
-                  </a:schemeClr>
-                </a:solidFill>
-                <a:latin typeface="한컴 고딕" panose="02000500000000000000" pitchFamily="2" charset="-127"/>
-                <a:ea typeface="한컴 고딕" panose="02000500000000000000" pitchFamily="2" charset="-127"/>
-                <a:sym typeface="Wingdings" panose="05000000000000000000" pitchFamily="2" charset="2"/>
-              </a:rPr>
-              <a:t>State Vector Group</a:t>
-            </a:r>
-            <a:r>
-              <a:rPr lang="ko-KR" altLang="en-US" sz="2000" b="1" dirty="0">
-                <a:solidFill>
-                  <a:schemeClr val="tx1">
-                    <a:lumMod val="50000"/>
-                    <a:lumOff val="50000"/>
-                  </a:schemeClr>
-                </a:solidFill>
-                <a:latin typeface="한컴 고딕" panose="02000500000000000000" pitchFamily="2" charset="-127"/>
-                <a:ea typeface="한컴 고딕" panose="02000500000000000000" pitchFamily="2" charset="-127"/>
-                <a:sym typeface="Wingdings" panose="05000000000000000000" pitchFamily="2" charset="2"/>
-              </a:rPr>
-              <a:t>에 전송한다</a:t>
-            </a:r>
-            <a:r>
-              <a:rPr lang="en-US" altLang="ko-KR" sz="2000" b="1" dirty="0">
-                <a:solidFill>
-                  <a:schemeClr val="tx1">
-                    <a:lumMod val="50000"/>
-                    <a:lumOff val="50000"/>
-                  </a:schemeClr>
-                </a:solidFill>
-                <a:latin typeface="한컴 고딕" panose="02000500000000000000" pitchFamily="2" charset="-127"/>
-                <a:ea typeface="한컴 고딕" panose="02000500000000000000" pitchFamily="2" charset="-127"/>
-                <a:sym typeface="Wingdings" panose="05000000000000000000" pitchFamily="2" charset="2"/>
-              </a:rPr>
-              <a:t>.</a:t>
-            </a:r>
-          </a:p>
-          <a:p>
-            <a:pPr>
-              <a:lnSpc>
-                <a:spcPct val="150000"/>
-              </a:lnSpc>
-            </a:pPr>
-            <a:r>
-              <a:rPr lang="en-US" altLang="ko-KR" sz="2000" b="1" dirty="0">
-                <a:solidFill>
-                  <a:schemeClr val="tx1">
-                    <a:lumMod val="50000"/>
-                    <a:lumOff val="50000"/>
-                  </a:schemeClr>
-                </a:solidFill>
-                <a:latin typeface="한컴 고딕" panose="02000500000000000000" pitchFamily="2" charset="-127"/>
-                <a:ea typeface="한컴 고딕" panose="02000500000000000000" pitchFamily="2" charset="-127"/>
-                <a:sym typeface="Wingdings" panose="05000000000000000000" pitchFamily="2" charset="2"/>
-              </a:rPr>
-              <a:t>- State</a:t>
-            </a:r>
-            <a:r>
-              <a:rPr lang="ko-KR" altLang="en-US" sz="2000" b="1" dirty="0">
-                <a:solidFill>
-                  <a:schemeClr val="tx1">
-                    <a:lumMod val="50000"/>
-                    <a:lumOff val="50000"/>
-                  </a:schemeClr>
-                </a:solidFill>
-                <a:latin typeface="한컴 고딕" panose="02000500000000000000" pitchFamily="2" charset="-127"/>
-                <a:ea typeface="한컴 고딕" panose="02000500000000000000" pitchFamily="2" charset="-127"/>
-                <a:sym typeface="Wingdings" panose="05000000000000000000" pitchFamily="2" charset="2"/>
-              </a:rPr>
-              <a:t> </a:t>
-            </a:r>
-            <a:r>
-              <a:rPr lang="en-US" altLang="ko-KR" sz="2000" b="1" dirty="0">
-                <a:solidFill>
-                  <a:schemeClr val="tx1">
-                    <a:lumMod val="50000"/>
-                    <a:lumOff val="50000"/>
-                  </a:schemeClr>
-                </a:solidFill>
-                <a:latin typeface="한컴 고딕" panose="02000500000000000000" pitchFamily="2" charset="-127"/>
-                <a:ea typeface="한컴 고딕" panose="02000500000000000000" pitchFamily="2" charset="-127"/>
-                <a:sym typeface="Wingdings" panose="05000000000000000000" pitchFamily="2" charset="2"/>
-              </a:rPr>
-              <a:t>Vector</a:t>
-            </a:r>
-            <a:r>
-              <a:rPr lang="ko-KR" altLang="en-US" sz="2000" b="1" dirty="0">
-                <a:solidFill>
-                  <a:schemeClr val="tx1">
-                    <a:lumMod val="50000"/>
-                    <a:lumOff val="50000"/>
-                  </a:schemeClr>
-                </a:solidFill>
-                <a:latin typeface="한컴 고딕" panose="02000500000000000000" pitchFamily="2" charset="-127"/>
-                <a:ea typeface="한컴 고딕" panose="02000500000000000000" pitchFamily="2" charset="-127"/>
-                <a:sym typeface="Wingdings" panose="05000000000000000000" pitchFamily="2" charset="2"/>
-              </a:rPr>
-              <a:t> </a:t>
-            </a:r>
-            <a:r>
-              <a:rPr lang="en-US" altLang="ko-KR" sz="2000" b="1" dirty="0">
-                <a:solidFill>
-                  <a:schemeClr val="tx1">
-                    <a:lumMod val="50000"/>
-                    <a:lumOff val="50000"/>
-                  </a:schemeClr>
-                </a:solidFill>
-                <a:latin typeface="한컴 고딕" panose="02000500000000000000" pitchFamily="2" charset="-127"/>
-                <a:ea typeface="한컴 고딕" panose="02000500000000000000" pitchFamily="2" charset="-127"/>
-                <a:sym typeface="Wingdings" panose="05000000000000000000" pitchFamily="2" charset="2"/>
-              </a:rPr>
-              <a:t>(Alice : 1, Bob : 0, Cathy : 0)</a:t>
-            </a:r>
-          </a:p>
-          <a:p>
-            <a:pPr lvl="1">
-              <a:lnSpc>
-                <a:spcPct val="150000"/>
-              </a:lnSpc>
-            </a:pPr>
-            <a:r>
-              <a:rPr lang="en-US" altLang="ko-KR" sz="2000" b="1" dirty="0">
-                <a:solidFill>
-                  <a:schemeClr val="tx1">
-                    <a:lumMod val="50000"/>
-                    <a:lumOff val="50000"/>
-                  </a:schemeClr>
-                </a:solidFill>
-                <a:latin typeface="한컴 고딕" panose="02000500000000000000" pitchFamily="2" charset="-127"/>
-                <a:ea typeface="한컴 고딕" panose="02000500000000000000" pitchFamily="2" charset="-127"/>
-                <a:sym typeface="Wingdings" panose="05000000000000000000" pitchFamily="2" charset="2"/>
-              </a:rPr>
-              <a:t>3-1. Interest </a:t>
-            </a:r>
-            <a:r>
-              <a:rPr lang="ko-KR" altLang="en-US" sz="2000" b="1" dirty="0">
-                <a:solidFill>
-                  <a:schemeClr val="tx1">
-                    <a:lumMod val="50000"/>
-                    <a:lumOff val="50000"/>
-                  </a:schemeClr>
-                </a:solidFill>
-                <a:latin typeface="한컴 고딕" panose="02000500000000000000" pitchFamily="2" charset="-127"/>
-                <a:ea typeface="한컴 고딕" panose="02000500000000000000" pitchFamily="2" charset="-127"/>
-                <a:sym typeface="Wingdings" panose="05000000000000000000" pitchFamily="2" charset="2"/>
-              </a:rPr>
-              <a:t>이름 예시 </a:t>
-            </a:r>
-            <a:r>
-              <a:rPr lang="en-US" altLang="ko-KR" sz="2000" b="1" dirty="0">
-                <a:solidFill>
-                  <a:schemeClr val="tx1">
-                    <a:lumMod val="50000"/>
-                    <a:lumOff val="50000"/>
-                  </a:schemeClr>
-                </a:solidFill>
-                <a:latin typeface="한컴 고딕" panose="02000500000000000000" pitchFamily="2" charset="-127"/>
-                <a:ea typeface="한컴 고딕" panose="02000500000000000000" pitchFamily="2" charset="-127"/>
-                <a:sym typeface="Wingdings" panose="05000000000000000000" pitchFamily="2" charset="2"/>
-              </a:rPr>
-              <a:t>: /chat/friends/state-vector</a:t>
-            </a:r>
-          </a:p>
-          <a:p>
-            <a:pPr lvl="1">
-              <a:lnSpc>
-                <a:spcPct val="150000"/>
-              </a:lnSpc>
-            </a:pPr>
-            <a:r>
-              <a:rPr lang="en-US" altLang="ko-KR" sz="2000" b="1" dirty="0">
-                <a:solidFill>
-                  <a:schemeClr val="tx1">
-                    <a:lumMod val="50000"/>
-                    <a:lumOff val="50000"/>
-                  </a:schemeClr>
-                </a:solidFill>
-                <a:latin typeface="한컴 고딕" panose="02000500000000000000" pitchFamily="2" charset="-127"/>
-                <a:ea typeface="한컴 고딕" panose="02000500000000000000" pitchFamily="2" charset="-127"/>
-                <a:sym typeface="Wingdings" panose="05000000000000000000" pitchFamily="2" charset="2"/>
-              </a:rPr>
-              <a:t>3-2. Interest</a:t>
-            </a:r>
-            <a:r>
-              <a:rPr lang="ko-KR" altLang="en-US" sz="2000" b="1" dirty="0">
-                <a:solidFill>
-                  <a:schemeClr val="tx1">
-                    <a:lumMod val="50000"/>
-                    <a:lumOff val="50000"/>
-                  </a:schemeClr>
-                </a:solidFill>
-                <a:latin typeface="한컴 고딕" panose="02000500000000000000" pitchFamily="2" charset="-127"/>
-                <a:ea typeface="한컴 고딕" panose="02000500000000000000" pitchFamily="2" charset="-127"/>
-                <a:sym typeface="Wingdings" panose="05000000000000000000" pitchFamily="2" charset="2"/>
-              </a:rPr>
-              <a:t>는 멀티캐스트 기반의 그룹이다</a:t>
-            </a:r>
-            <a:r>
-              <a:rPr lang="en-US" altLang="ko-KR" sz="2000" b="1" dirty="0">
-                <a:solidFill>
-                  <a:schemeClr val="tx1">
-                    <a:lumMod val="50000"/>
-                    <a:lumOff val="50000"/>
-                  </a:schemeClr>
-                </a:solidFill>
-                <a:latin typeface="한컴 고딕" panose="02000500000000000000" pitchFamily="2" charset="-127"/>
-                <a:ea typeface="한컴 고딕" panose="02000500000000000000" pitchFamily="2" charset="-127"/>
-                <a:sym typeface="Wingdings" panose="05000000000000000000" pitchFamily="2" charset="2"/>
-              </a:rPr>
-              <a:t>. (</a:t>
-            </a:r>
-            <a:r>
-              <a:rPr lang="ko-KR" altLang="en-US" sz="2000" b="1" dirty="0">
-                <a:solidFill>
-                  <a:schemeClr val="tx1">
-                    <a:lumMod val="50000"/>
-                    <a:lumOff val="50000"/>
-                  </a:schemeClr>
-                </a:solidFill>
-                <a:latin typeface="한컴 고딕" panose="02000500000000000000" pitchFamily="2" charset="-127"/>
-                <a:ea typeface="한컴 고딕" panose="02000500000000000000" pitchFamily="2" charset="-127"/>
-                <a:sym typeface="Wingdings" panose="05000000000000000000" pitchFamily="2" charset="2"/>
-              </a:rPr>
-              <a:t>단</a:t>
-            </a:r>
-            <a:r>
-              <a:rPr lang="en-US" altLang="ko-KR" sz="2000" b="1" dirty="0">
-                <a:solidFill>
-                  <a:schemeClr val="tx1">
-                    <a:lumMod val="50000"/>
-                    <a:lumOff val="50000"/>
-                  </a:schemeClr>
-                </a:solidFill>
-                <a:latin typeface="한컴 고딕" panose="02000500000000000000" pitchFamily="2" charset="-127"/>
-                <a:ea typeface="한컴 고딕" panose="02000500000000000000" pitchFamily="2" charset="-127"/>
-                <a:sym typeface="Wingdings" panose="05000000000000000000" pitchFamily="2" charset="2"/>
-              </a:rPr>
-              <a:t>, </a:t>
-            </a:r>
-            <a:r>
-              <a:rPr lang="ko-KR" altLang="en-US" sz="2000" b="1" dirty="0">
-                <a:solidFill>
-                  <a:schemeClr val="tx1">
-                    <a:lumMod val="50000"/>
-                    <a:lumOff val="50000"/>
-                  </a:schemeClr>
-                </a:solidFill>
-                <a:latin typeface="한컴 고딕" panose="02000500000000000000" pitchFamily="2" charset="-127"/>
-                <a:ea typeface="한컴 고딕" panose="02000500000000000000" pitchFamily="2" charset="-127"/>
-                <a:sym typeface="Wingdings" panose="05000000000000000000" pitchFamily="2" charset="2"/>
-              </a:rPr>
-              <a:t>데이터 응답을 하지는 않는다</a:t>
-            </a:r>
-            <a:r>
-              <a:rPr lang="en-US" altLang="ko-KR" sz="2000" b="1" dirty="0">
-                <a:solidFill>
-                  <a:schemeClr val="tx1">
-                    <a:lumMod val="50000"/>
-                    <a:lumOff val="50000"/>
-                  </a:schemeClr>
-                </a:solidFill>
-                <a:latin typeface="한컴 고딕" panose="02000500000000000000" pitchFamily="2" charset="-127"/>
-                <a:ea typeface="한컴 고딕" panose="02000500000000000000" pitchFamily="2" charset="-127"/>
-                <a:sym typeface="Wingdings" panose="05000000000000000000" pitchFamily="2" charset="2"/>
-              </a:rPr>
-              <a:t>.)</a:t>
-            </a:r>
-          </a:p>
-          <a:p>
-            <a:pPr>
-              <a:lnSpc>
-                <a:spcPct val="150000"/>
-              </a:lnSpc>
-            </a:pPr>
-            <a:r>
-              <a:rPr lang="en-US" altLang="ko-KR" sz="2000" b="1" dirty="0">
-                <a:solidFill>
-                  <a:schemeClr val="tx1">
-                    <a:lumMod val="50000"/>
-                    <a:lumOff val="50000"/>
-                  </a:schemeClr>
-                </a:solidFill>
-                <a:latin typeface="한컴 고딕" panose="02000500000000000000" pitchFamily="2" charset="-127"/>
-                <a:ea typeface="한컴 고딕" panose="02000500000000000000" pitchFamily="2" charset="-127"/>
-                <a:sym typeface="Wingdings" panose="05000000000000000000" pitchFamily="2" charset="2"/>
-              </a:rPr>
-              <a:t>4. Cathy</a:t>
-            </a:r>
-            <a:r>
-              <a:rPr lang="ko-KR" altLang="en-US" sz="2000" b="1" dirty="0">
-                <a:solidFill>
-                  <a:schemeClr val="tx1">
-                    <a:lumMod val="50000"/>
-                    <a:lumOff val="50000"/>
-                  </a:schemeClr>
-                </a:solidFill>
-                <a:latin typeface="한컴 고딕" panose="02000500000000000000" pitchFamily="2" charset="-127"/>
-                <a:ea typeface="한컴 고딕" panose="02000500000000000000" pitchFamily="2" charset="-127"/>
-                <a:sym typeface="Wingdings" panose="05000000000000000000" pitchFamily="2" charset="2"/>
-              </a:rPr>
-              <a:t>는 사진을 가져오기 위해 </a:t>
-            </a:r>
-            <a:r>
-              <a:rPr lang="en-US" altLang="ko-KR" sz="2000" b="1" dirty="0">
-                <a:solidFill>
-                  <a:schemeClr val="tx1">
-                    <a:lumMod val="50000"/>
-                    <a:lumOff val="50000"/>
-                  </a:schemeClr>
-                </a:solidFill>
-                <a:latin typeface="한컴 고딕" panose="02000500000000000000" pitchFamily="2" charset="-127"/>
-                <a:ea typeface="한컴 고딕" panose="02000500000000000000" pitchFamily="2" charset="-127"/>
-                <a:sym typeface="Wingdings" panose="05000000000000000000" pitchFamily="2" charset="2"/>
-              </a:rPr>
-              <a:t>Interest</a:t>
-            </a:r>
-            <a:r>
-              <a:rPr lang="ko-KR" altLang="en-US" sz="2000" b="1" dirty="0">
-                <a:solidFill>
-                  <a:schemeClr val="tx1">
-                    <a:lumMod val="50000"/>
-                    <a:lumOff val="50000"/>
-                  </a:schemeClr>
-                </a:solidFill>
-                <a:latin typeface="한컴 고딕" panose="02000500000000000000" pitchFamily="2" charset="-127"/>
-                <a:ea typeface="한컴 고딕" panose="02000500000000000000" pitchFamily="2" charset="-127"/>
-                <a:sym typeface="Wingdings" panose="05000000000000000000" pitchFamily="2" charset="2"/>
-              </a:rPr>
-              <a:t>를 전송한다</a:t>
-            </a:r>
-            <a:r>
-              <a:rPr lang="en-US" altLang="ko-KR" sz="2000" b="1" dirty="0">
-                <a:solidFill>
-                  <a:schemeClr val="tx1">
-                    <a:lumMod val="50000"/>
-                    <a:lumOff val="50000"/>
-                  </a:schemeClr>
-                </a:solidFill>
-                <a:latin typeface="한컴 고딕" panose="02000500000000000000" pitchFamily="2" charset="-127"/>
-                <a:ea typeface="한컴 고딕" panose="02000500000000000000" pitchFamily="2" charset="-127"/>
-                <a:sym typeface="Wingdings" panose="05000000000000000000" pitchFamily="2" charset="2"/>
-              </a:rPr>
-              <a:t>.</a:t>
-            </a:r>
-          </a:p>
-        </p:txBody>
-      </p:sp>
-      <p:sp>
-        <p:nvSpPr>
-          <p:cNvPr id="3" name="슬라이드 번호 개체 틀 2">
-            <a:extLst>
-              <a:ext uri="{FF2B5EF4-FFF2-40B4-BE49-F238E27FC236}">
-                <a16:creationId xmlns:a16="http://schemas.microsoft.com/office/drawing/2014/main" id="{4EC25071-CFFA-8C9C-CB7A-29C2F016666E}"/>
-              </a:ext>
-            </a:extLst>
-          </p:cNvPr>
-          <p:cNvSpPr>
-            <a:spLocks noGrp="1"/>
-          </p:cNvSpPr>
-          <p:nvPr>
-            <p:ph type="sldNum" sz="quarter" idx="12"/>
-          </p:nvPr>
-        </p:nvSpPr>
-        <p:spPr/>
-        <p:txBody>
-          <a:bodyPr/>
-          <a:lstStyle/>
-          <a:p>
-            <a:fld id="{4503EA79-8FE5-4AB7-9144-49D69278BFF0}" type="slidenum">
-              <a:rPr lang="ko-KR" altLang="en-US" smtClean="0"/>
-              <a:t>11</a:t>
-            </a:fld>
-            <a:endParaRPr lang="ko-KR" altLang="en-US" dirty="0"/>
-          </a:p>
-        </p:txBody>
-      </p:sp>
-      <p:sp>
-        <p:nvSpPr>
-          <p:cNvPr id="4" name="TextBox 3">
-            <a:extLst>
-              <a:ext uri="{FF2B5EF4-FFF2-40B4-BE49-F238E27FC236}">
-                <a16:creationId xmlns:a16="http://schemas.microsoft.com/office/drawing/2014/main" id="{DA0ED86E-47CD-C976-3742-2D61D96A9B63}"/>
-              </a:ext>
-            </a:extLst>
-          </p:cNvPr>
-          <p:cNvSpPr txBox="1"/>
-          <p:nvPr/>
-        </p:nvSpPr>
-        <p:spPr>
-          <a:xfrm>
-            <a:off x="206187" y="4344166"/>
-            <a:ext cx="11833413" cy="2356286"/>
-          </a:xfrm>
-          <a:prstGeom prst="rect">
-            <a:avLst/>
-          </a:prstGeom>
-          <a:noFill/>
-        </p:spPr>
-        <p:txBody>
-          <a:bodyPr wrap="square" rtlCol="0">
-            <a:spAutoFit/>
-          </a:bodyPr>
-          <a:lstStyle/>
-          <a:p>
-            <a:pPr>
-              <a:lnSpc>
-                <a:spcPct val="150000"/>
-              </a:lnSpc>
-            </a:pPr>
-            <a:r>
-              <a:rPr lang="en-US" altLang="ko-KR" sz="2000" b="1" dirty="0">
-                <a:solidFill>
-                  <a:schemeClr val="accent1"/>
-                </a:solidFill>
-                <a:latin typeface="한컴 고딕" panose="02000500000000000000" pitchFamily="2" charset="-127"/>
-                <a:ea typeface="한컴 고딕" panose="02000500000000000000" pitchFamily="2" charset="-127"/>
-              </a:rPr>
-              <a:t>NDN</a:t>
-            </a:r>
-            <a:r>
-              <a:rPr lang="ko-KR" altLang="en-US" sz="2000" b="1" dirty="0">
-                <a:solidFill>
-                  <a:schemeClr val="accent1"/>
-                </a:solidFill>
-                <a:latin typeface="한컴 고딕" panose="02000500000000000000" pitchFamily="2" charset="-127"/>
-                <a:ea typeface="한컴 고딕" panose="02000500000000000000" pitchFamily="2" charset="-127"/>
-              </a:rPr>
-              <a:t>기반 </a:t>
-            </a:r>
-            <a:r>
-              <a:rPr lang="en-US" altLang="ko-KR" sz="2000" b="1" dirty="0">
-                <a:solidFill>
-                  <a:schemeClr val="accent1"/>
-                </a:solidFill>
-                <a:latin typeface="한컴 고딕" panose="02000500000000000000" pitchFamily="2" charset="-127"/>
-                <a:ea typeface="한컴 고딕" panose="02000500000000000000" pitchFamily="2" charset="-127"/>
-              </a:rPr>
-              <a:t>APP</a:t>
-            </a:r>
-            <a:r>
-              <a:rPr lang="ko-KR" altLang="en-US" sz="2000" b="1" dirty="0">
-                <a:solidFill>
-                  <a:schemeClr val="accent1"/>
-                </a:solidFill>
-                <a:latin typeface="한컴 고딕" panose="02000500000000000000" pitchFamily="2" charset="-127"/>
-                <a:ea typeface="한컴 고딕" panose="02000500000000000000" pitchFamily="2" charset="-127"/>
-              </a:rPr>
-              <a:t> 실행 시</a:t>
-            </a:r>
-            <a:r>
-              <a:rPr lang="en-US" altLang="ko-KR" sz="2000" b="1" dirty="0">
-                <a:solidFill>
-                  <a:schemeClr val="accent1"/>
-                </a:solidFill>
-                <a:latin typeface="한컴 고딕" panose="02000500000000000000" pitchFamily="2" charset="-127"/>
-                <a:ea typeface="한컴 고딕" panose="02000500000000000000" pitchFamily="2" charset="-127"/>
-              </a:rPr>
-              <a:t>, </a:t>
-            </a:r>
-            <a:r>
-              <a:rPr lang="ko-KR" altLang="en-US" sz="2000" b="1" dirty="0">
-                <a:solidFill>
-                  <a:schemeClr val="accent1"/>
-                </a:solidFill>
-                <a:latin typeface="한컴 고딕" panose="02000500000000000000" pitchFamily="2" charset="-127"/>
-                <a:ea typeface="한컴 고딕" panose="02000500000000000000" pitchFamily="2" charset="-127"/>
-              </a:rPr>
-              <a:t>사용자들이 진행하는 초기작업</a:t>
-            </a:r>
-            <a:endParaRPr lang="en-US" altLang="ko-KR" sz="2000" b="1" dirty="0">
-              <a:solidFill>
-                <a:schemeClr val="accent1"/>
-              </a:solidFill>
-              <a:latin typeface="한컴 고딕" panose="02000500000000000000" pitchFamily="2" charset="-127"/>
-              <a:ea typeface="한컴 고딕" panose="02000500000000000000" pitchFamily="2" charset="-127"/>
-            </a:endParaRPr>
-          </a:p>
-          <a:p>
             <a:pPr marL="342900" indent="-342900">
               <a:lnSpc>
                 <a:spcPct val="150000"/>
@@ -5919,7 +5076,7 @@
               <a:buChar char="•"/>
             </a:pPr>
             <a:r>
-              <a:rPr lang="en-US" altLang="ko-KR" sz="2000" b="1" dirty="0">
+              <a:rPr lang="ko-KR" altLang="en-US" sz="2000" b="1" dirty="0">
                 <a:solidFill>
                   <a:schemeClr val="tx1">
                     <a:lumMod val="50000"/>
@@ -5928,12 +5085,11 @@
                 </a:solidFill>
                 <a:latin typeface="한컴 고딕" panose="02000500000000000000" pitchFamily="2" charset="-127"/>
                 <a:ea typeface="한컴 고딕" panose="02000500000000000000" pitchFamily="2" charset="-127"/>
-                <a:sym typeface="Wingdings" panose="05000000000000000000" pitchFamily="2" charset="2"/>
-              </a:rPr>
-              <a:t>APP, </a:t>
-            </a:r>
-            <a:r>
-              <a:rPr lang="ko-KR" altLang="en-US" sz="2000" b="1" dirty="0">
+              </a:rPr>
+              <a:t>아래 사진처럼 나오면 성공적으로 설치된 것이다</a:t>
+            </a:r>
+            <a:r>
+              <a:rPr lang="en-US" altLang="ko-KR" sz="2000" b="1" dirty="0">
                 <a:solidFill>
                   <a:schemeClr val="tx1">
                     <a:lumMod val="50000"/>
@@ -5942,324 +5098,171 @@
                 </a:solidFill>
                 <a:latin typeface="한컴 고딕" panose="02000500000000000000" pitchFamily="2" charset="-127"/>
                 <a:ea typeface="한컴 고딕" panose="02000500000000000000" pitchFamily="2" charset="-127"/>
-                <a:sym typeface="Wingdings" panose="05000000000000000000" pitchFamily="2" charset="2"/>
-              </a:rPr>
-              <a:t>연결된 인증서</a:t>
-            </a:r>
-            <a:r>
-              <a:rPr lang="en-US" altLang="ko-KR" sz="2000" b="1" dirty="0">
-                <a:solidFill>
-                  <a:schemeClr val="tx1">
-                    <a:lumMod val="50000"/>
-                    <a:lumOff val="50000"/>
-                  </a:schemeClr>
-                </a:solidFill>
-                <a:latin typeface="한컴 고딕" panose="02000500000000000000" pitchFamily="2" charset="-127"/>
-                <a:ea typeface="한컴 고딕" panose="02000500000000000000" pitchFamily="2" charset="-127"/>
-                <a:sym typeface="Wingdings" panose="05000000000000000000" pitchFamily="2" charset="2"/>
-              </a:rPr>
-              <a:t>, </a:t>
-            </a:r>
-            <a:r>
-              <a:rPr lang="ko-KR" altLang="en-US" sz="2000" b="1" dirty="0">
-                <a:solidFill>
-                  <a:schemeClr val="tx1">
-                    <a:lumMod val="50000"/>
-                    <a:lumOff val="50000"/>
-                  </a:schemeClr>
-                </a:solidFill>
-                <a:latin typeface="한컴 고딕" panose="02000500000000000000" pitchFamily="2" charset="-127"/>
-                <a:ea typeface="한컴 고딕" panose="02000500000000000000" pitchFamily="2" charset="-127"/>
-                <a:sym typeface="Wingdings" panose="05000000000000000000" pitchFamily="2" charset="2"/>
-              </a:rPr>
-              <a:t>앱의 신뢰 앵커 및 보안 정책의 </a:t>
-            </a:r>
-            <a:r>
-              <a:rPr lang="en-US" altLang="ko-KR" sz="2000" b="1" dirty="0">
-                <a:solidFill>
-                  <a:schemeClr val="tx1">
-                    <a:lumMod val="50000"/>
-                    <a:lumOff val="50000"/>
-                  </a:schemeClr>
-                </a:solidFill>
-                <a:latin typeface="한컴 고딕" panose="02000500000000000000" pitchFamily="2" charset="-127"/>
-                <a:ea typeface="한컴 고딕" panose="02000500000000000000" pitchFamily="2" charset="-127"/>
-                <a:sym typeface="Wingdings" panose="05000000000000000000" pitchFamily="2" charset="2"/>
-              </a:rPr>
-              <a:t>Interest</a:t>
-            </a:r>
-            <a:r>
-              <a:rPr lang="ko-KR" altLang="en-US" sz="2000" b="1" dirty="0">
-                <a:solidFill>
-                  <a:schemeClr val="tx1">
-                    <a:lumMod val="50000"/>
-                    <a:lumOff val="50000"/>
-                  </a:schemeClr>
-                </a:solidFill>
-                <a:latin typeface="한컴 고딕" panose="02000500000000000000" pitchFamily="2" charset="-127"/>
-                <a:ea typeface="한컴 고딕" panose="02000500000000000000" pitchFamily="2" charset="-127"/>
-                <a:sym typeface="Wingdings" panose="05000000000000000000" pitchFamily="2" charset="2"/>
-              </a:rPr>
-              <a:t>들을 가져온다</a:t>
-            </a:r>
-            <a:r>
-              <a:rPr lang="en-US" altLang="ko-KR" sz="2000" b="1" dirty="0">
-                <a:solidFill>
-                  <a:schemeClr val="tx1">
-                    <a:lumMod val="50000"/>
-                    <a:lumOff val="50000"/>
-                  </a:schemeClr>
-                </a:solidFill>
-                <a:latin typeface="한컴 고딕" panose="02000500000000000000" pitchFamily="2" charset="-127"/>
-                <a:ea typeface="한컴 고딕" panose="02000500000000000000" pitchFamily="2" charset="-127"/>
-                <a:sym typeface="Wingdings" panose="05000000000000000000" pitchFamily="2" charset="2"/>
               </a:rPr>
               <a:t>.</a:t>
             </a:r>
           </a:p>
-          <a:p>
-            <a:pPr marL="800100" lvl="1" indent="-342900">
-              <a:lnSpc>
-                <a:spcPct val="150000"/>
-              </a:lnSpc>
-              <a:buFont typeface="Arial" panose="020B0604020202020204" pitchFamily="34" charset="0"/>
-              <a:buChar char="•"/>
-            </a:pPr>
-            <a:r>
-              <a:rPr lang="en-US" altLang="ko-KR" sz="2000" b="1" dirty="0">
-                <a:solidFill>
-                  <a:schemeClr val="tx1">
-                    <a:lumMod val="50000"/>
-                    <a:lumOff val="50000"/>
-                  </a:schemeClr>
-                </a:solidFill>
-                <a:latin typeface="한컴 고딕" panose="02000500000000000000" pitchFamily="2" charset="-127"/>
-                <a:ea typeface="한컴 고딕" panose="02000500000000000000" pitchFamily="2" charset="-127"/>
-                <a:sym typeface="Wingdings" panose="05000000000000000000" pitchFamily="2" charset="2"/>
-              </a:rPr>
-              <a:t>APP : S/W </a:t>
-            </a:r>
-            <a:r>
-              <a:rPr lang="ko-KR" altLang="en-US" sz="2000" b="1" dirty="0">
-                <a:solidFill>
-                  <a:schemeClr val="tx1">
-                    <a:lumMod val="50000"/>
-                    <a:lumOff val="50000"/>
-                  </a:schemeClr>
-                </a:solidFill>
-                <a:latin typeface="한컴 고딕" panose="02000500000000000000" pitchFamily="2" charset="-127"/>
-                <a:ea typeface="한컴 고딕" panose="02000500000000000000" pitchFamily="2" charset="-127"/>
-                <a:sym typeface="Wingdings" panose="05000000000000000000" pitchFamily="2" charset="2"/>
-              </a:rPr>
-              <a:t>배포 채널을 통한 소스코드 인증한다</a:t>
-            </a:r>
-            <a:r>
-              <a:rPr lang="en-US" altLang="ko-KR" sz="2000" b="1" dirty="0">
-                <a:solidFill>
-                  <a:schemeClr val="tx1">
-                    <a:lumMod val="50000"/>
-                    <a:lumOff val="50000"/>
-                  </a:schemeClr>
-                </a:solidFill>
-                <a:latin typeface="한컴 고딕" panose="02000500000000000000" pitchFamily="2" charset="-127"/>
-                <a:ea typeface="한컴 고딕" panose="02000500000000000000" pitchFamily="2" charset="-127"/>
-                <a:sym typeface="Wingdings" panose="05000000000000000000" pitchFamily="2" charset="2"/>
-              </a:rPr>
-              <a:t>.</a:t>
-            </a:r>
-          </a:p>
-          <a:p>
-            <a:pPr marL="800100" lvl="1" indent="-342900">
-              <a:lnSpc>
-                <a:spcPct val="150000"/>
-              </a:lnSpc>
-              <a:buFont typeface="Arial" panose="020B0604020202020204" pitchFamily="34" charset="0"/>
-              <a:buChar char="•"/>
-            </a:pPr>
-            <a:r>
-              <a:rPr lang="en-US" altLang="ko-KR" sz="2000" b="1" dirty="0">
-                <a:solidFill>
-                  <a:schemeClr val="tx1">
-                    <a:lumMod val="50000"/>
-                    <a:lumOff val="50000"/>
-                  </a:schemeClr>
-                </a:solidFill>
-                <a:latin typeface="한컴 고딕" panose="02000500000000000000" pitchFamily="2" charset="-127"/>
-                <a:ea typeface="한컴 고딕" panose="02000500000000000000" pitchFamily="2" charset="-127"/>
-                <a:sym typeface="Wingdings" panose="05000000000000000000" pitchFamily="2" charset="2"/>
-              </a:rPr>
-              <a:t>Alice : </a:t>
-            </a:r>
-            <a:r>
-              <a:rPr lang="ko-KR" altLang="en-US" sz="2000" b="1" dirty="0">
-                <a:solidFill>
-                  <a:schemeClr val="tx1">
-                    <a:lumMod val="50000"/>
-                    <a:lumOff val="50000"/>
-                  </a:schemeClr>
-                </a:solidFill>
-                <a:latin typeface="한컴 고딕" panose="02000500000000000000" pitchFamily="2" charset="-127"/>
-                <a:ea typeface="한컴 고딕" panose="02000500000000000000" pitchFamily="2" charset="-127"/>
-                <a:sym typeface="Wingdings" panose="05000000000000000000" pitchFamily="2" charset="2"/>
-              </a:rPr>
-              <a:t>채팅을 시작하고 신뢰 앵커 및 보안 정책을 설정한 후 </a:t>
-            </a:r>
-            <a:r>
-              <a:rPr lang="en-US" altLang="ko-KR" sz="2000" b="1" dirty="0">
-                <a:solidFill>
-                  <a:schemeClr val="tx1">
-                    <a:lumMod val="50000"/>
-                    <a:lumOff val="50000"/>
-                  </a:schemeClr>
-                </a:solidFill>
-                <a:latin typeface="한컴 고딕" panose="02000500000000000000" pitchFamily="2" charset="-127"/>
-                <a:ea typeface="한컴 고딕" panose="02000500000000000000" pitchFamily="2" charset="-127"/>
-                <a:sym typeface="Wingdings" panose="05000000000000000000" pitchFamily="2" charset="2"/>
-              </a:rPr>
-              <a:t>Bob</a:t>
-            </a:r>
-            <a:r>
-              <a:rPr lang="ko-KR" altLang="en-US" sz="2000" b="1" dirty="0">
-                <a:solidFill>
-                  <a:schemeClr val="tx1">
-                    <a:lumMod val="50000"/>
-                    <a:lumOff val="50000"/>
-                  </a:schemeClr>
-                </a:solidFill>
-                <a:latin typeface="한컴 고딕" panose="02000500000000000000" pitchFamily="2" charset="-127"/>
-                <a:ea typeface="한컴 고딕" panose="02000500000000000000" pitchFamily="2" charset="-127"/>
-                <a:sym typeface="Wingdings" panose="05000000000000000000" pitchFamily="2" charset="2"/>
-              </a:rPr>
-              <a:t>과 </a:t>
-            </a:r>
-            <a:r>
-              <a:rPr lang="en-US" altLang="ko-KR" sz="2000" b="1" dirty="0">
-                <a:solidFill>
-                  <a:schemeClr val="tx1">
-                    <a:lumMod val="50000"/>
-                    <a:lumOff val="50000"/>
-                  </a:schemeClr>
-                </a:solidFill>
-                <a:latin typeface="한컴 고딕" panose="02000500000000000000" pitchFamily="2" charset="-127"/>
-                <a:ea typeface="한컴 고딕" panose="02000500000000000000" pitchFamily="2" charset="-127"/>
-                <a:sym typeface="Wingdings" panose="05000000000000000000" pitchFamily="2" charset="2"/>
-              </a:rPr>
-              <a:t>Cathy</a:t>
-            </a:r>
-            <a:r>
-              <a:rPr lang="ko-KR" altLang="en-US" sz="2000" b="1" dirty="0">
-                <a:solidFill>
-                  <a:schemeClr val="tx1">
-                    <a:lumMod val="50000"/>
-                    <a:lumOff val="50000"/>
-                  </a:schemeClr>
-                </a:solidFill>
-                <a:latin typeface="한컴 고딕" panose="02000500000000000000" pitchFamily="2" charset="-127"/>
-                <a:ea typeface="한컴 고딕" panose="02000500000000000000" pitchFamily="2" charset="-127"/>
-                <a:sym typeface="Wingdings" panose="05000000000000000000" pitchFamily="2" charset="2"/>
-              </a:rPr>
-              <a:t>를 초대한다</a:t>
-            </a:r>
-            <a:r>
-              <a:rPr lang="en-US" altLang="ko-KR" sz="2000" b="1" dirty="0">
-                <a:solidFill>
-                  <a:schemeClr val="tx1">
-                    <a:lumMod val="50000"/>
-                    <a:lumOff val="50000"/>
-                  </a:schemeClr>
-                </a:solidFill>
-                <a:latin typeface="한컴 고딕" panose="02000500000000000000" pitchFamily="2" charset="-127"/>
-                <a:ea typeface="한컴 고딕" panose="02000500000000000000" pitchFamily="2" charset="-127"/>
-                <a:sym typeface="Wingdings" panose="05000000000000000000" pitchFamily="2" charset="2"/>
-              </a:rPr>
-              <a:t>.</a:t>
-            </a:r>
-          </a:p>
-          <a:p>
-            <a:pPr marL="1257300" lvl="2" indent="-342900">
-              <a:lnSpc>
-                <a:spcPct val="150000"/>
-              </a:lnSpc>
-              <a:buFont typeface="Arial" panose="020B0604020202020204" pitchFamily="34" charset="0"/>
-              <a:buChar char="•"/>
-            </a:pPr>
-            <a:r>
-              <a:rPr lang="en-US" altLang="ko-KR" sz="2000" b="1" dirty="0">
-                <a:solidFill>
-                  <a:schemeClr val="tx1">
-                    <a:lumMod val="50000"/>
-                    <a:lumOff val="50000"/>
-                  </a:schemeClr>
-                </a:solidFill>
-                <a:latin typeface="한컴 고딕" panose="02000500000000000000" pitchFamily="2" charset="-127"/>
-                <a:ea typeface="한컴 고딕" panose="02000500000000000000" pitchFamily="2" charset="-127"/>
-                <a:sym typeface="Wingdings" panose="05000000000000000000" pitchFamily="2" charset="2"/>
-              </a:rPr>
-              <a:t>Bob</a:t>
-            </a:r>
-            <a:r>
-              <a:rPr lang="ko-KR" altLang="en-US" sz="2000" b="1" dirty="0">
-                <a:solidFill>
-                  <a:schemeClr val="tx1">
-                    <a:lumMod val="50000"/>
-                    <a:lumOff val="50000"/>
-                  </a:schemeClr>
-                </a:solidFill>
-                <a:latin typeface="한컴 고딕" panose="02000500000000000000" pitchFamily="2" charset="-127"/>
-                <a:ea typeface="한컴 고딕" panose="02000500000000000000" pitchFamily="2" charset="-127"/>
-                <a:sym typeface="Wingdings" panose="05000000000000000000" pitchFamily="2" charset="2"/>
-              </a:rPr>
-              <a:t>과 </a:t>
-            </a:r>
-            <a:r>
-              <a:rPr lang="en-US" altLang="ko-KR" sz="2000" b="1" dirty="0">
-                <a:solidFill>
-                  <a:schemeClr val="tx1">
-                    <a:lumMod val="50000"/>
-                    <a:lumOff val="50000"/>
-                  </a:schemeClr>
-                </a:solidFill>
-                <a:latin typeface="한컴 고딕" panose="02000500000000000000" pitchFamily="2" charset="-127"/>
-                <a:ea typeface="한컴 고딕" panose="02000500000000000000" pitchFamily="2" charset="-127"/>
-                <a:sym typeface="Wingdings" panose="05000000000000000000" pitchFamily="2" charset="2"/>
-              </a:rPr>
-              <a:t>Cathy</a:t>
-            </a:r>
-            <a:r>
-              <a:rPr lang="ko-KR" altLang="en-US" sz="2000" b="1" dirty="0">
-                <a:solidFill>
-                  <a:schemeClr val="tx1">
-                    <a:lumMod val="50000"/>
-                    <a:lumOff val="50000"/>
-                  </a:schemeClr>
-                </a:solidFill>
-                <a:latin typeface="한컴 고딕" panose="02000500000000000000" pitchFamily="2" charset="-127"/>
-                <a:ea typeface="한컴 고딕" panose="02000500000000000000" pitchFamily="2" charset="-127"/>
-                <a:sym typeface="Wingdings" panose="05000000000000000000" pitchFamily="2" charset="2"/>
-              </a:rPr>
-              <a:t>는 신뢰 앵커가 서명한 인증서 발급 및 보안 정책을 전달 받는다</a:t>
-            </a:r>
-            <a:r>
-              <a:rPr lang="en-US" altLang="ko-KR" sz="2000" b="1" dirty="0">
-                <a:solidFill>
-                  <a:schemeClr val="tx1">
-                    <a:lumMod val="50000"/>
-                    <a:lumOff val="50000"/>
-                  </a:schemeClr>
-                </a:solidFill>
-                <a:latin typeface="한컴 고딕" panose="02000500000000000000" pitchFamily="2" charset="-127"/>
-                <a:ea typeface="한컴 고딕" panose="02000500000000000000" pitchFamily="2" charset="-127"/>
-                <a:sym typeface="Wingdings" panose="05000000000000000000" pitchFamily="2" charset="2"/>
-              </a:rPr>
-              <a:t>.</a:t>
-            </a:r>
-          </a:p>
-        </p:txBody>
-      </p:sp>
+        </p:txBody>
+      </p:sp>
+      <p:sp>
+        <p:nvSpPr>
+          <p:cNvPr id="3" name="슬라이드 번호 개체 틀 2">
+            <a:extLst>
+              <a:ext uri="{FF2B5EF4-FFF2-40B4-BE49-F238E27FC236}">
+                <a16:creationId xmlns:a16="http://schemas.microsoft.com/office/drawing/2014/main" id="{4EC25071-CFFA-8C9C-CB7A-29C2F016666E}"/>
+              </a:ext>
+            </a:extLst>
+          </p:cNvPr>
+          <p:cNvSpPr>
+            <a:spLocks noGrp="1"/>
+          </p:cNvSpPr>
+          <p:nvPr>
+            <p:ph type="sldNum" sz="quarter" idx="12"/>
+          </p:nvPr>
+        </p:nvSpPr>
+        <p:spPr/>
+        <p:txBody>
+          <a:bodyPr/>
+          <a:lstStyle/>
+          <a:p>
+            <a:fld id="{4503EA79-8FE5-4AB7-9144-49D69278BFF0}" type="slidenum">
+              <a:rPr lang="ko-KR" altLang="en-US" smtClean="0"/>
+              <a:t>11</a:t>
+            </a:fld>
+            <a:endParaRPr lang="ko-KR" altLang="en-US"/>
+          </a:p>
+        </p:txBody>
+      </p:sp>
+      <p:grpSp>
+        <p:nvGrpSpPr>
+          <p:cNvPr id="8" name="그룹 7">
+            <a:extLst>
+              <a:ext uri="{FF2B5EF4-FFF2-40B4-BE49-F238E27FC236}">
+                <a16:creationId xmlns:a16="http://schemas.microsoft.com/office/drawing/2014/main" id="{F0960A67-1328-7367-FE17-177C609E2ACF}"/>
+              </a:ext>
+            </a:extLst>
+          </p:cNvPr>
+          <p:cNvGrpSpPr/>
+          <p:nvPr/>
+        </p:nvGrpSpPr>
+        <p:grpSpPr>
+          <a:xfrm>
+            <a:off x="2788193" y="1958562"/>
+            <a:ext cx="6615614" cy="4004181"/>
+            <a:chOff x="2788193" y="1695516"/>
+            <a:chExt cx="6615614" cy="4004181"/>
+          </a:xfrm>
+        </p:grpSpPr>
+        <p:pic>
+          <p:nvPicPr>
+            <p:cNvPr id="5" name="그림 4">
+              <a:extLst>
+                <a:ext uri="{FF2B5EF4-FFF2-40B4-BE49-F238E27FC236}">
+                  <a16:creationId xmlns:a16="http://schemas.microsoft.com/office/drawing/2014/main" id="{B0430310-3BED-1E51-2E34-5D2557AB5495}"/>
+                </a:ext>
+              </a:extLst>
+            </p:cNvPr>
+            <p:cNvPicPr>
+              <a:picLocks noChangeAspect="1"/>
+            </p:cNvPicPr>
+            <p:nvPr/>
+          </p:nvPicPr>
+          <p:blipFill>
+            <a:blip r:embed="rId2"/>
+            <a:stretch>
+              <a:fillRect/>
+            </a:stretch>
+          </p:blipFill>
+          <p:spPr>
+            <a:xfrm>
+              <a:off x="2788193" y="1695516"/>
+              <a:ext cx="6615614" cy="3703201"/>
+            </a:xfrm>
+            <a:prstGeom prst="rect">
+              <a:avLst/>
+            </a:prstGeom>
+          </p:spPr>
+        </p:pic>
+        <p:sp>
+          <p:nvSpPr>
+            <p:cNvPr id="7" name="TextBox 6">
+              <a:extLst>
+                <a:ext uri="{FF2B5EF4-FFF2-40B4-BE49-F238E27FC236}">
+                  <a16:creationId xmlns:a16="http://schemas.microsoft.com/office/drawing/2014/main" id="{D3F94040-D6FD-2BDF-8F56-C05FA1A84F8D}"/>
+                </a:ext>
+              </a:extLst>
+            </p:cNvPr>
+            <p:cNvSpPr txBox="1"/>
+            <p:nvPr/>
+          </p:nvSpPr>
+          <p:spPr>
+            <a:xfrm>
+              <a:off x="4595762" y="5398717"/>
+              <a:ext cx="3000476" cy="300980"/>
+            </a:xfrm>
+            <a:prstGeom prst="rect">
+              <a:avLst/>
+            </a:prstGeom>
+            <a:noFill/>
+          </p:spPr>
+          <p:txBody>
+            <a:bodyPr wrap="square" rtlCol="0">
+              <a:spAutoFit/>
+            </a:bodyPr>
+            <a:lstStyle/>
+            <a:p>
+              <a:pPr algn="ctr">
+                <a:lnSpc>
+                  <a:spcPct val="150000"/>
+                </a:lnSpc>
+              </a:pPr>
+              <a:r>
+                <a:rPr lang="ko-KR" altLang="en-US" sz="1000" b="1" dirty="0">
+                  <a:latin typeface="한컴 고딕" panose="02000500000000000000" pitchFamily="2" charset="-127"/>
+                  <a:ea typeface="한컴 고딕" panose="02000500000000000000" pitchFamily="2" charset="-127"/>
+                </a:rPr>
+                <a:t>그림 </a:t>
+              </a:r>
+              <a:r>
+                <a:rPr lang="en-US" altLang="ko-KR" sz="1000" b="1" dirty="0">
+                  <a:latin typeface="한컴 고딕" panose="02000500000000000000" pitchFamily="2" charset="-127"/>
+                  <a:ea typeface="한컴 고딕" panose="02000500000000000000" pitchFamily="2" charset="-127"/>
+                </a:rPr>
+                <a:t>2. </a:t>
+              </a:r>
+              <a:r>
+                <a:rPr lang="en-US" altLang="ko-KR" sz="1000" b="1" dirty="0" err="1">
+                  <a:latin typeface="한컴 고딕" panose="02000500000000000000" pitchFamily="2" charset="-127"/>
+                  <a:ea typeface="한컴 고딕" panose="02000500000000000000" pitchFamily="2" charset="-127"/>
+                </a:rPr>
+                <a:t>ndnSIM</a:t>
+              </a:r>
+              <a:r>
+                <a:rPr lang="en-US" altLang="ko-KR" sz="1000" b="1" dirty="0">
+                  <a:latin typeface="한컴 고딕" panose="02000500000000000000" pitchFamily="2" charset="-127"/>
+                  <a:ea typeface="한컴 고딕" panose="02000500000000000000" pitchFamily="2" charset="-127"/>
+                </a:rPr>
+                <a:t> </a:t>
+              </a:r>
+              <a:r>
+                <a:rPr lang="ko-KR" altLang="en-US" sz="1000" b="1" dirty="0">
+                  <a:latin typeface="한컴 고딕" panose="02000500000000000000" pitchFamily="2" charset="-127"/>
+                  <a:ea typeface="한컴 고딕" panose="02000500000000000000" pitchFamily="2" charset="-127"/>
+                </a:rPr>
+                <a:t>설치 완료 안내 터미널 메시지</a:t>
+              </a:r>
+              <a:endParaRPr lang="en-US" altLang="ko-KR" sz="1000" b="1" dirty="0">
+                <a:latin typeface="한컴 고딕" panose="02000500000000000000" pitchFamily="2" charset="-127"/>
+                <a:ea typeface="한컴 고딕" panose="02000500000000000000" pitchFamily="2" charset="-127"/>
+              </a:endParaRPr>
+            </a:p>
+          </p:txBody>
+        </p:sp>
+      </p:grpSp>
     </p:spTree>
     <p:extLst>
       <p:ext uri="{BB962C8B-B14F-4D97-AF65-F5344CB8AC3E}">
-        <p14:creationId xmlns:p14="http://schemas.microsoft.com/office/powerpoint/2010/main" val="3756958767"/>
+        <p14:creationId xmlns:p14="http://schemas.microsoft.com/office/powerpoint/2010/main" val="2390347139"/>
       </p:ext>
     </p:extLst>
   </p:cSld>
@@ -6300,8 +5303,8 @@
         </p:nvSpPr>
         <p:spPr>
           <a:xfrm>
-            <a:off x="570947" y="2598003"/>
-            <a:ext cx="9744635" cy="830997"/>
+            <a:off x="143435" y="130844"/>
+            <a:ext cx="9744635" cy="584775"/>
           </a:xfrm>
           <a:prstGeom prst="rect">
             <a:avLst/>
@@ -6316,7 +5319,7 @@
           <a:p>
             <a:pPr algn="just"/>
             <a:r>
-              <a:rPr lang="en-US" altLang="ko-KR" sz="4800" dirty="0">
+              <a:rPr lang="en-US" altLang="ko-KR" sz="3200" dirty="0" err="1">
                 <a:solidFill>
                   <a:schemeClr val="tx1">
                     <a:lumMod val="65000"/>
@@ -6326,10 +5329,10 @@
                 <a:latin typeface="배달의민족 도현" panose="020B0600000101010101" pitchFamily="50" charset="-127"/>
                 <a:ea typeface="배달의민족 도현" panose="020B0600000101010101" pitchFamily="50" charset="-127"/>
               </a:rPr>
-              <a:t>NDN</a:t>
-            </a:r>
-            <a:r>
-              <a:rPr lang="ko-KR" altLang="en-US" sz="4800" dirty="0">
+              <a:t>ndnSIM</a:t>
+            </a:r>
+            <a:r>
+              <a:rPr lang="en-US" altLang="ko-KR" sz="3200" dirty="0">
                 <a:solidFill>
                   <a:schemeClr val="tx1">
                     <a:lumMod val="65000"/>
@@ -6339,9 +5342,22 @@
                 <a:latin typeface="배달의민족 도현" panose="020B0600000101010101" pitchFamily="50" charset="-127"/>
                 <a:ea typeface="배달의민족 도현" panose="020B0600000101010101" pitchFamily="50" charset="-127"/>
               </a:rPr>
-              <a:t>관련 툴의 대표 기능</a:t>
-            </a:r>
-            <a:endParaRPr lang="en-US" altLang="ko-KR" sz="4800" dirty="0">
+              <a:t> </a:t>
+            </a:r>
+            <a:r>
+              <a:rPr lang="ko-KR" altLang="en-US" sz="3200" dirty="0">
+                <a:solidFill>
+                  <a:schemeClr val="tx1">
+                    <a:lumMod val="65000"/>
+                    <a:lumOff val="35000"/>
+                  </a:schemeClr>
+                </a:solidFill>
+                <a:latin typeface="배달의민족 도현" panose="020B0600000101010101" pitchFamily="50" charset="-127"/>
+                <a:ea typeface="배달의민족 도현" panose="020B0600000101010101" pitchFamily="50" charset="-127"/>
+              </a:rPr>
+              <a:t>설치</a:t>
+            </a:r>
+            <a:endParaRPr lang="en-US" altLang="ko-KR" sz="3200" dirty="0">
               <a:solidFill>
                 <a:schemeClr val="tx1">
                   <a:lumMod val="65000"/>
@@ -6354,41 +5370,12 @@
           </a:p>
         </p:txBody>
       </p:sp>
-      <p:sp>
-        <p:nvSpPr>
-          <p:cNvPr id="3" name="슬라이드 번호 개체 틀 2">
-            <a:extLst>
-              <a:ext uri="{FF2B5EF4-FFF2-40B4-BE49-F238E27FC236}">
-                <a16:creationId xmlns:a16="http://schemas.microsoft.com/office/drawing/2014/main" id="{CE2C3055-3767-2EC3-17AD-3FDE29F361B0}"/>
-              </a:ext>
-            </a:extLst>
-          </p:cNvPr>
-          <p:cNvSpPr>
-            <a:spLocks noGrp="1"/>
-          </p:cNvSpPr>
-          <p:nvPr>
-            <p:ph type="sldNum" sz="quarter" idx="12"/>
-          </p:nvPr>
-        </p:nvSpPr>
-        <p:spPr/>
-        <p:txBody>
-          <a:bodyPr/>
-          <a:lstStyle/>
-          <a:p>
-            <a:fld id="{4503EA79-8FE5-4AB7-9144-49D69278BFF0}" type="slidenum">
-              <a:rPr lang="ko-KR" altLang="en-US" smtClean="0"/>
-              <a:t>12</a:t>
-            </a:fld>
-            <a:endParaRPr lang="ko-KR" altLang="en-US"/>
-          </a:p>
-        </p:txBody>
-      </p:sp>
       <p:cxnSp>
         <p:nvCxnSpPr>
-          <p:cNvPr id="4" name="직선 연결선 3">
-            <a:extLst>
-              <a:ext uri="{FF2B5EF4-FFF2-40B4-BE49-F238E27FC236}">
-                <a16:creationId xmlns:a16="http://schemas.microsoft.com/office/drawing/2014/main" id="{00650591-D617-465F-DFD1-82178FC4CBF0}"/>
+          <p:cNvPr id="6" name="직선 연결선 5">
+            <a:extLst>
+              <a:ext uri="{FF2B5EF4-FFF2-40B4-BE49-F238E27FC236}">
+                <a16:creationId xmlns:a16="http://schemas.microsoft.com/office/drawing/2014/main" id="{3CAFC98D-1DA6-5CE0-43FD-6D3D9C8D3B4F}"/>
               </a:ext>
             </a:extLst>
           </p:cNvPr>
@@ -6399,8 +5386,8 @@
         </p:nvCxnSpPr>
         <p:spPr>
           <a:xfrm>
-            <a:off x="570947" y="3429000"/>
-            <a:ext cx="6681623" cy="0"/>
+            <a:off x="206188" y="724225"/>
+            <a:ext cx="2424278" cy="0"/>
           </a:xfrm>
           <a:prstGeom prst="line">
             <a:avLst/>
@@ -6430,104 +5417,20 @@
       </p:cxnSp>
       <p:sp>
         <p:nvSpPr>
-          <p:cNvPr id="7" name="직사각형 6">
-            <a:extLst>
-              <a:ext uri="{FF2B5EF4-FFF2-40B4-BE49-F238E27FC236}">
-                <a16:creationId xmlns:a16="http://schemas.microsoft.com/office/drawing/2014/main" id="{A2519E08-BC8B-64F6-779D-97498F7134AE}"/>
-              </a:ext>
-            </a:extLst>
-          </p:cNvPr>
-          <p:cNvSpPr/>
+          <p:cNvPr id="10" name="TextBox 9">
+            <a:extLst>
+              <a:ext uri="{FF2B5EF4-FFF2-40B4-BE49-F238E27FC236}">
+                <a16:creationId xmlns:a16="http://schemas.microsoft.com/office/drawing/2014/main" id="{266829A7-D0F8-7CDF-D9BC-CA16B9A4C881}"/>
+              </a:ext>
+            </a:extLst>
+          </p:cNvPr>
+          <p:cNvSpPr txBox="1"/>
           <p:nvPr/>
         </p:nvSpPr>
         <p:spPr>
           <a:xfrm>
-            <a:off x="0" y="0"/>
-            <a:ext cx="12192000" cy="6858000"/>
-          </a:xfrm>
-          <a:prstGeom prst="rect">
-            <a:avLst/>
-          </a:prstGeom>
-          <a:noFill/>
-          <a:ln w="190500">
-            <a:solidFill>
-              <a:schemeClr val="accent1">
-                <a:lumMod val="75000"/>
-              </a:schemeClr>
-            </a:solidFill>
-          </a:ln>
-        </p:spPr>
-        <p:style>
-          <a:lnRef idx="2">
-            <a:schemeClr val="accent1">
-              <a:shade val="50000"/>
-            </a:schemeClr>
-          </a:lnRef>
-          <a:fillRef idx="1">
-            <a:schemeClr val="accent1"/>
-          </a:fillRef>
-          <a:effectRef idx="0">
-            <a:schemeClr val="accent1"/>
-          </a:effectRef>
-          <a:fontRef idx="minor">
-            <a:schemeClr val="lt1"/>
-          </a:fontRef>
-        </p:style>
-        <p:txBody>
-          <a:bodyPr rtlCol="0" anchor="ctr"/>
-          <a:lstStyle/>
-          <a:p>
-            <a:pPr algn="ctr"/>
-            <a:endParaRPr lang="ko-KR" altLang="en-US" dirty="0"/>
-          </a:p>
-        </p:txBody>
-      </p:sp>
-    </p:spTree>
-    <p:extLst>
-      <p:ext uri="{BB962C8B-B14F-4D97-AF65-F5344CB8AC3E}">
-        <p14:creationId xmlns:p14="http://schemas.microsoft.com/office/powerpoint/2010/main" val="2354581832"/>
-      </p:ext>
-    </p:extLst>
-  </p:cSld>
-  <p:clrMapOvr>
-    <a:masterClrMapping/>
-  </p:clrMapOvr>
-</p:sld>
-</file>
-
-<file path=ppt/slides/slide13.xml><?xml version="1.0" encoding="utf-8"?>
-<p:sld xmlns:a="http://schemas.openxmlformats.org/drawingml/2006/main" xmlns:r="http://schemas.openxmlformats.org/officeDocument/2006/relationships" xmlns:p="http://schemas.openxmlformats.org/presentationml/2006/main">
-  <p:cSld>
-    <p:spTree>
-      <p:nvGrpSpPr>
-        <p:cNvPr id="1" name=""/>
-        <p:cNvGrpSpPr/>
-        <p:nvPr/>
-      </p:nvGrpSpPr>
-      <p:grpSpPr>
-        <a:xfrm>
-          <a:off x="0" y="0"/>
-          <a:ext cx="0" cy="0"/>
-          <a:chOff x="0" y="0"/>
-          <a:chExt cx="0" cy="0"/>
-        </a:xfrm>
-      </p:grpSpPr>
-      <p:sp>
-        <p:nvSpPr>
-          <p:cNvPr id="2" name="TextBox 1">
-            <a:extLst>
-              <a:ext uri="{FF2B5EF4-FFF2-40B4-BE49-F238E27FC236}">
-                <a16:creationId xmlns:a16="http://schemas.microsoft.com/office/drawing/2014/main" id="{21A7DBE9-2DE9-F0B6-F5C5-7DB6C44D8D28}"/>
-              </a:ext>
-            </a:extLst>
-          </p:cNvPr>
-          <p:cNvSpPr txBox="1"/>
-          <p:nvPr/>
-        </p:nvSpPr>
-        <p:spPr>
-          <a:xfrm>
-            <a:off x="143435" y="130844"/>
-            <a:ext cx="11842377" cy="584775"/>
+            <a:off x="206187" y="715619"/>
+            <a:ext cx="5793780" cy="971292"/>
           </a:xfrm>
           <a:prstGeom prst="rect">
             <a:avLst/>
@@ -6540,115 +5443,32 @@
           </a:bodyPr>
           <a:lstStyle/>
           <a:p>
-            <a:pPr algn="just"/>
-            <a:r>
-              <a:rPr lang="en-US" altLang="ko-KR" sz="3200" dirty="0">
-                <a:solidFill>
-                  <a:schemeClr val="tx1">
-                    <a:lumMod val="65000"/>
-                    <a:lumOff val="35000"/>
-                  </a:schemeClr>
-                </a:solidFill>
-                <a:latin typeface="배달의민족 도현" panose="020B0600000101010101" pitchFamily="50" charset="-127"/>
-                <a:ea typeface="배달의민족 도현" panose="020B0600000101010101" pitchFamily="50" charset="-127"/>
-              </a:rPr>
-              <a:t>NDN</a:t>
-            </a:r>
-            <a:r>
-              <a:rPr lang="ko-KR" altLang="en-US" sz="3200" dirty="0">
-                <a:solidFill>
-                  <a:schemeClr val="tx1">
-                    <a:lumMod val="65000"/>
-                    <a:lumOff val="35000"/>
-                  </a:schemeClr>
-                </a:solidFill>
-                <a:latin typeface="배달의민족 도현" panose="020B0600000101010101" pitchFamily="50" charset="-127"/>
-                <a:ea typeface="배달의민족 도현" panose="020B0600000101010101" pitchFamily="50" charset="-127"/>
-              </a:rPr>
-              <a:t>관련 툴의 대표 기능</a:t>
-            </a:r>
-          </a:p>
-        </p:txBody>
-      </p:sp>
-      <p:cxnSp>
-        <p:nvCxnSpPr>
-          <p:cNvPr id="6" name="직선 연결선 5">
-            <a:extLst>
-              <a:ext uri="{FF2B5EF4-FFF2-40B4-BE49-F238E27FC236}">
-                <a16:creationId xmlns:a16="http://schemas.microsoft.com/office/drawing/2014/main" id="{3CAFC98D-1DA6-5CE0-43FD-6D3D9C8D3B4F}"/>
-              </a:ext>
-            </a:extLst>
-          </p:cNvPr>
-          <p:cNvCxnSpPr>
-            <a:cxnSpLocks/>
-          </p:cNvCxnSpPr>
-          <p:nvPr/>
-        </p:nvCxnSpPr>
-        <p:spPr>
-          <a:xfrm>
-            <a:off x="206188" y="724225"/>
-            <a:ext cx="4428442" cy="0"/>
-          </a:xfrm>
-          <a:prstGeom prst="line">
-            <a:avLst/>
-          </a:prstGeom>
-          <a:ln w="57150">
-            <a:solidFill>
-              <a:schemeClr val="accent1">
-                <a:lumMod val="75000"/>
-              </a:schemeClr>
-            </a:solidFill>
-          </a:ln>
-        </p:spPr>
-        <p:style>
-          <a:lnRef idx="1">
-            <a:schemeClr val="accent1"/>
-          </a:lnRef>
-          <a:fillRef idx="0">
-            <a:schemeClr val="accent1"/>
-          </a:fillRef>
-          <a:effectRef idx="0">
-            <a:schemeClr val="accent1"/>
-          </a:effectRef>
-          <a:fontRef idx="minor">
-            <a:schemeClr val="tx1"/>
-          </a:fontRef>
-        </p:style>
-      </p:cxnSp>
-      <p:sp>
-        <p:nvSpPr>
-          <p:cNvPr id="10" name="TextBox 9">
-            <a:extLst>
-              <a:ext uri="{FF2B5EF4-FFF2-40B4-BE49-F238E27FC236}">
-                <a16:creationId xmlns:a16="http://schemas.microsoft.com/office/drawing/2014/main" id="{266829A7-D0F8-7CDF-D9BC-CA16B9A4C881}"/>
-              </a:ext>
-            </a:extLst>
-          </p:cNvPr>
-          <p:cNvSpPr txBox="1"/>
-          <p:nvPr/>
-        </p:nvSpPr>
-        <p:spPr>
-          <a:xfrm>
-            <a:off x="206187" y="715619"/>
-            <a:ext cx="11833413" cy="5126275"/>
-          </a:xfrm>
-          <a:prstGeom prst="rect">
-            <a:avLst/>
-          </a:prstGeom>
-          <a:noFill/>
-        </p:spPr>
-        <p:txBody>
-          <a:bodyPr wrap="square" rtlCol="0">
-            <a:spAutoFit/>
-          </a:bodyPr>
-          <a:lstStyle/>
-          <a:p>
             <a:pPr>
               <a:lnSpc>
                 <a:spcPct val="150000"/>
               </a:lnSpc>
             </a:pPr>
             <a:r>
+              <a:rPr lang="en-US" altLang="ko-KR" sz="2000" b="1" dirty="0" err="1">
+                <a:solidFill>
+                  <a:schemeClr val="accent1"/>
+                </a:solidFill>
+                <a:latin typeface="한컴 고딕" panose="02000500000000000000" pitchFamily="2" charset="-127"/>
+                <a:ea typeface="한컴 고딕" panose="02000500000000000000" pitchFamily="2" charset="-127"/>
+              </a:rPr>
+              <a:t>ndnSIM</a:t>
+            </a:r>
+            <a:r>
+              <a:rPr lang="en-US" altLang="ko-KR" sz="2000" b="1" dirty="0">
+                <a:solidFill>
+                  <a:schemeClr val="accent1"/>
+                </a:solidFill>
+                <a:latin typeface="한컴 고딕" panose="02000500000000000000" pitchFamily="2" charset="-127"/>
+                <a:ea typeface="한컴 고딕" panose="02000500000000000000" pitchFamily="2" charset="-127"/>
+              </a:rPr>
+              <a:t> </a:t>
+            </a:r>
+            <a:r>
               <a:rPr lang="ko-KR" altLang="en-US" sz="2000" b="1" dirty="0">
                 <a:solidFill>
                   <a:schemeClr val="accent1"/>
@@ -6656,18 +5476,15 @@
                 <a:latin typeface="한컴 고딕" panose="02000500000000000000" pitchFamily="2" charset="-127"/>
                 <a:ea typeface="한컴 고딕" panose="02000500000000000000" pitchFamily="2" charset="-127"/>
               </a:rPr>
-              <a:t>전송 성능 측정 </a:t>
-            </a:r>
-            <a:r>
-              <a:rPr lang="en-US" altLang="ko-KR" sz="2000" b="1" dirty="0">
-                <a:solidFill>
-                  <a:schemeClr val="accent1"/>
-                </a:solidFill>
-                <a:latin typeface="한컴 고딕" panose="02000500000000000000" pitchFamily="2" charset="-127"/>
-                <a:ea typeface="한컴 고딕" panose="02000500000000000000" pitchFamily="2" charset="-127"/>
-              </a:rPr>
-              <a:t>: Dataset Namespace Update Delay</a:t>
-            </a:r>
+              <a:t>설치 완료 확인</a:t>
+            </a:r>
+            <a:endParaRPr lang="en-US" altLang="ko-KR" sz="2000" b="1" dirty="0">
+              <a:solidFill>
+                <a:schemeClr val="accent1"/>
+              </a:solidFill>
+              <a:latin typeface="한컴 고딕" panose="02000500000000000000" pitchFamily="2" charset="-127"/>
+              <a:ea typeface="한컴 고딕" panose="02000500000000000000" pitchFamily="2" charset="-127"/>
+            </a:endParaRPr>
           </a:p>
           <a:p>
             <a:pPr marL="342900" indent="-342900">
@@ -6678,7 +5495,7 @@
               <a:buChar char="•"/>
             </a:pPr>
             <a:r>
-              <a:rPr lang="en-US" altLang="ko-KR" sz="2000" b="1" dirty="0">
+              <a:rPr lang="ko-KR" altLang="en-US" sz="2000" b="1" dirty="0">
                 <a:solidFill>
                   <a:schemeClr val="tx1">
                     <a:lumMod val="50000"/>
@@ -6687,12 +5504,11 @@
                 </a:solidFill>
                 <a:latin typeface="한컴 고딕" panose="02000500000000000000" pitchFamily="2" charset="-127"/>
                 <a:ea typeface="한컴 고딕" panose="02000500000000000000" pitchFamily="2" charset="-127"/>
-                <a:sym typeface="Wingdings" panose="05000000000000000000" pitchFamily="2" charset="2"/>
-              </a:rPr>
-              <a:t>Sync Interest </a:t>
-            </a:r>
-            <a:r>
-              <a:rPr lang="ko-KR" altLang="en-US" sz="2000" b="1" dirty="0">
+              </a:rPr>
+              <a:t>기본적인 </a:t>
+            </a:r>
+            <a:r>
+              <a:rPr lang="en-US" altLang="ko-KR" sz="2000" b="1" dirty="0" err="1">
                 <a:solidFill>
                   <a:schemeClr val="tx1">
                     <a:lumMod val="50000"/>
@@ -6701,9 +5517,8 @@
                 </a:solidFill>
                 <a:latin typeface="한컴 고딕" panose="02000500000000000000" pitchFamily="2" charset="-127"/>
                 <a:ea typeface="한컴 고딕" panose="02000500000000000000" pitchFamily="2" charset="-127"/>
-                <a:sym typeface="Wingdings" panose="05000000000000000000" pitchFamily="2" charset="2"/>
-              </a:rPr>
-              <a:t>손실률</a:t>
+              </a:rPr>
+              <a:t>Complie</a:t>
             </a:r>
             <a:endParaRPr lang="en-US" altLang="ko-KR" sz="2000" b="1" dirty="0">
               <a:solidFill>
@@ -6714,9 +5529,96 @@
               </a:solidFill>
               <a:latin typeface="한컴 고딕" panose="02000500000000000000" pitchFamily="2" charset="-127"/>
               <a:ea typeface="한컴 고딕" panose="02000500000000000000" pitchFamily="2" charset="-127"/>
-              <a:sym typeface="Wingdings" panose="05000000000000000000" pitchFamily="2" charset="2"/>
             </a:endParaRPr>
           </a:p>
+        </p:txBody>
+      </p:sp>
+      <p:sp>
+        <p:nvSpPr>
+          <p:cNvPr id="3" name="슬라이드 번호 개체 틀 2">
+            <a:extLst>
+              <a:ext uri="{FF2B5EF4-FFF2-40B4-BE49-F238E27FC236}">
+                <a16:creationId xmlns:a16="http://schemas.microsoft.com/office/drawing/2014/main" id="{4EC25071-CFFA-8C9C-CB7A-29C2F016666E}"/>
+              </a:ext>
+            </a:extLst>
+          </p:cNvPr>
+          <p:cNvSpPr>
+            <a:spLocks noGrp="1"/>
+          </p:cNvSpPr>
+          <p:nvPr>
+            <p:ph type="sldNum" sz="quarter" idx="12"/>
+          </p:nvPr>
+        </p:nvSpPr>
+        <p:spPr/>
+        <p:txBody>
+          <a:bodyPr/>
+          <a:lstStyle/>
+          <a:p>
+            <a:fld id="{4503EA79-8FE5-4AB7-9144-49D69278BFF0}" type="slidenum">
+              <a:rPr lang="ko-KR" altLang="en-US" smtClean="0"/>
+              <a:t>12</a:t>
+            </a:fld>
+            <a:endParaRPr lang="ko-KR" altLang="en-US" dirty="0"/>
+          </a:p>
+        </p:txBody>
+      </p:sp>
+      <p:pic>
+        <p:nvPicPr>
+          <p:cNvPr id="9" name="그림 8">
+            <a:extLst>
+              <a:ext uri="{FF2B5EF4-FFF2-40B4-BE49-F238E27FC236}">
+                <a16:creationId xmlns:a16="http://schemas.microsoft.com/office/drawing/2014/main" id="{B293E13B-B2B2-E5AB-E2EF-C85C59BEC804}"/>
+              </a:ext>
+            </a:extLst>
+          </p:cNvPr>
+          <p:cNvPicPr>
+            <a:picLocks noChangeAspect="1"/>
+          </p:cNvPicPr>
+          <p:nvPr/>
+        </p:nvPicPr>
+        <p:blipFill>
+          <a:blip r:embed="rId2"/>
+          <a:stretch>
+            <a:fillRect/>
+          </a:stretch>
+        </p:blipFill>
+        <p:spPr>
+          <a:xfrm>
+            <a:off x="206187" y="1910253"/>
+            <a:ext cx="5793780" cy="3085639"/>
+          </a:xfrm>
+          <a:prstGeom prst="rect">
+            <a:avLst/>
+          </a:prstGeom>
+        </p:spPr>
+      </p:pic>
+      <p:sp>
+        <p:nvSpPr>
+          <p:cNvPr id="11" name="TextBox 10">
+            <a:extLst>
+              <a:ext uri="{FF2B5EF4-FFF2-40B4-BE49-F238E27FC236}">
+                <a16:creationId xmlns:a16="http://schemas.microsoft.com/office/drawing/2014/main" id="{A3B72ADD-9722-DB00-778B-83532494E288}"/>
+              </a:ext>
+            </a:extLst>
+          </p:cNvPr>
+          <p:cNvSpPr txBox="1"/>
+          <p:nvPr/>
+        </p:nvSpPr>
+        <p:spPr>
+          <a:xfrm>
+            <a:off x="6192033" y="724225"/>
+            <a:ext cx="5793780" cy="509627"/>
+          </a:xfrm>
+          <a:prstGeom prst="rect">
+            <a:avLst/>
+          </a:prstGeom>
+          <a:noFill/>
+        </p:spPr>
+        <p:txBody>
+          <a:bodyPr wrap="square" rtlCol="0">
+            <a:spAutoFit/>
+          </a:bodyPr>
+          <a:lstStyle/>
           <a:p>
             <a:pPr marL="342900" indent="-342900">
               <a:lnSpc>
@@ -6735,56 +5637,9 @@
                 </a:solidFill>
                 <a:latin typeface="한컴 고딕" panose="02000500000000000000" pitchFamily="2" charset="-127"/>
                 <a:ea typeface="한컴 고딕" panose="02000500000000000000" pitchFamily="2" charset="-127"/>
-                <a:sym typeface="Wingdings" panose="05000000000000000000" pitchFamily="2" charset="2"/>
-              </a:rPr>
-              <a:t>각 노드의 데이터 생성 및 수신 시간</a:t>
-            </a:r>
-            <a:endParaRPr lang="en-US" altLang="ko-KR" sz="2000" b="1" dirty="0">
-              <a:solidFill>
-                <a:schemeClr val="tx1">
-                  <a:lumMod val="50000"/>
-                  <a:lumOff val="50000"/>
-                </a:schemeClr>
-              </a:solidFill>
-              <a:latin typeface="한컴 고딕" panose="02000500000000000000" pitchFamily="2" charset="-127"/>
-              <a:ea typeface="한컴 고딕" panose="02000500000000000000" pitchFamily="2" charset="-127"/>
-              <a:sym typeface="Wingdings" panose="05000000000000000000" pitchFamily="2" charset="2"/>
-            </a:endParaRPr>
-          </a:p>
-          <a:p>
-            <a:pPr>
-              <a:lnSpc>
-                <a:spcPct val="150000"/>
-              </a:lnSpc>
-            </a:pPr>
-            <a:r>
-              <a:rPr lang="ko-KR" altLang="en-US" sz="2000" b="1" dirty="0">
-                <a:solidFill>
-                  <a:schemeClr val="accent1"/>
-                </a:solidFill>
-                <a:latin typeface="한컴 고딕" panose="02000500000000000000" pitchFamily="2" charset="-127"/>
-                <a:ea typeface="한컴 고딕" panose="02000500000000000000" pitchFamily="2" charset="-127"/>
-                <a:sym typeface="Wingdings" panose="05000000000000000000" pitchFamily="2" charset="2"/>
-              </a:rPr>
-              <a:t>어플리케이션 성능 측정</a:t>
-            </a:r>
-            <a:endParaRPr lang="en-US" altLang="ko-KR" sz="2000" b="1" dirty="0">
-              <a:solidFill>
-                <a:schemeClr val="accent1"/>
-              </a:solidFill>
-              <a:latin typeface="한컴 고딕" panose="02000500000000000000" pitchFamily="2" charset="-127"/>
-              <a:ea typeface="한컴 고딕" panose="02000500000000000000" pitchFamily="2" charset="-127"/>
-              <a:sym typeface="Wingdings" panose="05000000000000000000" pitchFamily="2" charset="2"/>
-            </a:endParaRPr>
-          </a:p>
-          <a:p>
-            <a:pPr marL="342900" indent="-342900">
-              <a:lnSpc>
-                <a:spcPct val="150000"/>
-              </a:lnSpc>
-              <a:buFont typeface="Arial" panose="020B0604020202020204" pitchFamily="34" charset="0"/>
-              <a:buChar char="•"/>
-            </a:pPr>
+              </a:rPr>
+              <a:t>성공적으로 실행되었을 경우</a:t>
+            </a:r>
             <a:r>
               <a:rPr lang="en-US" altLang="ko-KR" sz="2000" b="1" dirty="0">
                 <a:solidFill>
@@ -6795,1245 +5650,135 @@
                 </a:solidFill>
                 <a:latin typeface="한컴 고딕" panose="02000500000000000000" pitchFamily="2" charset="-127"/>
                 <a:ea typeface="한컴 고딕" panose="02000500000000000000" pitchFamily="2" charset="-127"/>
-                <a:sym typeface="Wingdings" panose="05000000000000000000" pitchFamily="2" charset="2"/>
-              </a:rPr>
-              <a:t>Fetching</a:t>
-            </a:r>
-            <a:r>
-              <a:rPr lang="ko-KR" altLang="en-US" sz="2000" b="1" dirty="0">
-                <a:solidFill>
-                  <a:schemeClr val="tx1">
-                    <a:lumMod val="50000"/>
-                    <a:lumOff val="50000"/>
-                  </a:schemeClr>
-                </a:solidFill>
-                <a:latin typeface="한컴 고딕" panose="02000500000000000000" pitchFamily="2" charset="-127"/>
-                <a:ea typeface="한컴 고딕" panose="02000500000000000000" pitchFamily="2" charset="-127"/>
-                <a:sym typeface="Wingdings" panose="05000000000000000000" pitchFamily="2" charset="2"/>
-              </a:rPr>
-              <a:t> </a:t>
-            </a:r>
-            <a:r>
-              <a:rPr lang="en-US" altLang="ko-KR" sz="2000" b="1" dirty="0">
-                <a:solidFill>
-                  <a:schemeClr val="tx1">
-                    <a:lumMod val="50000"/>
-                    <a:lumOff val="50000"/>
-                  </a:schemeClr>
-                </a:solidFill>
-                <a:latin typeface="한컴 고딕" panose="02000500000000000000" pitchFamily="2" charset="-127"/>
-                <a:ea typeface="한컴 고딕" panose="02000500000000000000" pitchFamily="2" charset="-127"/>
-                <a:sym typeface="Wingdings" panose="05000000000000000000" pitchFamily="2" charset="2"/>
-              </a:rPr>
-              <a:t>Delay</a:t>
-            </a:r>
-            <a:r>
-              <a:rPr lang="ko-KR" altLang="en-US" sz="2000" b="1" dirty="0">
-                <a:solidFill>
-                  <a:schemeClr val="tx1">
-                    <a:lumMod val="50000"/>
-                    <a:lumOff val="50000"/>
-                  </a:schemeClr>
-                </a:solidFill>
-                <a:latin typeface="한컴 고딕" panose="02000500000000000000" pitchFamily="2" charset="-127"/>
-                <a:ea typeface="한컴 고딕" panose="02000500000000000000" pitchFamily="2" charset="-127"/>
-                <a:sym typeface="Wingdings" panose="05000000000000000000" pitchFamily="2" charset="2"/>
-              </a:rPr>
-              <a:t> </a:t>
-            </a:r>
-            <a:r>
-              <a:rPr lang="en-US" altLang="ko-KR" sz="2000" b="1" dirty="0">
-                <a:solidFill>
-                  <a:schemeClr val="tx1">
-                    <a:lumMod val="50000"/>
-                    <a:lumOff val="50000"/>
-                  </a:schemeClr>
-                </a:solidFill>
-                <a:latin typeface="한컴 고딕" panose="02000500000000000000" pitchFamily="2" charset="-127"/>
-                <a:ea typeface="한컴 고딕" panose="02000500000000000000" pitchFamily="2" charset="-127"/>
-                <a:sym typeface="Wingdings" panose="05000000000000000000" pitchFamily="2" charset="2"/>
-              </a:rPr>
-              <a:t>:</a:t>
-            </a:r>
-            <a:r>
-              <a:rPr lang="ko-KR" altLang="en-US" sz="2000" b="1" dirty="0">
-                <a:solidFill>
-                  <a:schemeClr val="tx1">
-                    <a:lumMod val="50000"/>
-                    <a:lumOff val="50000"/>
-                  </a:schemeClr>
-                </a:solidFill>
-                <a:latin typeface="한컴 고딕" panose="02000500000000000000" pitchFamily="2" charset="-127"/>
-                <a:ea typeface="한컴 고딕" panose="02000500000000000000" pitchFamily="2" charset="-127"/>
-                <a:sym typeface="Wingdings" panose="05000000000000000000" pitchFamily="2" charset="2"/>
-              </a:rPr>
-              <a:t> </a:t>
-            </a:r>
-            <a:r>
-              <a:rPr lang="en-US" altLang="ko-KR" sz="2000" b="1" dirty="0">
-                <a:solidFill>
-                  <a:schemeClr val="tx1">
-                    <a:lumMod val="50000"/>
-                    <a:lumOff val="50000"/>
-                  </a:schemeClr>
-                </a:solidFill>
-                <a:latin typeface="한컴 고딕" panose="02000500000000000000" pitchFamily="2" charset="-127"/>
-                <a:ea typeface="한컴 고딕" panose="02000500000000000000" pitchFamily="2" charset="-127"/>
-                <a:sym typeface="Wingdings" panose="05000000000000000000" pitchFamily="2" charset="2"/>
-              </a:rPr>
-              <a:t>Interest</a:t>
-            </a:r>
-            <a:r>
-              <a:rPr lang="ko-KR" altLang="en-US" sz="2000" b="1" dirty="0">
-                <a:solidFill>
-                  <a:schemeClr val="tx1">
-                    <a:lumMod val="50000"/>
-                    <a:lumOff val="50000"/>
-                  </a:schemeClr>
-                </a:solidFill>
-                <a:latin typeface="한컴 고딕" panose="02000500000000000000" pitchFamily="2" charset="-127"/>
-                <a:ea typeface="한컴 고딕" panose="02000500000000000000" pitchFamily="2" charset="-127"/>
-                <a:sym typeface="Wingdings" panose="05000000000000000000" pitchFamily="2" charset="2"/>
-              </a:rPr>
-              <a:t> 패킷을 보낸 후 요청된 데이터 패킷이 수신될 때까지의 시간</a:t>
-            </a:r>
-            <a:endParaRPr lang="en-US" altLang="ko-KR" sz="2000" b="1" dirty="0">
-              <a:solidFill>
-                <a:schemeClr val="tx1">
-                  <a:lumMod val="50000"/>
-                  <a:lumOff val="50000"/>
-                </a:schemeClr>
-              </a:solidFill>
-              <a:latin typeface="한컴 고딕" panose="02000500000000000000" pitchFamily="2" charset="-127"/>
-              <a:ea typeface="한컴 고딕" panose="02000500000000000000" pitchFamily="2" charset="-127"/>
-              <a:sym typeface="Wingdings" panose="05000000000000000000" pitchFamily="2" charset="2"/>
-            </a:endParaRPr>
-          </a:p>
-          <a:p>
-            <a:pPr marL="342900" indent="-342900">
-              <a:lnSpc>
-                <a:spcPct val="150000"/>
-              </a:lnSpc>
-              <a:buFont typeface="Arial" panose="020B0604020202020204" pitchFamily="34" charset="0"/>
-              <a:buChar char="•"/>
-            </a:pPr>
-            <a:r>
-              <a:rPr lang="en-US" altLang="ko-KR" sz="2000" b="1" dirty="0">
-                <a:solidFill>
-                  <a:schemeClr val="tx1">
-                    <a:lumMod val="50000"/>
-                    <a:lumOff val="50000"/>
-                  </a:schemeClr>
-                </a:solidFill>
-                <a:latin typeface="한컴 고딕" panose="02000500000000000000" pitchFamily="2" charset="-127"/>
-                <a:ea typeface="한컴 고딕" panose="02000500000000000000" pitchFamily="2" charset="-127"/>
-                <a:sym typeface="Wingdings" panose="05000000000000000000" pitchFamily="2" charset="2"/>
-              </a:rPr>
-              <a:t>Throughput</a:t>
-            </a:r>
-          </a:p>
-          <a:p>
-            <a:pPr>
-              <a:lnSpc>
-                <a:spcPct val="150000"/>
-              </a:lnSpc>
-            </a:pPr>
-            <a:r>
-              <a:rPr lang="ko-KR" altLang="en-US" sz="2000" b="1" dirty="0" err="1">
-                <a:solidFill>
-                  <a:schemeClr val="accent1"/>
-                </a:solidFill>
-                <a:latin typeface="한컴 고딕" panose="02000500000000000000" pitchFamily="2" charset="-127"/>
-                <a:ea typeface="한컴 고딕" panose="02000500000000000000" pitchFamily="2" charset="-127"/>
-                <a:sym typeface="Wingdings" panose="05000000000000000000" pitchFamily="2" charset="2"/>
-              </a:rPr>
-              <a:t>캐싱</a:t>
-            </a:r>
-            <a:r>
-              <a:rPr lang="ko-KR" altLang="en-US" sz="2000" b="1" dirty="0">
-                <a:solidFill>
-                  <a:schemeClr val="accent1"/>
-                </a:solidFill>
-                <a:latin typeface="한컴 고딕" panose="02000500000000000000" pitchFamily="2" charset="-127"/>
-                <a:ea typeface="한컴 고딕" panose="02000500000000000000" pitchFamily="2" charset="-127"/>
-                <a:sym typeface="Wingdings" panose="05000000000000000000" pitchFamily="2" charset="2"/>
-              </a:rPr>
-              <a:t> 성능 측정</a:t>
-            </a:r>
-            <a:endParaRPr lang="en-US" altLang="ko-KR" sz="2000" b="1" dirty="0">
-              <a:solidFill>
-                <a:schemeClr val="accent1"/>
-              </a:solidFill>
-              <a:latin typeface="한컴 고딕" panose="02000500000000000000" pitchFamily="2" charset="-127"/>
-              <a:ea typeface="한컴 고딕" panose="02000500000000000000" pitchFamily="2" charset="-127"/>
-              <a:sym typeface="Wingdings" panose="05000000000000000000" pitchFamily="2" charset="2"/>
-            </a:endParaRPr>
-          </a:p>
-          <a:p>
-            <a:pPr marL="342900" indent="-342900">
-              <a:lnSpc>
-                <a:spcPct val="150000"/>
-              </a:lnSpc>
-              <a:buFont typeface="Arial" panose="020B0604020202020204" pitchFamily="34" charset="0"/>
-              <a:buChar char="•"/>
-            </a:pPr>
-            <a:r>
-              <a:rPr lang="en-US" altLang="ko-KR" sz="2000" b="1" dirty="0">
-                <a:solidFill>
-                  <a:schemeClr val="tx1">
-                    <a:lumMod val="50000"/>
-                    <a:lumOff val="50000"/>
-                  </a:schemeClr>
-                </a:solidFill>
-                <a:latin typeface="한컴 고딕" panose="02000500000000000000" pitchFamily="2" charset="-127"/>
-                <a:ea typeface="한컴 고딕" panose="02000500000000000000" pitchFamily="2" charset="-127"/>
-                <a:sym typeface="Wingdings" panose="05000000000000000000" pitchFamily="2" charset="2"/>
-              </a:rPr>
-              <a:t>Cache Hit-Ratio (</a:t>
-            </a:r>
-            <a:r>
-              <a:rPr lang="ko-KR" altLang="en-US" sz="2000" b="1" dirty="0">
-                <a:solidFill>
-                  <a:schemeClr val="tx1">
-                    <a:lumMod val="50000"/>
-                    <a:lumOff val="50000"/>
-                  </a:schemeClr>
-                </a:solidFill>
-                <a:latin typeface="한컴 고딕" panose="02000500000000000000" pitchFamily="2" charset="-127"/>
-                <a:ea typeface="한컴 고딕" panose="02000500000000000000" pitchFamily="2" charset="-127"/>
-                <a:sym typeface="Wingdings" panose="05000000000000000000" pitchFamily="2" charset="2"/>
-              </a:rPr>
-              <a:t>캐시 적중률</a:t>
-            </a:r>
-            <a:r>
-              <a:rPr lang="en-US" altLang="ko-KR" sz="2000" b="1" dirty="0">
-                <a:solidFill>
-                  <a:schemeClr val="tx1">
-                    <a:lumMod val="50000"/>
-                    <a:lumOff val="50000"/>
-                  </a:schemeClr>
-                </a:solidFill>
-                <a:latin typeface="한컴 고딕" panose="02000500000000000000" pitchFamily="2" charset="-127"/>
-                <a:ea typeface="한컴 고딕" panose="02000500000000000000" pitchFamily="2" charset="-127"/>
-                <a:sym typeface="Wingdings" panose="05000000000000000000" pitchFamily="2" charset="2"/>
-              </a:rPr>
-              <a:t>)</a:t>
-            </a:r>
-          </a:p>
-          <a:p>
-            <a:pPr marL="800100" lvl="1" indent="-342900">
-              <a:lnSpc>
-                <a:spcPct val="150000"/>
-              </a:lnSpc>
-              <a:buFont typeface="Arial" panose="020B0604020202020204" pitchFamily="34" charset="0"/>
-              <a:buChar char="•"/>
-            </a:pPr>
-            <a:r>
-              <a:rPr lang="ko-KR" altLang="en-US" sz="2000" b="1" dirty="0">
-                <a:solidFill>
-                  <a:schemeClr val="tx1">
-                    <a:lumMod val="50000"/>
-                    <a:lumOff val="50000"/>
-                  </a:schemeClr>
-                </a:solidFill>
-                <a:latin typeface="한컴 고딕" panose="02000500000000000000" pitchFamily="2" charset="-127"/>
-                <a:ea typeface="한컴 고딕" panose="02000500000000000000" pitchFamily="2" charset="-127"/>
-                <a:sym typeface="Wingdings" panose="05000000000000000000" pitchFamily="2" charset="2"/>
-              </a:rPr>
-              <a:t>노드 단위 </a:t>
-            </a:r>
-            <a:r>
-              <a:rPr lang="en-US" altLang="ko-KR" sz="2000" b="1" dirty="0">
-                <a:solidFill>
-                  <a:schemeClr val="tx1">
-                    <a:lumMod val="50000"/>
-                    <a:lumOff val="50000"/>
-                  </a:schemeClr>
-                </a:solidFill>
-                <a:latin typeface="한컴 고딕" panose="02000500000000000000" pitchFamily="2" charset="-127"/>
-                <a:ea typeface="한컴 고딕" panose="02000500000000000000" pitchFamily="2" charset="-127"/>
-                <a:sym typeface="Wingdings" panose="05000000000000000000" pitchFamily="2" charset="2"/>
-              </a:rPr>
-              <a:t>/ </a:t>
-            </a:r>
-            <a:r>
-              <a:rPr lang="ko-KR" altLang="en-US" sz="2000" b="1" dirty="0">
-                <a:solidFill>
-                  <a:schemeClr val="tx1">
-                    <a:lumMod val="50000"/>
-                    <a:lumOff val="50000"/>
-                  </a:schemeClr>
-                </a:solidFill>
-                <a:latin typeface="한컴 고딕" panose="02000500000000000000" pitchFamily="2" charset="-127"/>
-                <a:ea typeface="한컴 고딕" panose="02000500000000000000" pitchFamily="2" charset="-127"/>
-                <a:sym typeface="Wingdings" panose="05000000000000000000" pitchFamily="2" charset="2"/>
-              </a:rPr>
-              <a:t>네임스페이스 단위로 측정 가능</a:t>
-            </a:r>
-            <a:endParaRPr lang="en-US" altLang="ko-KR" sz="2000" b="1" dirty="0">
-              <a:solidFill>
-                <a:schemeClr val="tx1">
-                  <a:lumMod val="50000"/>
-                  <a:lumOff val="50000"/>
-                </a:schemeClr>
-              </a:solidFill>
-              <a:latin typeface="한컴 고딕" panose="02000500000000000000" pitchFamily="2" charset="-127"/>
-              <a:ea typeface="한컴 고딕" panose="02000500000000000000" pitchFamily="2" charset="-127"/>
-              <a:sym typeface="Wingdings" panose="05000000000000000000" pitchFamily="2" charset="2"/>
-            </a:endParaRPr>
-          </a:p>
-          <a:p>
-            <a:pPr marL="342900" indent="-342900">
-              <a:lnSpc>
-                <a:spcPct val="150000"/>
-              </a:lnSpc>
-              <a:buFont typeface="Arial" panose="020B0604020202020204" pitchFamily="34" charset="0"/>
-              <a:buChar char="•"/>
-            </a:pPr>
-            <a:r>
-              <a:rPr lang="en-US" altLang="ko-KR" sz="2000" b="1" dirty="0">
-                <a:solidFill>
-                  <a:schemeClr val="tx1">
-                    <a:lumMod val="50000"/>
-                    <a:lumOff val="50000"/>
-                  </a:schemeClr>
-                </a:solidFill>
-                <a:latin typeface="한컴 고딕" panose="02000500000000000000" pitchFamily="2" charset="-127"/>
-                <a:ea typeface="한컴 고딕" panose="02000500000000000000" pitchFamily="2" charset="-127"/>
-                <a:sym typeface="Wingdings" panose="05000000000000000000" pitchFamily="2" charset="2"/>
-              </a:rPr>
-              <a:t>Cache </a:t>
-            </a:r>
-            <a:r>
-              <a:rPr lang="ko-KR" altLang="en-US" sz="2000" b="1" dirty="0">
-                <a:solidFill>
-                  <a:schemeClr val="tx1">
-                    <a:lumMod val="50000"/>
-                    <a:lumOff val="50000"/>
-                  </a:schemeClr>
-                </a:solidFill>
-                <a:latin typeface="한컴 고딕" panose="02000500000000000000" pitchFamily="2" charset="-127"/>
-                <a:ea typeface="한컴 고딕" panose="02000500000000000000" pitchFamily="2" charset="-127"/>
-                <a:sym typeface="Wingdings" panose="05000000000000000000" pitchFamily="2" charset="2"/>
-              </a:rPr>
-              <a:t>공간 점유율</a:t>
-            </a:r>
-            <a:endParaRPr lang="en-US" altLang="ko-KR" sz="2000" b="1" dirty="0">
-              <a:solidFill>
-                <a:schemeClr val="tx1">
-                  <a:lumMod val="50000"/>
-                  <a:lumOff val="50000"/>
-                </a:schemeClr>
-              </a:solidFill>
-              <a:latin typeface="한컴 고딕" panose="02000500000000000000" pitchFamily="2" charset="-127"/>
-              <a:ea typeface="한컴 고딕" panose="02000500000000000000" pitchFamily="2" charset="-127"/>
-              <a:sym typeface="Wingdings" panose="05000000000000000000" pitchFamily="2" charset="2"/>
-            </a:endParaRPr>
-          </a:p>
-          <a:p>
-            <a:pPr marL="800100" lvl="1" indent="-342900">
-              <a:lnSpc>
-                <a:spcPct val="150000"/>
-              </a:lnSpc>
-              <a:buFont typeface="Arial" panose="020B0604020202020204" pitchFamily="34" charset="0"/>
-              <a:buChar char="•"/>
-            </a:pPr>
-            <a:r>
-              <a:rPr lang="ko-KR" altLang="en-US" sz="2000" b="1" dirty="0">
-                <a:solidFill>
-                  <a:schemeClr val="tx1">
-                    <a:lumMod val="50000"/>
-                    <a:lumOff val="50000"/>
-                  </a:schemeClr>
-                </a:solidFill>
-                <a:latin typeface="한컴 고딕" panose="02000500000000000000" pitchFamily="2" charset="-127"/>
-                <a:ea typeface="한컴 고딕" panose="02000500000000000000" pitchFamily="2" charset="-127"/>
-                <a:sym typeface="Wingdings" panose="05000000000000000000" pitchFamily="2" charset="2"/>
-              </a:rPr>
-              <a:t>캐시 관리 설계가 캐시의 내용을 미리 제거하는 경우를 측정한다</a:t>
-            </a:r>
-            <a:r>
-              <a:rPr lang="en-US" altLang="ko-KR" sz="2000" b="1" dirty="0">
-                <a:solidFill>
-                  <a:schemeClr val="tx1">
-                    <a:lumMod val="50000"/>
-                    <a:lumOff val="50000"/>
-                  </a:schemeClr>
-                </a:solidFill>
-                <a:latin typeface="한컴 고딕" panose="02000500000000000000" pitchFamily="2" charset="-127"/>
-                <a:ea typeface="한컴 고딕" panose="02000500000000000000" pitchFamily="2" charset="-127"/>
-                <a:sym typeface="Wingdings" panose="05000000000000000000" pitchFamily="2" charset="2"/>
-              </a:rPr>
-              <a:t>.</a:t>
-            </a:r>
-          </a:p>
-        </p:txBody>
-      </p:sp>
-      <p:sp>
-        <p:nvSpPr>
-          <p:cNvPr id="3" name="슬라이드 번호 개체 틀 2">
-            <a:extLst>
-              <a:ext uri="{FF2B5EF4-FFF2-40B4-BE49-F238E27FC236}">
-                <a16:creationId xmlns:a16="http://schemas.microsoft.com/office/drawing/2014/main" id="{4EC25071-CFFA-8C9C-CB7A-29C2F016666E}"/>
-              </a:ext>
-            </a:extLst>
-          </p:cNvPr>
-          <p:cNvSpPr>
-            <a:spLocks noGrp="1"/>
-          </p:cNvSpPr>
-          <p:nvPr>
-            <p:ph type="sldNum" sz="quarter" idx="12"/>
-          </p:nvPr>
-        </p:nvSpPr>
-        <p:spPr/>
-        <p:txBody>
-          <a:bodyPr/>
-          <a:lstStyle/>
-          <a:p>
-            <a:fld id="{4503EA79-8FE5-4AB7-9144-49D69278BFF0}" type="slidenum">
-              <a:rPr lang="ko-KR" altLang="en-US" smtClean="0"/>
-              <a:t>13</a:t>
-            </a:fld>
-            <a:endParaRPr lang="ko-KR" altLang="en-US" dirty="0"/>
-          </a:p>
-        </p:txBody>
-      </p:sp>
+              </a:rPr>
+              <a:t>,</a:t>
+            </a:r>
+          </a:p>
+        </p:txBody>
+      </p:sp>
+      <p:grpSp>
+        <p:nvGrpSpPr>
+          <p:cNvPr id="15" name="그룹 14">
+            <a:extLst>
+              <a:ext uri="{FF2B5EF4-FFF2-40B4-BE49-F238E27FC236}">
+                <a16:creationId xmlns:a16="http://schemas.microsoft.com/office/drawing/2014/main" id="{C3888511-21F6-3D0D-A35D-38542022B08F}"/>
+              </a:ext>
+            </a:extLst>
+          </p:cNvPr>
+          <p:cNvGrpSpPr/>
+          <p:nvPr/>
+        </p:nvGrpSpPr>
+        <p:grpSpPr>
+          <a:xfrm>
+            <a:off x="6192033" y="1233853"/>
+            <a:ext cx="5793780" cy="4651558"/>
+            <a:chOff x="6192033" y="1233853"/>
+            <a:chExt cx="5793780" cy="4651558"/>
+          </a:xfrm>
+        </p:grpSpPr>
+        <p:pic>
+          <p:nvPicPr>
+            <p:cNvPr id="13" name="그림 12">
+              <a:extLst>
+                <a:ext uri="{FF2B5EF4-FFF2-40B4-BE49-F238E27FC236}">
+                  <a16:creationId xmlns:a16="http://schemas.microsoft.com/office/drawing/2014/main" id="{275F3487-9FA3-2EFD-26B3-C40E85FE68AD}"/>
+                </a:ext>
+              </a:extLst>
+            </p:cNvPr>
+            <p:cNvPicPr>
+              <a:picLocks noChangeAspect="1"/>
+            </p:cNvPicPr>
+            <p:nvPr/>
+          </p:nvPicPr>
+          <p:blipFill>
+            <a:blip r:embed="rId3"/>
+            <a:stretch>
+              <a:fillRect/>
+            </a:stretch>
+          </p:blipFill>
+          <p:spPr>
+            <a:xfrm>
+              <a:off x="6192033" y="1233853"/>
+              <a:ext cx="5793780" cy="4438438"/>
+            </a:xfrm>
+            <a:prstGeom prst="rect">
+              <a:avLst/>
+            </a:prstGeom>
+          </p:spPr>
+        </p:pic>
+        <p:sp>
+          <p:nvSpPr>
+            <p:cNvPr id="14" name="TextBox 13">
+              <a:extLst>
+                <a:ext uri="{FF2B5EF4-FFF2-40B4-BE49-F238E27FC236}">
+                  <a16:creationId xmlns:a16="http://schemas.microsoft.com/office/drawing/2014/main" id="{C2F989B0-58D7-E22B-57E1-FFFB717C2787}"/>
+                </a:ext>
+              </a:extLst>
+            </p:cNvPr>
+            <p:cNvSpPr txBox="1"/>
+            <p:nvPr/>
+          </p:nvSpPr>
+          <p:spPr>
+            <a:xfrm>
+              <a:off x="7588685" y="5584431"/>
+              <a:ext cx="3000476" cy="300980"/>
+            </a:xfrm>
+            <a:prstGeom prst="rect">
+              <a:avLst/>
+            </a:prstGeom>
+            <a:noFill/>
+          </p:spPr>
+          <p:txBody>
+            <a:bodyPr wrap="square" rtlCol="0">
+              <a:spAutoFit/>
+            </a:bodyPr>
+            <a:lstStyle/>
+            <a:p>
+              <a:pPr algn="ctr">
+                <a:lnSpc>
+                  <a:spcPct val="150000"/>
+                </a:lnSpc>
+              </a:pPr>
+              <a:r>
+                <a:rPr lang="ko-KR" altLang="en-US" sz="1000" b="1" dirty="0">
+                  <a:latin typeface="한컴 고딕" panose="02000500000000000000" pitchFamily="2" charset="-127"/>
+                  <a:ea typeface="한컴 고딕" panose="02000500000000000000" pitchFamily="2" charset="-127"/>
+                </a:rPr>
+                <a:t>그림 </a:t>
+              </a:r>
+              <a:r>
+                <a:rPr lang="en-US" altLang="ko-KR" sz="1000" b="1" dirty="0">
+                  <a:latin typeface="한컴 고딕" panose="02000500000000000000" pitchFamily="2" charset="-127"/>
+                  <a:ea typeface="한컴 고딕" panose="02000500000000000000" pitchFamily="2" charset="-127"/>
+                </a:rPr>
+                <a:t>3. </a:t>
+              </a:r>
+              <a:r>
+                <a:rPr lang="en-US" altLang="ko-KR" sz="1000" b="1" dirty="0" err="1">
+                  <a:latin typeface="한컴 고딕" panose="02000500000000000000" pitchFamily="2" charset="-127"/>
+                  <a:ea typeface="한컴 고딕" panose="02000500000000000000" pitchFamily="2" charset="-127"/>
+                </a:rPr>
+                <a:t>ndnSIM</a:t>
+              </a:r>
+              <a:r>
+                <a:rPr lang="ko-KR" altLang="en-US" sz="1000" b="1" dirty="0">
+                  <a:latin typeface="한컴 고딕" panose="02000500000000000000" pitchFamily="2" charset="-127"/>
+                  <a:ea typeface="한컴 고딕" panose="02000500000000000000" pitchFamily="2" charset="-127"/>
+                </a:rPr>
+                <a:t> 기본 소스코드 컴파일 및 실행 사진</a:t>
+              </a:r>
+              <a:endParaRPr lang="en-US" altLang="ko-KR" sz="1000" b="1" dirty="0">
+                <a:latin typeface="한컴 고딕" panose="02000500000000000000" pitchFamily="2" charset="-127"/>
+                <a:ea typeface="한컴 고딕" panose="02000500000000000000" pitchFamily="2" charset="-127"/>
+              </a:endParaRPr>
+            </a:p>
+          </p:txBody>
+        </p:sp>
+      </p:grpSp>
     </p:spTree>
     <p:extLst>
       <p:ext uri="{BB962C8B-B14F-4D97-AF65-F5344CB8AC3E}">
-        <p14:creationId xmlns:p14="http://schemas.microsoft.com/office/powerpoint/2010/main" val="2584722902"/>
-      </p:ext>
-    </p:extLst>
-  </p:cSld>
-  <p:clrMapOvr>
-    <a:masterClrMapping/>
-  </p:clrMapOvr>
-</p:sld>
-</file>
-
-<file path=ppt/slides/slide14.xml><?xml version="1.0" encoding="utf-8"?>
-<p:sld xmlns:a="http://schemas.openxmlformats.org/drawingml/2006/main" xmlns:r="http://schemas.openxmlformats.org/officeDocument/2006/relationships" xmlns:p="http://schemas.openxmlformats.org/presentationml/2006/main">
-  <p:cSld>
-    <p:spTree>
-      <p:nvGrpSpPr>
-        <p:cNvPr id="1" name=""/>
-        <p:cNvGrpSpPr/>
-        <p:nvPr/>
-      </p:nvGrpSpPr>
-      <p:grpSpPr>
-        <a:xfrm>
-          <a:off x="0" y="0"/>
-          <a:ext cx="0" cy="0"/>
-          <a:chOff x="0" y="0"/>
-          <a:chExt cx="0" cy="0"/>
-        </a:xfrm>
-      </p:grpSpPr>
-      <p:sp>
-        <p:nvSpPr>
-          <p:cNvPr id="2" name="TextBox 1">
-            <a:extLst>
-              <a:ext uri="{FF2B5EF4-FFF2-40B4-BE49-F238E27FC236}">
-                <a16:creationId xmlns:a16="http://schemas.microsoft.com/office/drawing/2014/main" id="{21A7DBE9-2DE9-F0B6-F5C5-7DB6C44D8D28}"/>
-              </a:ext>
-            </a:extLst>
-          </p:cNvPr>
-          <p:cNvSpPr txBox="1"/>
-          <p:nvPr/>
-        </p:nvSpPr>
-        <p:spPr>
-          <a:xfrm>
-            <a:off x="143435" y="130844"/>
-            <a:ext cx="11842377" cy="584775"/>
-          </a:xfrm>
-          <a:prstGeom prst="rect">
-            <a:avLst/>
-          </a:prstGeom>
-          <a:noFill/>
-        </p:spPr>
-        <p:txBody>
-          <a:bodyPr wrap="square" rtlCol="0">
-            <a:spAutoFit/>
-          </a:bodyPr>
-          <a:lstStyle/>
-          <a:p>
-            <a:pPr algn="just"/>
-            <a:r>
-              <a:rPr lang="en-US" altLang="ko-KR" sz="3200" dirty="0">
-                <a:solidFill>
-                  <a:schemeClr val="tx1">
-                    <a:lumMod val="65000"/>
-                    <a:lumOff val="35000"/>
-                  </a:schemeClr>
-                </a:solidFill>
-                <a:latin typeface="배달의민족 도현" panose="020B0600000101010101" pitchFamily="50" charset="-127"/>
-                <a:ea typeface="배달의민족 도현" panose="020B0600000101010101" pitchFamily="50" charset="-127"/>
-              </a:rPr>
-              <a:t>NDN</a:t>
-            </a:r>
-            <a:r>
-              <a:rPr lang="ko-KR" altLang="en-US" sz="3200" dirty="0">
-                <a:solidFill>
-                  <a:schemeClr val="tx1">
-                    <a:lumMod val="65000"/>
-                    <a:lumOff val="35000"/>
-                  </a:schemeClr>
-                </a:solidFill>
-                <a:latin typeface="배달의민족 도현" panose="020B0600000101010101" pitchFamily="50" charset="-127"/>
-                <a:ea typeface="배달의민족 도현" panose="020B0600000101010101" pitchFamily="50" charset="-127"/>
-              </a:rPr>
-              <a:t>관련 툴의 대표 기능</a:t>
-            </a:r>
-          </a:p>
-        </p:txBody>
-      </p:sp>
-      <p:cxnSp>
-        <p:nvCxnSpPr>
-          <p:cNvPr id="6" name="직선 연결선 5">
-            <a:extLst>
-              <a:ext uri="{FF2B5EF4-FFF2-40B4-BE49-F238E27FC236}">
-                <a16:creationId xmlns:a16="http://schemas.microsoft.com/office/drawing/2014/main" id="{3CAFC98D-1DA6-5CE0-43FD-6D3D9C8D3B4F}"/>
-              </a:ext>
-            </a:extLst>
-          </p:cNvPr>
-          <p:cNvCxnSpPr>
-            <a:cxnSpLocks/>
-          </p:cNvCxnSpPr>
-          <p:nvPr/>
-        </p:nvCxnSpPr>
-        <p:spPr>
-          <a:xfrm>
-            <a:off x="206188" y="724225"/>
-            <a:ext cx="4428442" cy="0"/>
-          </a:xfrm>
-          <a:prstGeom prst="line">
-            <a:avLst/>
-          </a:prstGeom>
-          <a:ln w="57150">
-            <a:solidFill>
-              <a:schemeClr val="accent1">
-                <a:lumMod val="75000"/>
-              </a:schemeClr>
-            </a:solidFill>
-          </a:ln>
-        </p:spPr>
-        <p:style>
-          <a:lnRef idx="1">
-            <a:schemeClr val="accent1"/>
-          </a:lnRef>
-          <a:fillRef idx="0">
-            <a:schemeClr val="accent1"/>
-          </a:fillRef>
-          <a:effectRef idx="0">
-            <a:schemeClr val="accent1"/>
-          </a:effectRef>
-          <a:fontRef idx="minor">
-            <a:schemeClr val="tx1"/>
-          </a:fontRef>
-        </p:style>
-      </p:cxnSp>
-      <p:sp>
-        <p:nvSpPr>
-          <p:cNvPr id="10" name="TextBox 9">
-            <a:extLst>
-              <a:ext uri="{FF2B5EF4-FFF2-40B4-BE49-F238E27FC236}">
-                <a16:creationId xmlns:a16="http://schemas.microsoft.com/office/drawing/2014/main" id="{266829A7-D0F8-7CDF-D9BC-CA16B9A4C881}"/>
-              </a:ext>
-            </a:extLst>
-          </p:cNvPr>
-          <p:cNvSpPr txBox="1"/>
-          <p:nvPr/>
-        </p:nvSpPr>
-        <p:spPr>
-          <a:xfrm>
-            <a:off x="206187" y="715619"/>
-            <a:ext cx="11833413" cy="5126275"/>
-          </a:xfrm>
-          <a:prstGeom prst="rect">
-            <a:avLst/>
-          </a:prstGeom>
-          <a:noFill/>
-        </p:spPr>
-        <p:txBody>
-          <a:bodyPr wrap="square" rtlCol="0">
-            <a:spAutoFit/>
-          </a:bodyPr>
-          <a:lstStyle/>
-          <a:p>
-            <a:pPr>
-              <a:lnSpc>
-                <a:spcPct val="150000"/>
-              </a:lnSpc>
-            </a:pPr>
-            <a:r>
-              <a:rPr lang="ko-KR" altLang="en-US" sz="2000" b="1" dirty="0">
-                <a:solidFill>
-                  <a:schemeClr val="accent1"/>
-                </a:solidFill>
-                <a:latin typeface="한컴 고딕" panose="02000500000000000000" pitchFamily="2" charset="-127"/>
-                <a:ea typeface="한컴 고딕" panose="02000500000000000000" pitchFamily="2" charset="-127"/>
-                <a:sym typeface="Wingdings" panose="05000000000000000000" pitchFamily="2" charset="2"/>
-              </a:rPr>
-              <a:t>네트워크 성능 측정</a:t>
-            </a:r>
-            <a:endParaRPr lang="en-US" altLang="ko-KR" sz="2000" b="1" dirty="0">
-              <a:solidFill>
-                <a:schemeClr val="accent1"/>
-              </a:solidFill>
-              <a:latin typeface="한컴 고딕" panose="02000500000000000000" pitchFamily="2" charset="-127"/>
-              <a:ea typeface="한컴 고딕" panose="02000500000000000000" pitchFamily="2" charset="-127"/>
-              <a:sym typeface="Wingdings" panose="05000000000000000000" pitchFamily="2" charset="2"/>
-            </a:endParaRPr>
-          </a:p>
-          <a:p>
-            <a:pPr marL="342900" indent="-342900">
-              <a:lnSpc>
-                <a:spcPct val="150000"/>
-              </a:lnSpc>
-              <a:buFont typeface="Arial" panose="020B0604020202020204" pitchFamily="34" charset="0"/>
-              <a:buChar char="•"/>
-            </a:pPr>
-            <a:r>
-              <a:rPr lang="en-US" altLang="ko-KR" sz="2000" b="1" dirty="0">
-                <a:solidFill>
-                  <a:schemeClr val="tx1">
-                    <a:lumMod val="50000"/>
-                    <a:lumOff val="50000"/>
-                  </a:schemeClr>
-                </a:solidFill>
-                <a:latin typeface="한컴 고딕" panose="02000500000000000000" pitchFamily="2" charset="-127"/>
-                <a:ea typeface="한컴 고딕" panose="02000500000000000000" pitchFamily="2" charset="-127"/>
-                <a:sym typeface="Wingdings" panose="05000000000000000000" pitchFamily="2" charset="2"/>
-              </a:rPr>
-              <a:t>Interest </a:t>
-            </a:r>
-            <a:r>
-              <a:rPr lang="ko-KR" altLang="en-US" sz="2000" b="1" dirty="0">
-                <a:solidFill>
-                  <a:schemeClr val="tx1">
-                    <a:lumMod val="50000"/>
-                    <a:lumOff val="50000"/>
-                  </a:schemeClr>
-                </a:solidFill>
-                <a:latin typeface="한컴 고딕" panose="02000500000000000000" pitchFamily="2" charset="-127"/>
-                <a:ea typeface="한컴 고딕" panose="02000500000000000000" pitchFamily="2" charset="-127"/>
-                <a:sym typeface="Wingdings" panose="05000000000000000000" pitchFamily="2" charset="2"/>
-              </a:rPr>
-              <a:t>및 데이터 패킷 전송 수</a:t>
-            </a:r>
-            <a:endParaRPr lang="en-US" altLang="ko-KR" sz="2000" b="1" dirty="0">
-              <a:solidFill>
-                <a:schemeClr val="tx1">
-                  <a:lumMod val="50000"/>
-                  <a:lumOff val="50000"/>
-                </a:schemeClr>
-              </a:solidFill>
-              <a:latin typeface="한컴 고딕" panose="02000500000000000000" pitchFamily="2" charset="-127"/>
-              <a:ea typeface="한컴 고딕" panose="02000500000000000000" pitchFamily="2" charset="-127"/>
-              <a:sym typeface="Wingdings" panose="05000000000000000000" pitchFamily="2" charset="2"/>
-            </a:endParaRPr>
-          </a:p>
-          <a:p>
-            <a:pPr marL="800100" lvl="1" indent="-342900">
-              <a:lnSpc>
-                <a:spcPct val="150000"/>
-              </a:lnSpc>
-              <a:buFont typeface="Arial" panose="020B0604020202020204" pitchFamily="34" charset="0"/>
-              <a:buChar char="•"/>
-            </a:pPr>
-            <a:r>
-              <a:rPr lang="ko-KR" altLang="en-US" sz="2000" b="1" dirty="0">
-                <a:solidFill>
-                  <a:schemeClr val="tx1">
-                    <a:lumMod val="50000"/>
-                    <a:lumOff val="50000"/>
-                  </a:schemeClr>
-                </a:solidFill>
-                <a:latin typeface="한컴 고딕" panose="02000500000000000000" pitchFamily="2" charset="-127"/>
-                <a:ea typeface="한컴 고딕" panose="02000500000000000000" pitchFamily="2" charset="-127"/>
-                <a:sym typeface="Wingdings" panose="05000000000000000000" pitchFamily="2" charset="2"/>
-              </a:rPr>
-              <a:t>각 노드 단위</a:t>
-            </a:r>
-            <a:r>
-              <a:rPr lang="en-US" altLang="ko-KR" sz="2000" b="1" dirty="0">
-                <a:solidFill>
-                  <a:schemeClr val="tx1">
-                    <a:lumMod val="50000"/>
-                    <a:lumOff val="50000"/>
-                  </a:schemeClr>
-                </a:solidFill>
-                <a:latin typeface="한컴 고딕" panose="02000500000000000000" pitchFamily="2" charset="-127"/>
-                <a:ea typeface="한컴 고딕" panose="02000500000000000000" pitchFamily="2" charset="-127"/>
-                <a:sym typeface="Wingdings" panose="05000000000000000000" pitchFamily="2" charset="2"/>
-              </a:rPr>
-              <a:t>, </a:t>
-            </a:r>
-            <a:r>
-              <a:rPr lang="ko-KR" altLang="en-US" sz="2000" b="1" dirty="0">
-                <a:solidFill>
-                  <a:schemeClr val="tx1">
-                    <a:lumMod val="50000"/>
-                    <a:lumOff val="50000"/>
-                  </a:schemeClr>
-                </a:solidFill>
-                <a:latin typeface="한컴 고딕" panose="02000500000000000000" pitchFamily="2" charset="-127"/>
-                <a:ea typeface="한컴 고딕" panose="02000500000000000000" pitchFamily="2" charset="-127"/>
-                <a:sym typeface="Wingdings" panose="05000000000000000000" pitchFamily="2" charset="2"/>
-              </a:rPr>
-              <a:t>링크 단위 선택 가능</a:t>
-            </a:r>
-            <a:endParaRPr lang="en-US" altLang="ko-KR" sz="2000" b="1" dirty="0">
-              <a:solidFill>
-                <a:schemeClr val="tx1">
-                  <a:lumMod val="50000"/>
-                  <a:lumOff val="50000"/>
-                </a:schemeClr>
-              </a:solidFill>
-              <a:latin typeface="한컴 고딕" panose="02000500000000000000" pitchFamily="2" charset="-127"/>
-              <a:ea typeface="한컴 고딕" panose="02000500000000000000" pitchFamily="2" charset="-127"/>
-              <a:sym typeface="Wingdings" panose="05000000000000000000" pitchFamily="2" charset="2"/>
-            </a:endParaRPr>
-          </a:p>
-          <a:p>
-            <a:pPr marL="342900" indent="-342900">
-              <a:lnSpc>
-                <a:spcPct val="150000"/>
-              </a:lnSpc>
-              <a:buFont typeface="Arial" panose="020B0604020202020204" pitchFamily="34" charset="0"/>
-              <a:buChar char="•"/>
-            </a:pPr>
-            <a:r>
-              <a:rPr lang="en-US" altLang="ko-KR" sz="2000" b="1" dirty="0">
-                <a:solidFill>
-                  <a:schemeClr val="tx1">
-                    <a:lumMod val="50000"/>
-                    <a:lumOff val="50000"/>
-                  </a:schemeClr>
-                </a:solidFill>
-                <a:latin typeface="한컴 고딕" panose="02000500000000000000" pitchFamily="2" charset="-127"/>
-                <a:ea typeface="한컴 고딕" panose="02000500000000000000" pitchFamily="2" charset="-127"/>
-                <a:sym typeface="Wingdings" panose="05000000000000000000" pitchFamily="2" charset="2"/>
-              </a:rPr>
-              <a:t>Interest </a:t>
-            </a:r>
-            <a:r>
-              <a:rPr lang="ko-KR" altLang="en-US" sz="2000" b="1" dirty="0">
-                <a:solidFill>
-                  <a:schemeClr val="tx1">
-                    <a:lumMod val="50000"/>
-                    <a:lumOff val="50000"/>
-                  </a:schemeClr>
-                </a:solidFill>
-                <a:latin typeface="한컴 고딕" panose="02000500000000000000" pitchFamily="2" charset="-127"/>
-                <a:ea typeface="한컴 고딕" panose="02000500000000000000" pitchFamily="2" charset="-127"/>
-                <a:sym typeface="Wingdings" panose="05000000000000000000" pitchFamily="2" charset="2"/>
-              </a:rPr>
-              <a:t>및 데이터 패킷이 통과하는 </a:t>
-            </a:r>
-            <a:r>
-              <a:rPr lang="en-US" altLang="ko-KR" sz="2000" b="1" dirty="0">
-                <a:solidFill>
-                  <a:schemeClr val="tx1">
-                    <a:lumMod val="50000"/>
-                    <a:lumOff val="50000"/>
-                  </a:schemeClr>
-                </a:solidFill>
-                <a:latin typeface="한컴 고딕" panose="02000500000000000000" pitchFamily="2" charset="-127"/>
-                <a:ea typeface="한컴 고딕" panose="02000500000000000000" pitchFamily="2" charset="-127"/>
-                <a:sym typeface="Wingdings" panose="05000000000000000000" pitchFamily="2" charset="2"/>
-              </a:rPr>
-              <a:t>Hop </a:t>
-            </a:r>
-            <a:r>
-              <a:rPr lang="ko-KR" altLang="en-US" sz="2000" b="1" dirty="0">
-                <a:solidFill>
-                  <a:schemeClr val="tx1">
-                    <a:lumMod val="50000"/>
-                    <a:lumOff val="50000"/>
-                  </a:schemeClr>
-                </a:solidFill>
-                <a:latin typeface="한컴 고딕" panose="02000500000000000000" pitchFamily="2" charset="-127"/>
-                <a:ea typeface="한컴 고딕" panose="02000500000000000000" pitchFamily="2" charset="-127"/>
-                <a:sym typeface="Wingdings" panose="05000000000000000000" pitchFamily="2" charset="2"/>
-              </a:rPr>
-              <a:t>수</a:t>
-            </a:r>
-            <a:endParaRPr lang="en-US" altLang="ko-KR" sz="2000" b="1" dirty="0">
-              <a:solidFill>
-                <a:schemeClr val="tx1">
-                  <a:lumMod val="50000"/>
-                  <a:lumOff val="50000"/>
-                </a:schemeClr>
-              </a:solidFill>
-              <a:latin typeface="한컴 고딕" panose="02000500000000000000" pitchFamily="2" charset="-127"/>
-              <a:ea typeface="한컴 고딕" panose="02000500000000000000" pitchFamily="2" charset="-127"/>
-              <a:sym typeface="Wingdings" panose="05000000000000000000" pitchFamily="2" charset="2"/>
-            </a:endParaRPr>
-          </a:p>
-          <a:p>
-            <a:pPr marL="800100" lvl="1" indent="-342900">
-              <a:lnSpc>
-                <a:spcPct val="150000"/>
-              </a:lnSpc>
-              <a:buFont typeface="Arial" panose="020B0604020202020204" pitchFamily="34" charset="0"/>
-              <a:buChar char="•"/>
-            </a:pPr>
-            <a:r>
-              <a:rPr lang="en-US" altLang="ko-KR" sz="2000" b="1" dirty="0">
-                <a:solidFill>
-                  <a:schemeClr val="tx1">
-                    <a:lumMod val="50000"/>
-                    <a:lumOff val="50000"/>
-                  </a:schemeClr>
-                </a:solidFill>
-                <a:latin typeface="한컴 고딕" panose="02000500000000000000" pitchFamily="2" charset="-127"/>
-                <a:ea typeface="한컴 고딕" panose="02000500000000000000" pitchFamily="2" charset="-127"/>
-                <a:sym typeface="Wingdings" panose="05000000000000000000" pitchFamily="2" charset="2"/>
-              </a:rPr>
-              <a:t>Interest </a:t>
-            </a:r>
-            <a:r>
-              <a:rPr lang="ko-KR" altLang="en-US" sz="2000" b="1" dirty="0">
-                <a:solidFill>
-                  <a:schemeClr val="tx1">
-                    <a:lumMod val="50000"/>
-                    <a:lumOff val="50000"/>
-                  </a:schemeClr>
-                </a:solidFill>
-                <a:latin typeface="한컴 고딕" panose="02000500000000000000" pitchFamily="2" charset="-127"/>
-                <a:ea typeface="한컴 고딕" panose="02000500000000000000" pitchFamily="2" charset="-127"/>
-                <a:sym typeface="Wingdings" panose="05000000000000000000" pitchFamily="2" charset="2"/>
-              </a:rPr>
-              <a:t>반영 집계 및 데이터 </a:t>
-            </a:r>
-            <a:r>
-              <a:rPr lang="ko-KR" altLang="en-US" sz="2000" b="1" dirty="0" err="1">
-                <a:solidFill>
-                  <a:schemeClr val="tx1">
-                    <a:lumMod val="50000"/>
-                    <a:lumOff val="50000"/>
-                  </a:schemeClr>
-                </a:solidFill>
-                <a:latin typeface="한컴 고딕" panose="02000500000000000000" pitchFamily="2" charset="-127"/>
-                <a:ea typeface="한컴 고딕" panose="02000500000000000000" pitchFamily="2" charset="-127"/>
-                <a:sym typeface="Wingdings" panose="05000000000000000000" pitchFamily="2" charset="2"/>
-              </a:rPr>
-              <a:t>캐싱</a:t>
-            </a:r>
-            <a:endParaRPr lang="en-US" altLang="ko-KR" sz="2000" b="1" dirty="0">
-              <a:solidFill>
-                <a:schemeClr val="tx1">
-                  <a:lumMod val="50000"/>
-                  <a:lumOff val="50000"/>
-                </a:schemeClr>
-              </a:solidFill>
-              <a:latin typeface="한컴 고딕" panose="02000500000000000000" pitchFamily="2" charset="-127"/>
-              <a:ea typeface="한컴 고딕" panose="02000500000000000000" pitchFamily="2" charset="-127"/>
-              <a:sym typeface="Wingdings" panose="05000000000000000000" pitchFamily="2" charset="2"/>
-            </a:endParaRPr>
-          </a:p>
-          <a:p>
-            <a:pPr marL="342900" indent="-342900">
-              <a:lnSpc>
-                <a:spcPct val="150000"/>
-              </a:lnSpc>
-              <a:buFont typeface="Arial" panose="020B0604020202020204" pitchFamily="34" charset="0"/>
-              <a:buChar char="•"/>
-            </a:pPr>
-            <a:r>
-              <a:rPr lang="ko-KR" altLang="en-US" sz="2000" b="1" dirty="0">
-                <a:solidFill>
-                  <a:schemeClr val="tx1">
-                    <a:lumMod val="50000"/>
-                    <a:lumOff val="50000"/>
-                  </a:schemeClr>
-                </a:solidFill>
-                <a:latin typeface="한컴 고딕" panose="02000500000000000000" pitchFamily="2" charset="-127"/>
-                <a:ea typeface="한컴 고딕" panose="02000500000000000000" pitchFamily="2" charset="-127"/>
-                <a:sym typeface="Wingdings" panose="05000000000000000000" pitchFamily="2" charset="2"/>
-              </a:rPr>
-              <a:t>보류 중인 </a:t>
-            </a:r>
-            <a:r>
-              <a:rPr lang="en-US" altLang="ko-KR" sz="2000" b="1" dirty="0">
-                <a:solidFill>
-                  <a:schemeClr val="tx1">
-                    <a:lumMod val="50000"/>
-                    <a:lumOff val="50000"/>
-                  </a:schemeClr>
-                </a:solidFill>
-                <a:latin typeface="한컴 고딕" panose="02000500000000000000" pitchFamily="2" charset="-127"/>
-                <a:ea typeface="한컴 고딕" panose="02000500000000000000" pitchFamily="2" charset="-127"/>
-                <a:sym typeface="Wingdings" panose="05000000000000000000" pitchFamily="2" charset="2"/>
-              </a:rPr>
-              <a:t>Interest </a:t>
-            </a:r>
-            <a:r>
-              <a:rPr lang="ko-KR" altLang="en-US" sz="2000" b="1" dirty="0">
-                <a:solidFill>
-                  <a:schemeClr val="tx1">
-                    <a:lumMod val="50000"/>
-                    <a:lumOff val="50000"/>
-                  </a:schemeClr>
-                </a:solidFill>
-                <a:latin typeface="한컴 고딕" panose="02000500000000000000" pitchFamily="2" charset="-127"/>
-                <a:ea typeface="한컴 고딕" panose="02000500000000000000" pitchFamily="2" charset="-127"/>
-                <a:sym typeface="Wingdings" panose="05000000000000000000" pitchFamily="2" charset="2"/>
-              </a:rPr>
-              <a:t>테이블</a:t>
-            </a:r>
-            <a:endParaRPr lang="en-US" altLang="ko-KR" sz="2000" b="1" dirty="0">
-              <a:solidFill>
-                <a:schemeClr val="tx1">
-                  <a:lumMod val="50000"/>
-                  <a:lumOff val="50000"/>
-                </a:schemeClr>
-              </a:solidFill>
-              <a:latin typeface="한컴 고딕" panose="02000500000000000000" pitchFamily="2" charset="-127"/>
-              <a:ea typeface="한컴 고딕" panose="02000500000000000000" pitchFamily="2" charset="-127"/>
-              <a:sym typeface="Wingdings" panose="05000000000000000000" pitchFamily="2" charset="2"/>
-            </a:endParaRPr>
-          </a:p>
-          <a:p>
-            <a:pPr marL="800100" lvl="1" indent="-342900">
-              <a:lnSpc>
-                <a:spcPct val="150000"/>
-              </a:lnSpc>
-              <a:buFont typeface="Arial" panose="020B0604020202020204" pitchFamily="34" charset="0"/>
-              <a:buChar char="•"/>
-            </a:pPr>
-            <a:r>
-              <a:rPr lang="en-US" altLang="ko-KR" sz="2000" b="1" dirty="0">
-                <a:solidFill>
-                  <a:schemeClr val="tx1">
-                    <a:lumMod val="50000"/>
-                    <a:lumOff val="50000"/>
-                  </a:schemeClr>
-                </a:solidFill>
-                <a:latin typeface="한컴 고딕" panose="02000500000000000000" pitchFamily="2" charset="-127"/>
-                <a:ea typeface="한컴 고딕" panose="02000500000000000000" pitchFamily="2" charset="-127"/>
-                <a:sym typeface="Wingdings" panose="05000000000000000000" pitchFamily="2" charset="2"/>
-              </a:rPr>
-              <a:t>Size</a:t>
-            </a:r>
-          </a:p>
-          <a:p>
-            <a:pPr marL="800100" lvl="1" indent="-342900">
-              <a:lnSpc>
-                <a:spcPct val="150000"/>
-              </a:lnSpc>
-              <a:buFont typeface="Arial" panose="020B0604020202020204" pitchFamily="34" charset="0"/>
-              <a:buChar char="•"/>
-            </a:pPr>
-            <a:r>
-              <a:rPr lang="en-US" altLang="ko-KR" sz="2000" b="1" dirty="0">
-                <a:solidFill>
-                  <a:schemeClr val="tx1">
-                    <a:lumMod val="50000"/>
-                    <a:lumOff val="50000"/>
-                  </a:schemeClr>
-                </a:solidFill>
-                <a:latin typeface="한컴 고딕" panose="02000500000000000000" pitchFamily="2" charset="-127"/>
-                <a:ea typeface="한컴 고딕" panose="02000500000000000000" pitchFamily="2" charset="-127"/>
-                <a:sym typeface="Wingdings" panose="05000000000000000000" pitchFamily="2" charset="2"/>
-              </a:rPr>
-              <a:t>PIT </a:t>
-            </a:r>
-            <a:r>
-              <a:rPr lang="ko-KR" altLang="en-US" sz="2000" b="1" dirty="0">
-                <a:solidFill>
-                  <a:schemeClr val="tx1">
-                    <a:lumMod val="50000"/>
-                    <a:lumOff val="50000"/>
-                  </a:schemeClr>
-                </a:solidFill>
-                <a:latin typeface="한컴 고딕" panose="02000500000000000000" pitchFamily="2" charset="-127"/>
-                <a:ea typeface="한컴 고딕" panose="02000500000000000000" pitchFamily="2" charset="-127"/>
-                <a:sym typeface="Wingdings" panose="05000000000000000000" pitchFamily="2" charset="2"/>
-              </a:rPr>
-              <a:t>입력 가능 수명 분포</a:t>
-            </a:r>
-            <a:endParaRPr lang="en-US" altLang="ko-KR" sz="2000" b="1" dirty="0">
-              <a:solidFill>
-                <a:schemeClr val="tx1">
-                  <a:lumMod val="50000"/>
-                  <a:lumOff val="50000"/>
-                </a:schemeClr>
-              </a:solidFill>
-              <a:latin typeface="한컴 고딕" panose="02000500000000000000" pitchFamily="2" charset="-127"/>
-              <a:ea typeface="한컴 고딕" panose="02000500000000000000" pitchFamily="2" charset="-127"/>
-              <a:sym typeface="Wingdings" panose="05000000000000000000" pitchFamily="2" charset="2"/>
-            </a:endParaRPr>
-          </a:p>
-          <a:p>
-            <a:pPr marL="800100" lvl="1" indent="-342900">
-              <a:lnSpc>
-                <a:spcPct val="150000"/>
-              </a:lnSpc>
-              <a:buFont typeface="Arial" panose="020B0604020202020204" pitchFamily="34" charset="0"/>
-              <a:buChar char="•"/>
-            </a:pPr>
-            <a:r>
-              <a:rPr lang="en-US" altLang="ko-KR" sz="2000" b="1" dirty="0">
-                <a:solidFill>
-                  <a:schemeClr val="tx1">
-                    <a:lumMod val="50000"/>
-                    <a:lumOff val="50000"/>
-                  </a:schemeClr>
-                </a:solidFill>
-                <a:latin typeface="한컴 고딕" panose="02000500000000000000" pitchFamily="2" charset="-127"/>
-                <a:ea typeface="한컴 고딕" panose="02000500000000000000" pitchFamily="2" charset="-127"/>
-                <a:sym typeface="Wingdings" panose="05000000000000000000" pitchFamily="2" charset="2"/>
-              </a:rPr>
-              <a:t>Interest </a:t>
-            </a:r>
-            <a:r>
-              <a:rPr lang="ko-KR" altLang="en-US" sz="2000" b="1" dirty="0">
-                <a:solidFill>
-                  <a:schemeClr val="tx1">
-                    <a:lumMod val="50000"/>
-                    <a:lumOff val="50000"/>
-                  </a:schemeClr>
-                </a:solidFill>
-                <a:latin typeface="한컴 고딕" panose="02000500000000000000" pitchFamily="2" charset="-127"/>
-                <a:ea typeface="한컴 고딕" panose="02000500000000000000" pitchFamily="2" charset="-127"/>
-                <a:sym typeface="Wingdings" panose="05000000000000000000" pitchFamily="2" charset="2"/>
-              </a:rPr>
-              <a:t>일치</a:t>
-            </a:r>
-            <a:r>
-              <a:rPr lang="en-US" altLang="ko-KR" sz="2000" b="1" dirty="0">
-                <a:solidFill>
-                  <a:schemeClr val="tx1">
-                    <a:lumMod val="50000"/>
-                    <a:lumOff val="50000"/>
-                  </a:schemeClr>
-                </a:solidFill>
-                <a:latin typeface="한컴 고딕" panose="02000500000000000000" pitchFamily="2" charset="-127"/>
-                <a:ea typeface="한컴 고딕" panose="02000500000000000000" pitchFamily="2" charset="-127"/>
-                <a:sym typeface="Wingdings" panose="05000000000000000000" pitchFamily="2" charset="2"/>
-              </a:rPr>
-              <a:t>/</a:t>
-            </a:r>
-            <a:r>
-              <a:rPr lang="ko-KR" altLang="en-US" sz="2000" b="1" dirty="0">
-                <a:solidFill>
-                  <a:schemeClr val="tx1">
-                    <a:lumMod val="50000"/>
-                    <a:lumOff val="50000"/>
-                  </a:schemeClr>
-                </a:solidFill>
-                <a:latin typeface="한컴 고딕" panose="02000500000000000000" pitchFamily="2" charset="-127"/>
-                <a:ea typeface="한컴 고딕" panose="02000500000000000000" pitchFamily="2" charset="-127"/>
-                <a:sym typeface="Wingdings" panose="05000000000000000000" pitchFamily="2" charset="2"/>
-              </a:rPr>
-              <a:t>불일치 확인</a:t>
-            </a:r>
-            <a:endParaRPr lang="en-US" altLang="ko-KR" sz="2000" b="1" dirty="0">
-              <a:solidFill>
-                <a:schemeClr val="tx1">
-                  <a:lumMod val="50000"/>
-                  <a:lumOff val="50000"/>
-                </a:schemeClr>
-              </a:solidFill>
-              <a:latin typeface="한컴 고딕" panose="02000500000000000000" pitchFamily="2" charset="-127"/>
-              <a:ea typeface="한컴 고딕" panose="02000500000000000000" pitchFamily="2" charset="-127"/>
-              <a:sym typeface="Wingdings" panose="05000000000000000000" pitchFamily="2" charset="2"/>
-            </a:endParaRPr>
-          </a:p>
-          <a:p>
-            <a:pPr marL="800100" lvl="1" indent="-342900">
-              <a:lnSpc>
-                <a:spcPct val="150000"/>
-              </a:lnSpc>
-              <a:buFont typeface="Arial" panose="020B0604020202020204" pitchFamily="34" charset="0"/>
-              <a:buChar char="•"/>
-            </a:pPr>
-            <a:r>
-              <a:rPr lang="en-US" altLang="ko-KR" sz="2000" b="1" dirty="0">
-                <a:solidFill>
-                  <a:schemeClr val="tx1">
-                    <a:lumMod val="50000"/>
-                    <a:lumOff val="50000"/>
-                  </a:schemeClr>
-                </a:solidFill>
-                <a:latin typeface="한컴 고딕" panose="02000500000000000000" pitchFamily="2" charset="-127"/>
-                <a:ea typeface="한컴 고딕" panose="02000500000000000000" pitchFamily="2" charset="-127"/>
-                <a:sym typeface="Wingdings" panose="05000000000000000000" pitchFamily="2" charset="2"/>
-              </a:rPr>
-              <a:t>Packet Queueing Delay (Congestion Control </a:t>
-            </a:r>
-            <a:r>
-              <a:rPr lang="ko-KR" altLang="en-US" sz="2000" b="1" dirty="0">
-                <a:solidFill>
-                  <a:schemeClr val="tx1">
-                    <a:lumMod val="50000"/>
-                    <a:lumOff val="50000"/>
-                  </a:schemeClr>
-                </a:solidFill>
-                <a:latin typeface="한컴 고딕" panose="02000500000000000000" pitchFamily="2" charset="-127"/>
-                <a:ea typeface="한컴 고딕" panose="02000500000000000000" pitchFamily="2" charset="-127"/>
-                <a:sym typeface="Wingdings" panose="05000000000000000000" pitchFamily="2" charset="2"/>
-              </a:rPr>
-              <a:t>성능을 확인할 수 있다</a:t>
-            </a:r>
-            <a:r>
-              <a:rPr lang="en-US" altLang="ko-KR" sz="2000" b="1" dirty="0">
-                <a:solidFill>
-                  <a:schemeClr val="tx1">
-                    <a:lumMod val="50000"/>
-                    <a:lumOff val="50000"/>
-                  </a:schemeClr>
-                </a:solidFill>
-                <a:latin typeface="한컴 고딕" panose="02000500000000000000" pitchFamily="2" charset="-127"/>
-                <a:ea typeface="한컴 고딕" panose="02000500000000000000" pitchFamily="2" charset="-127"/>
-                <a:sym typeface="Wingdings" panose="05000000000000000000" pitchFamily="2" charset="2"/>
-              </a:rPr>
-              <a:t>.)</a:t>
-            </a:r>
-          </a:p>
-          <a:p>
-            <a:pPr marL="1257300" lvl="2" indent="-342900">
-              <a:lnSpc>
-                <a:spcPct val="150000"/>
-              </a:lnSpc>
-              <a:buFont typeface="Arial" panose="020B0604020202020204" pitchFamily="34" charset="0"/>
-              <a:buChar char="•"/>
-            </a:pPr>
-            <a:r>
-              <a:rPr lang="en-US" altLang="ko-KR" sz="2000" b="1" dirty="0">
-                <a:solidFill>
-                  <a:schemeClr val="tx1">
-                    <a:lumMod val="50000"/>
-                    <a:lumOff val="50000"/>
-                  </a:schemeClr>
-                </a:solidFill>
-                <a:latin typeface="한컴 고딕" panose="02000500000000000000" pitchFamily="2" charset="-127"/>
-                <a:ea typeface="한컴 고딕" panose="02000500000000000000" pitchFamily="2" charset="-127"/>
-                <a:sym typeface="Wingdings" panose="05000000000000000000" pitchFamily="2" charset="2"/>
-              </a:rPr>
-              <a:t>Queue Size</a:t>
-            </a:r>
-            <a:r>
-              <a:rPr lang="ko-KR" altLang="en-US" sz="2000" b="1" dirty="0">
-                <a:solidFill>
-                  <a:schemeClr val="tx1">
-                    <a:lumMod val="50000"/>
-                    <a:lumOff val="50000"/>
-                  </a:schemeClr>
-                </a:solidFill>
-                <a:latin typeface="한컴 고딕" panose="02000500000000000000" pitchFamily="2" charset="-127"/>
-                <a:ea typeface="한컴 고딕" panose="02000500000000000000" pitchFamily="2" charset="-127"/>
-                <a:sym typeface="Wingdings" panose="05000000000000000000" pitchFamily="2" charset="2"/>
-              </a:rPr>
-              <a:t>를 </a:t>
-            </a:r>
-            <a:r>
-              <a:rPr lang="ko-KR" altLang="en-US" sz="2000" b="1" dirty="0" err="1">
-                <a:solidFill>
-                  <a:schemeClr val="tx1">
-                    <a:lumMod val="50000"/>
-                    <a:lumOff val="50000"/>
-                  </a:schemeClr>
-                </a:solidFill>
-                <a:latin typeface="한컴 고딕" panose="02000500000000000000" pitchFamily="2" charset="-127"/>
-                <a:ea typeface="한컴 고딕" panose="02000500000000000000" pitchFamily="2" charset="-127"/>
-                <a:sym typeface="Wingdings" panose="05000000000000000000" pitchFamily="2" charset="2"/>
-              </a:rPr>
-              <a:t>피드백하여</a:t>
-            </a:r>
-            <a:r>
-              <a:rPr lang="ko-KR" altLang="en-US" sz="2000" b="1" dirty="0">
-                <a:solidFill>
-                  <a:schemeClr val="tx1">
-                    <a:lumMod val="50000"/>
-                    <a:lumOff val="50000"/>
-                  </a:schemeClr>
-                </a:solidFill>
-                <a:latin typeface="한컴 고딕" panose="02000500000000000000" pitchFamily="2" charset="-127"/>
-                <a:ea typeface="한컴 고딕" panose="02000500000000000000" pitchFamily="2" charset="-127"/>
-                <a:sym typeface="Wingdings" panose="05000000000000000000" pitchFamily="2" charset="2"/>
-              </a:rPr>
-              <a:t> 효과적인 </a:t>
-            </a:r>
-            <a:r>
-              <a:rPr lang="en-US" altLang="ko-KR" sz="2000" b="1" dirty="0">
-                <a:solidFill>
-                  <a:schemeClr val="tx1">
-                    <a:lumMod val="50000"/>
-                    <a:lumOff val="50000"/>
-                  </a:schemeClr>
-                </a:solidFill>
-                <a:latin typeface="한컴 고딕" panose="02000500000000000000" pitchFamily="2" charset="-127"/>
-                <a:ea typeface="한컴 고딕" panose="02000500000000000000" pitchFamily="2" charset="-127"/>
-                <a:sym typeface="Wingdings" panose="05000000000000000000" pitchFamily="2" charset="2"/>
-              </a:rPr>
-              <a:t>Congestion Control</a:t>
-            </a:r>
-            <a:r>
-              <a:rPr lang="ko-KR" altLang="en-US" sz="2000" b="1" dirty="0">
-                <a:solidFill>
-                  <a:schemeClr val="tx1">
-                    <a:lumMod val="50000"/>
-                    <a:lumOff val="50000"/>
-                  </a:schemeClr>
-                </a:solidFill>
-                <a:latin typeface="한컴 고딕" panose="02000500000000000000" pitchFamily="2" charset="-127"/>
-                <a:ea typeface="한컴 고딕" panose="02000500000000000000" pitchFamily="2" charset="-127"/>
-                <a:sym typeface="Wingdings" panose="05000000000000000000" pitchFamily="2" charset="2"/>
-              </a:rPr>
-              <a:t>이 가능하다</a:t>
-            </a:r>
-            <a:r>
-              <a:rPr lang="en-US" altLang="ko-KR" sz="2000" b="1" dirty="0">
-                <a:solidFill>
-                  <a:schemeClr val="tx1">
-                    <a:lumMod val="50000"/>
-                    <a:lumOff val="50000"/>
-                  </a:schemeClr>
-                </a:solidFill>
-                <a:latin typeface="한컴 고딕" panose="02000500000000000000" pitchFamily="2" charset="-127"/>
-                <a:ea typeface="한컴 고딕" panose="02000500000000000000" pitchFamily="2" charset="-127"/>
-                <a:sym typeface="Wingdings" panose="05000000000000000000" pitchFamily="2" charset="2"/>
-              </a:rPr>
-              <a:t>.</a:t>
-            </a:r>
-          </a:p>
-        </p:txBody>
-      </p:sp>
-      <p:sp>
-        <p:nvSpPr>
-          <p:cNvPr id="3" name="슬라이드 번호 개체 틀 2">
-            <a:extLst>
-              <a:ext uri="{FF2B5EF4-FFF2-40B4-BE49-F238E27FC236}">
-                <a16:creationId xmlns:a16="http://schemas.microsoft.com/office/drawing/2014/main" id="{4EC25071-CFFA-8C9C-CB7A-29C2F016666E}"/>
-              </a:ext>
-            </a:extLst>
-          </p:cNvPr>
-          <p:cNvSpPr>
-            <a:spLocks noGrp="1"/>
-          </p:cNvSpPr>
-          <p:nvPr>
-            <p:ph type="sldNum" sz="quarter" idx="12"/>
-          </p:nvPr>
-        </p:nvSpPr>
-        <p:spPr/>
-        <p:txBody>
-          <a:bodyPr/>
-          <a:lstStyle/>
-          <a:p>
-            <a:fld id="{4503EA79-8FE5-4AB7-9144-49D69278BFF0}" type="slidenum">
-              <a:rPr lang="ko-KR" altLang="en-US" smtClean="0"/>
-              <a:t>14</a:t>
-            </a:fld>
-            <a:endParaRPr lang="ko-KR" altLang="en-US" dirty="0"/>
-          </a:p>
-        </p:txBody>
-      </p:sp>
-    </p:spTree>
-    <p:extLst>
-      <p:ext uri="{BB962C8B-B14F-4D97-AF65-F5344CB8AC3E}">
-        <p14:creationId xmlns:p14="http://schemas.microsoft.com/office/powerpoint/2010/main" val="2224575003"/>
+        <p14:creationId xmlns:p14="http://schemas.microsoft.com/office/powerpoint/2010/main" val="696195052"/>
       </p:ext>
     </p:extLst>
   </p:cSld>
@@ -8433,7 +6178,7 @@
                 <a:latin typeface="배달의민족 도현" panose="020B0600000101010101" pitchFamily="50" charset="-127"/>
                 <a:ea typeface="배달의민족 도현" panose="020B0600000101010101" pitchFamily="50" charset="-127"/>
               </a:rPr>
-              <a:t>기본 개념</a:t>
+              <a:t>기본 소개</a:t>
             </a:r>
             <a:endParaRPr lang="en-US" altLang="ko-KR" sz="5000" dirty="0">
               <a:solidFill>
@@ -8721,7 +6466,7 @@
         <p:spPr>
           <a:xfrm>
             <a:off x="206187" y="715619"/>
-            <a:ext cx="11842378" cy="1430200"/>
+            <a:ext cx="11842378" cy="1894621"/>
           </a:xfrm>
           <a:prstGeom prst="rect">
             <a:avLst/>
@@ -8740,24 +6485,14 @@
               </a:lnSpc>
             </a:pPr>
             <a:r>
-              <a:rPr lang="en-US" altLang="ko-KR" sz="2000" b="1" dirty="0">
+              <a:rPr lang="ko-KR" altLang="en-US" sz="2000" b="1" dirty="0">
                 <a:solidFill>
                   <a:schemeClr val="accent1"/>
                 </a:solidFill>
                 <a:latin typeface="한컴 고딕" panose="02000500000000000000" pitchFamily="2" charset="-127"/>
                 <a:ea typeface="한컴 고딕" panose="02000500000000000000" pitchFamily="2" charset="-127"/>
               </a:rPr>
-              <a:t>NDN</a:t>
-            </a:r>
-            <a:r>
-              <a:rPr lang="ko-KR" altLang="en-US" sz="2000" b="1" dirty="0">
-                <a:solidFill>
-                  <a:schemeClr val="accent1"/>
-                </a:solidFill>
-                <a:latin typeface="한컴 고딕" panose="02000500000000000000" pitchFamily="2" charset="-127"/>
-                <a:ea typeface="한컴 고딕" panose="02000500000000000000" pitchFamily="2" charset="-127"/>
-              </a:rPr>
-              <a:t>의 기본적인 개념</a:t>
+              <a:t>소개</a:t>
             </a:r>
             <a:endParaRPr lang="en-US" altLang="ko-KR" sz="2000" b="1" dirty="0">
               <a:solidFill>
@@ -8776,7 +6511,7 @@
               <a:buChar char="•"/>
             </a:pPr>
             <a:r>
-              <a:rPr lang="ko-KR" altLang="en-US" sz="2000" b="1" dirty="0">
+              <a:rPr lang="en-US" altLang="ko-KR" sz="2000" b="1" dirty="0">
                 <a:solidFill>
                   <a:schemeClr val="tx1">
                     <a:lumMod val="50000"/>
@@ -8786,10 +6521,10 @@
                 <a:latin typeface="한컴 고딕" panose="02000500000000000000" pitchFamily="2" charset="-127"/>
                 <a:ea typeface="한컴 고딕" panose="02000500000000000000" pitchFamily="2" charset="-127"/>
               </a:rPr>
-              <a:t>네트워크 </a:t>
-            </a:r>
-            <a:r>
-              <a:rPr lang="en-US" altLang="ko-KR" sz="2000" b="1" dirty="0">
+              <a:t>NS-3 </a:t>
+            </a:r>
+            <a:r>
+              <a:rPr lang="ko-KR" altLang="en-US" sz="2000" b="1" dirty="0">
                 <a:solidFill>
                   <a:schemeClr val="tx1">
                     <a:lumMod val="50000"/>
@@ -8799,10 +6534,10 @@
                 <a:latin typeface="한컴 고딕" panose="02000500000000000000" pitchFamily="2" charset="-127"/>
                 <a:ea typeface="한컴 고딕" panose="02000500000000000000" pitchFamily="2" charset="-127"/>
               </a:rPr>
-              <a:t>5</a:t>
-            </a:r>
-            <a:r>
-              <a:rPr lang="ko-KR" altLang="en-US" sz="2000" b="1" dirty="0">
+              <a:t>네트워크 시뮬레이터 기반으로 등장했다</a:t>
+            </a:r>
+            <a:r>
+              <a:rPr lang="en-US" altLang="ko-KR" sz="2000" b="1" dirty="0">
                 <a:solidFill>
                   <a:schemeClr val="tx1">
                     <a:lumMod val="50000"/>
@@ -8812,9 +6547,18 @@
                 <a:latin typeface="한컴 고딕" panose="02000500000000000000" pitchFamily="2" charset="-127"/>
                 <a:ea typeface="한컴 고딕" panose="02000500000000000000" pitchFamily="2" charset="-127"/>
               </a:rPr>
-              <a:t>계층에 있어 가운데</a:t>
-            </a:r>
-            <a:br>
+              <a:t>.</a:t>
+            </a:r>
+          </a:p>
+          <a:p>
+            <a:pPr marL="342900" indent="-342900">
+              <a:lnSpc>
+                <a:spcPct val="150000"/>
+              </a:lnSpc>
+              <a:buFont typeface="Arial" panose="020B0604020202020204" pitchFamily="34" charset="0"/>
+              <a:buChar char="•"/>
+            </a:pPr>
+            <a:r>
               <a:rPr lang="en-US" altLang="ko-KR" sz="2000" b="1" dirty="0">
                 <a:solidFill>
                   <a:schemeClr val="tx1">
@@ -8825,9 +6569,10 @@
                 <a:latin typeface="한컴 고딕" panose="02000500000000000000" pitchFamily="2" charset="-127"/>
                 <a:ea typeface="한컴 고딕" panose="02000500000000000000" pitchFamily="2" charset="-127"/>
               </a:rPr>
-            </a:br>
-            <a:r>
-              <a:rPr lang="en-US" altLang="ko-KR" sz="2000" b="1" dirty="0">
+              <a:t>NDN </a:t>
+            </a:r>
+            <a:r>
+              <a:rPr lang="ko-KR" altLang="en-US" sz="2000" b="1" dirty="0">
                 <a:solidFill>
                   <a:schemeClr val="tx1">
                     <a:lumMod val="50000"/>
@@ -8837,7 +6582,7 @@
                 <a:latin typeface="한컴 고딕" panose="02000500000000000000" pitchFamily="2" charset="-127"/>
                 <a:ea typeface="한컴 고딕" panose="02000500000000000000" pitchFamily="2" charset="-127"/>
               </a:rPr>
-              <a:t>Internet Protocol </a:t>
+              <a:t>관련 시뮬레이션 기반 실험을 수행하기 위한 오픈 소스 공용 프레임워크이다</a:t>
             </a:r>
             <a:r>
               <a:rPr lang="en-US" altLang="ko-KR" sz="2000" b="1" dirty="0">
@@ -8849,12 +6594,20 @@
                 </a:solidFill>
                 <a:latin typeface="한컴 고딕" panose="02000500000000000000" pitchFamily="2" charset="-127"/>
                 <a:ea typeface="한컴 고딕" panose="02000500000000000000" pitchFamily="2" charset="-127"/>
-                <a:sym typeface="Wingdings" panose="05000000000000000000" pitchFamily="2" charset="2"/>
-              </a:rPr>
-              <a:t></a:t>
-            </a:r>
-            <a:r>
-              <a:rPr lang="ko-KR" altLang="en-US" sz="2000" b="1" dirty="0">
+              </a:rPr>
+              <a:t>.</a:t>
+            </a:r>
+          </a:p>
+          <a:p>
+            <a:pPr marL="342900" indent="-342900">
+              <a:lnSpc>
+                <a:spcPct val="150000"/>
+              </a:lnSpc>
+              <a:buFont typeface="Arial" panose="020B0604020202020204" pitchFamily="34" charset="0"/>
+              <a:buChar char="•"/>
+            </a:pPr>
+            <a:r>
+              <a:rPr lang="en-US" altLang="ko-KR" sz="2000" b="1" dirty="0">
                 <a:solidFill>
                   <a:schemeClr val="tx1">
                     <a:lumMod val="50000"/>
@@ -8864,10 +6617,10 @@
                 <a:latin typeface="한컴 고딕" panose="02000500000000000000" pitchFamily="2" charset="-127"/>
                 <a:ea typeface="한컴 고딕" panose="02000500000000000000" pitchFamily="2" charset="-127"/>
               </a:rPr>
-              <a:t> </a:t>
-            </a:r>
-            <a:r>
-              <a:rPr lang="en-US" altLang="ko-KR" sz="2000" b="1" dirty="0">
+              <a:t>NDN </a:t>
+            </a:r>
+            <a:r>
+              <a:rPr lang="ko-KR" altLang="en-US" sz="2000" b="1" dirty="0">
                 <a:solidFill>
                   <a:schemeClr val="tx1">
                     <a:lumMod val="50000"/>
@@ -8877,20 +6630,7 @@
                 <a:latin typeface="한컴 고딕" panose="02000500000000000000" pitchFamily="2" charset="-127"/>
                 <a:ea typeface="한컴 고딕" panose="02000500000000000000" pitchFamily="2" charset="-127"/>
               </a:rPr>
-              <a:t>Named-Data-Protocol</a:t>
-            </a:r>
-            <a:r>
-              <a:rPr lang="ko-KR" altLang="en-US" sz="2000" b="1" dirty="0">
-                <a:solidFill>
-                  <a:schemeClr val="tx1">
-                    <a:lumMod val="50000"/>
-                    <a:lumOff val="50000"/>
-                  </a:schemeClr>
-                </a:solidFill>
-                <a:latin typeface="한컴 고딕" panose="02000500000000000000" pitchFamily="2" charset="-127"/>
-                <a:ea typeface="한컴 고딕" panose="02000500000000000000" pitchFamily="2" charset="-127"/>
-              </a:rPr>
-              <a:t>로 대체하는 것을 목표로 한다</a:t>
+              <a:t>연구 현황과 함께 지속적으로 발전되고 있다</a:t>
             </a:r>
             <a:r>
               <a:rPr lang="en-US" altLang="ko-KR" sz="2000" b="1" dirty="0">
@@ -8937,173 +6677,6 @@
           </a:p>
         </p:txBody>
       </p:sp>
-      <p:grpSp>
-        <p:nvGrpSpPr>
-          <p:cNvPr id="9" name="그룹 8">
-            <a:extLst>
-              <a:ext uri="{FF2B5EF4-FFF2-40B4-BE49-F238E27FC236}">
-                <a16:creationId xmlns:a16="http://schemas.microsoft.com/office/drawing/2014/main" id="{B57176C1-CB5D-F1D1-30E2-92720F535D04}"/>
-              </a:ext>
-            </a:extLst>
-          </p:cNvPr>
-          <p:cNvGrpSpPr/>
-          <p:nvPr/>
-        </p:nvGrpSpPr>
-        <p:grpSpPr>
-          <a:xfrm>
-            <a:off x="2607917" y="2730594"/>
-            <a:ext cx="6976166" cy="3089727"/>
-            <a:chOff x="6185486" y="2269012"/>
-            <a:chExt cx="5691754" cy="2520864"/>
-          </a:xfrm>
-        </p:grpSpPr>
-        <p:pic>
-          <p:nvPicPr>
-            <p:cNvPr id="4" name="Picture 2" descr="image">
-              <a:extLst>
-                <a:ext uri="{FF2B5EF4-FFF2-40B4-BE49-F238E27FC236}">
-                  <a16:creationId xmlns:a16="http://schemas.microsoft.com/office/drawing/2014/main" id="{CCD89BFC-70B4-214F-05B1-C0A2F6484B36}"/>
-                </a:ext>
-              </a:extLst>
-            </p:cNvPr>
-            <p:cNvPicPr>
-              <a:picLocks noChangeAspect="1" noChangeArrowheads="1"/>
-            </p:cNvPicPr>
-            <p:nvPr/>
-          </p:nvPicPr>
-          <p:blipFill>
-            <a:blip r:embed="rId2">
-              <a:extLst>
-                <a:ext uri="{28A0092B-C50C-407E-A947-70E740481C1C}">
-                  <a14:useLocalDpi xmlns:a14="http://schemas.microsoft.com/office/drawing/2010/main" val="0"/>
-                </a:ext>
-              </a:extLst>
-            </a:blip>
-            <a:srcRect/>
-            <a:stretch>
-              <a:fillRect/>
-            </a:stretch>
-          </p:blipFill>
-          <p:spPr bwMode="auto">
-            <a:xfrm>
-              <a:off x="6185486" y="2269012"/>
-              <a:ext cx="5691754" cy="2319976"/>
-            </a:xfrm>
-            <a:prstGeom prst="rect">
-              <a:avLst/>
-            </a:prstGeom>
-            <a:noFill/>
-            <a:extLst>
-              <a:ext uri="{909E8E84-426E-40DD-AFC4-6F175D3DCCD1}">
-                <a14:hiddenFill xmlns:a14="http://schemas.microsoft.com/office/drawing/2010/main">
-                  <a:solidFill>
-                    <a:srgbClr val="FFFFFF"/>
-                  </a:solidFill>
-                </a14:hiddenFill>
-              </a:ext>
-            </a:extLst>
-          </p:spPr>
-        </p:pic>
-        <p:sp>
-          <p:nvSpPr>
-            <p:cNvPr id="7" name="TextBox 6">
-              <a:extLst>
-                <a:ext uri="{FF2B5EF4-FFF2-40B4-BE49-F238E27FC236}">
-                  <a16:creationId xmlns:a16="http://schemas.microsoft.com/office/drawing/2014/main" id="{61F2BF9A-1EFB-3F38-4B88-EE1586602679}"/>
-                </a:ext>
-              </a:extLst>
-            </p:cNvPr>
-            <p:cNvSpPr txBox="1"/>
-            <p:nvPr/>
-          </p:nvSpPr>
-          <p:spPr>
-            <a:xfrm>
-              <a:off x="7055075" y="4588988"/>
-              <a:ext cx="3952576" cy="200888"/>
-            </a:xfrm>
-            <a:prstGeom prst="rect">
-              <a:avLst/>
-            </a:prstGeom>
-            <a:noFill/>
-          </p:spPr>
-          <p:txBody>
-            <a:bodyPr wrap="square" rtlCol="0">
-              <a:spAutoFit/>
-            </a:bodyPr>
-            <a:lstStyle/>
-            <a:p>
-              <a:pPr algn="ctr"/>
-              <a:r>
-                <a:rPr lang="ko-KR" altLang="en-US" sz="1000" b="1" dirty="0">
-                  <a:latin typeface="한컴 고딕" panose="02000500000000000000" pitchFamily="2" charset="-127"/>
-                  <a:ea typeface="한컴 고딕" panose="02000500000000000000" pitchFamily="2" charset="-127"/>
-                </a:rPr>
-                <a:t>그림</a:t>
-              </a:r>
-              <a:r>
-                <a:rPr lang="en-US" altLang="ko-KR" sz="1000" b="1" dirty="0">
-                  <a:latin typeface="한컴 고딕" panose="02000500000000000000" pitchFamily="2" charset="-127"/>
-                  <a:ea typeface="한컴 고딕" panose="02000500000000000000" pitchFamily="2" charset="-127"/>
-                </a:rPr>
-                <a:t> 1. </a:t>
-              </a:r>
-              <a:r>
-                <a:rPr lang="ko-KR" altLang="en-US" sz="1000" b="1" dirty="0">
-                  <a:latin typeface="한컴 고딕" panose="02000500000000000000" pitchFamily="2" charset="-127"/>
-                  <a:ea typeface="한컴 고딕" panose="02000500000000000000" pitchFamily="2" charset="-127"/>
-                </a:rPr>
-                <a:t>기존 네트워크 </a:t>
-              </a:r>
-              <a:r>
-                <a:rPr lang="en-US" altLang="ko-KR" sz="1000" b="1" dirty="0">
-                  <a:latin typeface="한컴 고딕" panose="02000500000000000000" pitchFamily="2" charset="-127"/>
-                  <a:ea typeface="한컴 고딕" panose="02000500000000000000" pitchFamily="2" charset="-127"/>
-                </a:rPr>
-                <a:t>5</a:t>
-              </a:r>
-              <a:r>
-                <a:rPr lang="ko-KR" altLang="en-US" sz="1000" b="1" dirty="0">
-                  <a:latin typeface="한컴 고딕" panose="02000500000000000000" pitchFamily="2" charset="-127"/>
-                  <a:ea typeface="한컴 고딕" panose="02000500000000000000" pitchFamily="2" charset="-127"/>
-                </a:rPr>
-                <a:t>계층과 </a:t>
-              </a:r>
-              <a:r>
-                <a:rPr lang="en-US" altLang="ko-KR" sz="1000" b="1" dirty="0">
-                  <a:latin typeface="한컴 고딕" panose="02000500000000000000" pitchFamily="2" charset="-127"/>
-                  <a:ea typeface="한컴 고딕" panose="02000500000000000000" pitchFamily="2" charset="-127"/>
-                </a:rPr>
-                <a:t>NDN</a:t>
-              </a:r>
-              <a:r>
-                <a:rPr lang="ko-KR" altLang="en-US" sz="1000" b="1" dirty="0">
-                  <a:latin typeface="한컴 고딕" panose="02000500000000000000" pitchFamily="2" charset="-127"/>
-                  <a:ea typeface="한컴 고딕" panose="02000500000000000000" pitchFamily="2" charset="-127"/>
-                </a:rPr>
-                <a:t>이 추가된 네트워크 </a:t>
-              </a:r>
-              <a:r>
-                <a:rPr lang="en-US" altLang="ko-KR" sz="1000" b="1" dirty="0">
-                  <a:latin typeface="한컴 고딕" panose="02000500000000000000" pitchFamily="2" charset="-127"/>
-                  <a:ea typeface="한컴 고딕" panose="02000500000000000000" pitchFamily="2" charset="-127"/>
-                </a:rPr>
-                <a:t>5</a:t>
-              </a:r>
-              <a:r>
-                <a:rPr lang="ko-KR" altLang="en-US" sz="1000" b="1" dirty="0">
-                  <a:latin typeface="한컴 고딕" panose="02000500000000000000" pitchFamily="2" charset="-127"/>
-                  <a:ea typeface="한컴 고딕" panose="02000500000000000000" pitchFamily="2" charset="-127"/>
-                </a:rPr>
-                <a:t>계층</a:t>
-              </a:r>
-              <a:endParaRPr lang="en-US" altLang="ko-KR" sz="1000" b="1" dirty="0">
-                <a:latin typeface="한컴 고딕" panose="02000500000000000000" pitchFamily="2" charset="-127"/>
-                <a:ea typeface="한컴 고딕" panose="02000500000000000000" pitchFamily="2" charset="-127"/>
-              </a:endParaRPr>
-            </a:p>
-          </p:txBody>
-        </p:sp>
-      </p:grpSp>
     </p:spTree>
     <p:extLst>
       <p:ext uri="{BB962C8B-B14F-4D97-AF65-F5344CB8AC3E}">
@@ -9164,7 +6737,7 @@
           <a:p>
             <a:pPr algn="just"/>
             <a:r>
-              <a:rPr lang="ko-KR" altLang="en-US" sz="5000" dirty="0">
+              <a:rPr lang="en-US" altLang="ko-KR" sz="5000" dirty="0" err="1">
                 <a:solidFill>
                   <a:schemeClr val="tx1">
                     <a:lumMod val="65000"/>
@@ -9174,7 +6747,7 @@
                 <a:latin typeface="배달의민족 도현" panose="020B0600000101010101" pitchFamily="50" charset="-127"/>
                 <a:ea typeface="배달의민족 도현" panose="020B0600000101010101" pitchFamily="50" charset="-127"/>
               </a:rPr>
-              <a:t>기존 </a:t>
+              <a:t>ndnSIM</a:t>
             </a:r>
             <a:r>
               <a:rPr lang="en-US" altLang="ko-KR" sz="5000" dirty="0">
@@ -9187,7 +6760,7 @@
                 <a:latin typeface="배달의민족 도현" panose="020B0600000101010101" pitchFamily="50" charset="-127"/>
                 <a:ea typeface="배달의민족 도현" panose="020B0600000101010101" pitchFamily="50" charset="-127"/>
               </a:rPr>
-              <a:t>TCP/IP</a:t>
+              <a:t> </a:t>
             </a:r>
             <a:r>
               <a:rPr lang="ko-KR" altLang="en-US" sz="5000" dirty="0">
@@ -9200,33 +6773,7 @@
                 <a:latin typeface="배달의민족 도현" panose="020B0600000101010101" pitchFamily="50" charset="-127"/>
                 <a:ea typeface="배달의민족 도현" panose="020B0600000101010101" pitchFamily="50" charset="-127"/>
               </a:rPr>
-              <a:t>와 </a:t>
-            </a:r>
-            <a:r>
-              <a:rPr lang="en-US" altLang="ko-KR" sz="5000" dirty="0">
-                <a:solidFill>
-                  <a:schemeClr val="tx1">
-                    <a:lumMod val="65000"/>
-                    <a:lumOff val="35000"/>
-                  </a:schemeClr>
-                </a:solidFill>
-                <a:latin typeface="배달의민족 도현" panose="020B0600000101010101" pitchFamily="50" charset="-127"/>
-                <a:ea typeface="배달의민족 도현" panose="020B0600000101010101" pitchFamily="50" charset="-127"/>
-              </a:rPr>
-              <a:t>NDN</a:t>
-            </a:r>
-            <a:r>
-              <a:rPr lang="ko-KR" altLang="en-US" sz="5000" dirty="0">
-                <a:solidFill>
-                  <a:schemeClr val="tx1">
-                    <a:lumMod val="65000"/>
-                    <a:lumOff val="35000"/>
-                  </a:schemeClr>
-                </a:solidFill>
-                <a:latin typeface="배달의민족 도현" panose="020B0600000101010101" pitchFamily="50" charset="-127"/>
-                <a:ea typeface="배달의민족 도현" panose="020B0600000101010101" pitchFamily="50" charset="-127"/>
-              </a:rPr>
-              <a:t>의 차이</a:t>
+              <a:t>설치</a:t>
             </a:r>
             <a:endParaRPr lang="en-US" altLang="ko-KR" sz="5000" dirty="0">
               <a:solidFill>
@@ -9287,7 +6834,7 @@
         <p:spPr>
           <a:xfrm>
             <a:off x="570947" y="3429000"/>
-            <a:ext cx="7959278" cy="0"/>
+            <a:ext cx="3888319" cy="0"/>
           </a:xfrm>
           <a:prstGeom prst="line">
             <a:avLst/>
@@ -9372,7 +6919,7 @@
     </p:spTree>
     <p:extLst>
       <p:ext uri="{BB962C8B-B14F-4D97-AF65-F5344CB8AC3E}">
-        <p14:creationId xmlns:p14="http://schemas.microsoft.com/office/powerpoint/2010/main" val="1366671661"/>
+        <p14:creationId xmlns:p14="http://schemas.microsoft.com/office/powerpoint/2010/main" val="1364263636"/>
       </p:ext>
     </p:extLst>
   </p:cSld>
@@ -9429,7 +6976,7 @@
           <a:p>
             <a:pPr algn="just"/>
             <a:r>
-              <a:rPr lang="ko-KR" altLang="en-US" sz="3200" dirty="0">
+              <a:rPr lang="en-US" altLang="ko-KR" sz="3200" dirty="0" err="1">
                 <a:solidFill>
                   <a:schemeClr val="tx1">
                     <a:lumMod val="65000"/>
@@ -9439,7 +6986,7 @@
                 <a:latin typeface="배달의민족 도현" panose="020B0600000101010101" pitchFamily="50" charset="-127"/>
                 <a:ea typeface="배달의민족 도현" panose="020B0600000101010101" pitchFamily="50" charset="-127"/>
               </a:rPr>
-              <a:t>기존 </a:t>
+              <a:t>ndnSIM</a:t>
             </a:r>
             <a:r>
               <a:rPr lang="en-US" altLang="ko-KR" sz="3200" dirty="0">
@@ -9452,7 +6999,7 @@
                 <a:latin typeface="배달의민족 도현" panose="020B0600000101010101" pitchFamily="50" charset="-127"/>
                 <a:ea typeface="배달의민족 도현" panose="020B0600000101010101" pitchFamily="50" charset="-127"/>
               </a:rPr>
-              <a:t>TCP/IP</a:t>
+              <a:t> </a:t>
             </a:r>
             <a:r>
               <a:rPr lang="ko-KR" altLang="en-US" sz="3200" dirty="0">
@@ -9465,33 +7012,7 @@
                 <a:latin typeface="배달의민족 도현" panose="020B0600000101010101" pitchFamily="50" charset="-127"/>
                 <a:ea typeface="배달의민족 도현" panose="020B0600000101010101" pitchFamily="50" charset="-127"/>
               </a:rPr>
-              <a:t>와 </a:t>
-            </a:r>
-            <a:r>
-              <a:rPr lang="en-US" altLang="ko-KR" sz="3200" dirty="0">
-                <a:solidFill>
-                  <a:schemeClr val="tx1">
-                    <a:lumMod val="65000"/>
-                    <a:lumOff val="35000"/>
-                  </a:schemeClr>
-                </a:solidFill>
-                <a:latin typeface="배달의민족 도현" panose="020B0600000101010101" pitchFamily="50" charset="-127"/>
-                <a:ea typeface="배달의민족 도현" panose="020B0600000101010101" pitchFamily="50" charset="-127"/>
-              </a:rPr>
-              <a:t>NDN</a:t>
-            </a:r>
-            <a:r>
-              <a:rPr lang="ko-KR" altLang="en-US" sz="3200" dirty="0">
-                <a:solidFill>
-                  <a:schemeClr val="tx1">
-                    <a:lumMod val="65000"/>
-                    <a:lumOff val="35000"/>
-                  </a:schemeClr>
-                </a:solidFill>
-                <a:latin typeface="배달의민족 도현" panose="020B0600000101010101" pitchFamily="50" charset="-127"/>
-                <a:ea typeface="배달의민족 도현" panose="020B0600000101010101" pitchFamily="50" charset="-127"/>
-              </a:rPr>
-              <a:t>의 차이</a:t>
+              <a:t>설치</a:t>
             </a:r>
             <a:endParaRPr lang="en-US" altLang="ko-KR" sz="3200" dirty="0">
               <a:solidFill>
@@ -9523,7 +7044,7 @@
         <p:spPr>
           <a:xfrm>
             <a:off x="206188" y="724225"/>
-            <a:ext cx="5054744" cy="0"/>
+            <a:ext cx="2424278" cy="0"/>
           </a:xfrm>
           <a:prstGeom prst="line">
             <a:avLst/>
@@ -9566,7 +7087,7 @@
         <p:spPr>
           <a:xfrm>
             <a:off x="206187" y="715619"/>
-            <a:ext cx="11833413" cy="2817951"/>
+            <a:ext cx="5723845" cy="3741281"/>
           </a:xfrm>
           <a:prstGeom prst="rect">
             <a:avLst/>
@@ -9585,15 +7106,22 @@
               </a:lnSpc>
             </a:pPr>
             <a:r>
-              <a:rPr lang="en-US" altLang="ko-KR" sz="2000" b="1" dirty="0">
+              <a:rPr lang="ko-KR" altLang="en-US" sz="2000" b="1" dirty="0">
                 <a:solidFill>
                   <a:schemeClr val="accent1"/>
                 </a:solidFill>
                 <a:latin typeface="한컴 고딕" panose="02000500000000000000" pitchFamily="2" charset="-127"/>
                 <a:ea typeface="한컴 고딕" panose="02000500000000000000" pitchFamily="2" charset="-127"/>
               </a:rPr>
-              <a:t>TCP/IP</a:t>
-            </a:r>
+              <a:t>우분투 설치</a:t>
+            </a:r>
+            <a:endParaRPr lang="en-US" altLang="ko-KR" sz="2000" b="1" dirty="0">
+              <a:solidFill>
+                <a:schemeClr val="accent1"/>
+              </a:solidFill>
+              <a:latin typeface="한컴 고딕" panose="02000500000000000000" pitchFamily="2" charset="-127"/>
+              <a:ea typeface="한컴 고딕" panose="02000500000000000000" pitchFamily="2" charset="-127"/>
+            </a:endParaRPr>
           </a:p>
           <a:p>
             <a:pPr marL="342900" indent="-342900">
@@ -9604,7 +7132,7 @@
               <a:buChar char="•"/>
             </a:pPr>
             <a:r>
-              <a:rPr lang="en-US" altLang="ko-KR" sz="2000" b="1" dirty="0">
+              <a:rPr lang="en-US" altLang="ko-KR" sz="2000" b="1" dirty="0" err="1">
                 <a:solidFill>
                   <a:schemeClr val="tx1">
                     <a:lumMod val="50000"/>
@@ -9614,10 +7142,10 @@
                 <a:latin typeface="한컴 고딕" panose="02000500000000000000" pitchFamily="2" charset="-127"/>
                 <a:ea typeface="한컴 고딕" panose="02000500000000000000" pitchFamily="2" charset="-127"/>
               </a:rPr>
-              <a:t>Port Number</a:t>
-            </a:r>
-            <a:r>
-              <a:rPr lang="ko-KR" altLang="en-US" sz="2000" b="1" dirty="0">
+              <a:t>ndnSIM</a:t>
+            </a:r>
+            <a:r>
+              <a:rPr lang="en-US" altLang="ko-KR" sz="2000" b="1" dirty="0">
                 <a:solidFill>
                   <a:schemeClr val="tx1">
                     <a:lumMod val="50000"/>
@@ -9627,10 +7155,10 @@
                 <a:latin typeface="한컴 고딕" panose="02000500000000000000" pitchFamily="2" charset="-127"/>
                 <a:ea typeface="한컴 고딕" panose="02000500000000000000" pitchFamily="2" charset="-127"/>
               </a:rPr>
-              <a:t>를 이용하여 </a:t>
-            </a:r>
-            <a:r>
-              <a:rPr lang="en-US" altLang="ko-KR" sz="2000" b="1" dirty="0">
+              <a:t> </a:t>
+            </a:r>
+            <a:r>
+              <a:rPr lang="ko-KR" altLang="en-US" sz="2000" b="1" dirty="0">
                 <a:solidFill>
                   <a:schemeClr val="tx1">
                     <a:lumMod val="50000"/>
@@ -9640,10 +7168,10 @@
                 <a:latin typeface="한컴 고딕" panose="02000500000000000000" pitchFamily="2" charset="-127"/>
                 <a:ea typeface="한컴 고딕" panose="02000500000000000000" pitchFamily="2" charset="-127"/>
               </a:rPr>
-              <a:t>Demultiplexing</a:t>
-            </a:r>
-            <a:r>
-              <a:rPr lang="ko-KR" altLang="en-US" sz="2000" b="1" dirty="0">
+              <a:t>설치를 위해 </a:t>
+            </a:r>
+            <a:r>
+              <a:rPr lang="en-US" altLang="ko-KR" sz="2000" b="1" dirty="0">
                 <a:solidFill>
                   <a:schemeClr val="tx1">
                     <a:lumMod val="50000"/>
@@ -9653,10 +7181,10 @@
                 <a:latin typeface="한컴 고딕" panose="02000500000000000000" pitchFamily="2" charset="-127"/>
                 <a:ea typeface="한컴 고딕" panose="02000500000000000000" pitchFamily="2" charset="-127"/>
               </a:rPr>
-              <a:t>을 수행한다</a:t>
-            </a:r>
-            <a:r>
-              <a:rPr lang="en-US" altLang="ko-KR" sz="2000" b="1" dirty="0">
+              <a:t>Virtual Box</a:t>
+            </a:r>
+            <a:r>
+              <a:rPr lang="ko-KR" altLang="en-US" sz="2000" b="1" dirty="0">
                 <a:solidFill>
                   <a:schemeClr val="tx1">
                     <a:lumMod val="50000"/>
@@ -9666,8 +7194,129 @@
                 <a:latin typeface="한컴 고딕" panose="02000500000000000000" pitchFamily="2" charset="-127"/>
                 <a:ea typeface="한컴 고딕" panose="02000500000000000000" pitchFamily="2" charset="-127"/>
               </a:rPr>
+              <a:t>에 </a:t>
+            </a:r>
+            <a:r>
+              <a:rPr lang="en-US" altLang="ko-KR" sz="2000" b="1" dirty="0">
+                <a:solidFill>
+                  <a:schemeClr val="tx1">
+                    <a:lumMod val="50000"/>
+                    <a:lumOff val="50000"/>
+                  </a:schemeClr>
+                </a:solidFill>
+                <a:latin typeface="한컴 고딕" panose="02000500000000000000" pitchFamily="2" charset="-127"/>
+                <a:ea typeface="한컴 고딕" panose="02000500000000000000" pitchFamily="2" charset="-127"/>
+              </a:rPr>
+              <a:t>Ubuntu 20.04</a:t>
+            </a:r>
+            <a:r>
+              <a:rPr lang="ko-KR" altLang="en-US" sz="2000" b="1" dirty="0">
+                <a:solidFill>
+                  <a:schemeClr val="tx1">
+                    <a:lumMod val="50000"/>
+                    <a:lumOff val="50000"/>
+                  </a:schemeClr>
+                </a:solidFill>
+                <a:latin typeface="한컴 고딕" panose="02000500000000000000" pitchFamily="2" charset="-127"/>
+                <a:ea typeface="한컴 고딕" panose="02000500000000000000" pitchFamily="2" charset="-127"/>
+              </a:rPr>
+              <a:t>를 설치한다</a:t>
+            </a:r>
+            <a:r>
+              <a:rPr lang="en-US" altLang="ko-KR" sz="2000" b="1" dirty="0">
+                <a:solidFill>
+                  <a:schemeClr val="tx1">
+                    <a:lumMod val="50000"/>
+                    <a:lumOff val="50000"/>
+                  </a:schemeClr>
+                </a:solidFill>
+                <a:latin typeface="한컴 고딕" panose="02000500000000000000" pitchFamily="2" charset="-127"/>
+                <a:ea typeface="한컴 고딕" panose="02000500000000000000" pitchFamily="2" charset="-127"/>
+              </a:rPr>
               <a:t>.</a:t>
             </a:r>
+          </a:p>
+          <a:p>
+            <a:pPr>
+              <a:lnSpc>
+                <a:spcPct val="150000"/>
+              </a:lnSpc>
+            </a:pPr>
+            <a:r>
+              <a:rPr lang="ko-KR" altLang="en-US" sz="2000" b="1" dirty="0">
+                <a:solidFill>
+                  <a:schemeClr val="tx1">
+                    <a:lumMod val="50000"/>
+                    <a:lumOff val="50000"/>
+                  </a:schemeClr>
+                </a:solidFill>
+                <a:latin typeface="한컴 고딕" panose="02000500000000000000" pitchFamily="2" charset="-127"/>
+                <a:ea typeface="한컴 고딕" panose="02000500000000000000" pitchFamily="2" charset="-127"/>
+              </a:rPr>
+              <a:t>간혹 리눅스 설치 직후 </a:t>
+            </a:r>
+            <a:r>
+              <a:rPr lang="en-US" altLang="ko-KR" sz="2000" b="1" dirty="0">
+                <a:solidFill>
+                  <a:schemeClr val="tx1">
+                    <a:lumMod val="50000"/>
+                    <a:lumOff val="50000"/>
+                  </a:schemeClr>
+                </a:solidFill>
+                <a:latin typeface="한컴 고딕" panose="02000500000000000000" pitchFamily="2" charset="-127"/>
+                <a:ea typeface="한컴 고딕" panose="02000500000000000000" pitchFamily="2" charset="-127"/>
+              </a:rPr>
+              <a:t>Terminal</a:t>
+            </a:r>
+            <a:r>
+              <a:rPr lang="ko-KR" altLang="en-US" sz="2000" b="1" dirty="0">
+                <a:solidFill>
+                  <a:schemeClr val="tx1">
+                    <a:lumMod val="50000"/>
+                    <a:lumOff val="50000"/>
+                  </a:schemeClr>
+                </a:solidFill>
+                <a:latin typeface="한컴 고딕" panose="02000500000000000000" pitchFamily="2" charset="-127"/>
+                <a:ea typeface="한컴 고딕" panose="02000500000000000000" pitchFamily="2" charset="-127"/>
+              </a:rPr>
+              <a:t>이 열리지 않는 경우가 발생했을 시</a:t>
+            </a:r>
+            <a:r>
+              <a:rPr lang="en-US" altLang="ko-KR" sz="2000" b="1" dirty="0">
+                <a:solidFill>
+                  <a:schemeClr val="tx1">
+                    <a:lumMod val="50000"/>
+                    <a:lumOff val="50000"/>
+                  </a:schemeClr>
+                </a:solidFill>
+                <a:latin typeface="한컴 고딕" panose="02000500000000000000" pitchFamily="2" charset="-127"/>
+                <a:ea typeface="한컴 고딕" panose="02000500000000000000" pitchFamily="2" charset="-127"/>
+              </a:rPr>
+              <a:t>, </a:t>
+            </a:r>
+            <a:r>
+              <a:rPr lang="ko-KR" altLang="en-US" sz="2000" b="1" dirty="0">
+                <a:solidFill>
+                  <a:schemeClr val="tx1">
+                    <a:lumMod val="50000"/>
+                    <a:lumOff val="50000"/>
+                  </a:schemeClr>
+                </a:solidFill>
+                <a:latin typeface="한컴 고딕" panose="02000500000000000000" pitchFamily="2" charset="-127"/>
+                <a:ea typeface="한컴 고딕" panose="02000500000000000000" pitchFamily="2" charset="-127"/>
+              </a:rPr>
+              <a:t>아래 절차 수행</a:t>
+            </a:r>
+            <a:endParaRPr lang="en-US" altLang="ko-KR" sz="2000" b="1" dirty="0">
+              <a:solidFill>
+                <a:schemeClr val="tx1">
+                  <a:lumMod val="50000"/>
+                  <a:lumOff val="50000"/>
+                </a:schemeClr>
+              </a:solidFill>
+              <a:latin typeface="한컴 고딕" panose="02000500000000000000" pitchFamily="2" charset="-127"/>
+              <a:ea typeface="한컴 고딕" panose="02000500000000000000" pitchFamily="2" charset="-127"/>
+            </a:endParaRPr>
           </a:p>
           <a:p>
             <a:pPr marL="342900" indent="-342900">
@@ -9678,7 +7327,7 @@
               <a:buChar char="•"/>
             </a:pPr>
             <a:r>
-              <a:rPr lang="ko-KR" altLang="en-US" sz="2000" b="1" dirty="0">
+              <a:rPr lang="en-US" altLang="ko-KR" sz="2000" b="1" dirty="0">
                 <a:solidFill>
                   <a:schemeClr val="tx1">
                     <a:lumMod val="50000"/>
@@ -9688,10 +7337,10 @@
                 <a:latin typeface="한컴 고딕" panose="02000500000000000000" pitchFamily="2" charset="-127"/>
                 <a:ea typeface="한컴 고딕" panose="02000500000000000000" pitchFamily="2" charset="-127"/>
               </a:rPr>
-              <a:t>기존 </a:t>
-            </a:r>
-            <a:r>
-              <a:rPr lang="en-US" altLang="ko-KR" sz="2000" b="1" dirty="0">
+              <a:t>Ubuntu</a:t>
+            </a:r>
+            <a:r>
+              <a:rPr lang="ko-KR" altLang="en-US" sz="2000" b="1" dirty="0">
                 <a:solidFill>
                   <a:schemeClr val="tx1">
                     <a:lumMod val="50000"/>
@@ -9701,10 +7350,10 @@
                 <a:latin typeface="한컴 고딕" panose="02000500000000000000" pitchFamily="2" charset="-127"/>
                 <a:ea typeface="한컴 고딕" panose="02000500000000000000" pitchFamily="2" charset="-127"/>
               </a:rPr>
-              <a:t>IP(Internet</a:t>
-            </a:r>
-            <a:r>
-              <a:rPr lang="ko-KR" altLang="en-US" sz="2000" b="1" dirty="0">
+              <a:t> 내의 </a:t>
+            </a:r>
+            <a:r>
+              <a:rPr lang="en-US" altLang="ko-KR" sz="2000" b="1" dirty="0">
                 <a:solidFill>
                   <a:schemeClr val="tx1">
                     <a:lumMod val="50000"/>
@@ -9714,7 +7363,7 @@
                 <a:latin typeface="한컴 고딕" panose="02000500000000000000" pitchFamily="2" charset="-127"/>
                 <a:ea typeface="한컴 고딕" panose="02000500000000000000" pitchFamily="2" charset="-127"/>
               </a:rPr>
-              <a:t> </a:t>
+              <a:t>Setting </a:t>
             </a:r>
             <a:r>
               <a:rPr lang="en-US" altLang="ko-KR" sz="2000" b="1" dirty="0">
@@ -9726,11 +7375,12 @@
                 </a:solidFill>
                 <a:latin typeface="한컴 고딕" panose="02000500000000000000" pitchFamily="2" charset="-127"/>
                 <a:ea typeface="한컴 고딕" panose="02000500000000000000" pitchFamily="2" charset="-127"/>
-              </a:rPr>
-              <a:t>Protocol)</a:t>
-            </a:r>
-            <a:r>
-              <a:rPr lang="ko-KR" altLang="en-US" sz="2000" b="1" dirty="0">
+                <a:sym typeface="Wingdings" panose="05000000000000000000" pitchFamily="2" charset="2"/>
+              </a:rPr>
+              <a:t> </a:t>
+            </a:r>
+            <a:r>
+              <a:rPr lang="en-US" altLang="ko-KR" sz="2000" b="1" dirty="0" err="1">
                 <a:solidFill>
                   <a:schemeClr val="tx1">
                     <a:lumMod val="50000"/>
@@ -9739,11 +7389,12 @@
                 </a:solidFill>
                 <a:latin typeface="한컴 고딕" panose="02000500000000000000" pitchFamily="2" charset="-127"/>
                 <a:ea typeface="한컴 고딕" panose="02000500000000000000" pitchFamily="2" charset="-127"/>
-              </a:rPr>
-              <a:t>에서는 </a:t>
-            </a:r>
-            <a:r>
-              <a:rPr lang="en-US" altLang="ko-KR" sz="2000" b="1" dirty="0">
+                <a:sym typeface="Wingdings" panose="05000000000000000000" pitchFamily="2" charset="2"/>
+              </a:rPr>
+              <a:t>Region&amp;Language</a:t>
+            </a:r>
+            <a:r>
+              <a:rPr lang="ko-KR" altLang="en-US" sz="2000" b="1" dirty="0">
                 <a:solidFill>
                   <a:schemeClr val="tx1">
                     <a:lumMod val="50000"/>
@@ -9752,11 +7403,12 @@
                 </a:solidFill>
                 <a:latin typeface="한컴 고딕" panose="02000500000000000000" pitchFamily="2" charset="-127"/>
                 <a:ea typeface="한컴 고딕" panose="02000500000000000000" pitchFamily="2" charset="-127"/>
-              </a:rPr>
-              <a:t>Congestion Control</a:t>
-            </a:r>
-            <a:r>
-              <a:rPr lang="ko-KR" altLang="en-US" sz="2000" b="1" dirty="0">
+                <a:sym typeface="Wingdings" panose="05000000000000000000" pitchFamily="2" charset="2"/>
+              </a:rPr>
+              <a:t> </a:t>
+            </a:r>
+            <a:r>
+              <a:rPr lang="en-US" altLang="ko-KR" sz="2000" b="1" dirty="0">
                 <a:solidFill>
                   <a:schemeClr val="tx1">
                     <a:lumMod val="50000"/>
@@ -9765,11 +7417,12 @@
                 </a:solidFill>
                 <a:latin typeface="한컴 고딕" panose="02000500000000000000" pitchFamily="2" charset="-127"/>
                 <a:ea typeface="한컴 고딕" panose="02000500000000000000" pitchFamily="2" charset="-127"/>
-              </a:rPr>
-              <a:t> 기능이 없어 전송 계층의 </a:t>
-            </a:r>
-            <a:r>
-              <a:rPr lang="en-US" altLang="ko-KR" sz="2000" b="1" dirty="0">
+                <a:sym typeface="Wingdings" panose="05000000000000000000" pitchFamily="2" charset="2"/>
+              </a:rPr>
+              <a:t></a:t>
+            </a:r>
+            <a:r>
+              <a:rPr lang="ko-KR" altLang="en-US" sz="2000" b="1" dirty="0">
                 <a:solidFill>
                   <a:schemeClr val="tx1">
                     <a:lumMod val="50000"/>
@@ -9778,11 +7431,12 @@
                 </a:solidFill>
                 <a:latin typeface="한컴 고딕" panose="02000500000000000000" pitchFamily="2" charset="-127"/>
                 <a:ea typeface="한컴 고딕" panose="02000500000000000000" pitchFamily="2" charset="-127"/>
-              </a:rPr>
-              <a:t>TCP(Transmission Control Protocol)</a:t>
-            </a:r>
-            <a:r>
-              <a:rPr lang="ko-KR" altLang="en-US" sz="2000" b="1" dirty="0">
+                <a:sym typeface="Wingdings" panose="05000000000000000000" pitchFamily="2" charset="2"/>
+              </a:rPr>
+              <a:t> </a:t>
+            </a:r>
+            <a:r>
+              <a:rPr lang="en-US" altLang="ko-KR" sz="2000" b="1" dirty="0">
                 <a:solidFill>
                   <a:schemeClr val="tx1">
                     <a:lumMod val="50000"/>
@@ -9791,11 +7445,12 @@
                 </a:solidFill>
                 <a:latin typeface="한컴 고딕" panose="02000500000000000000" pitchFamily="2" charset="-127"/>
                 <a:ea typeface="한컴 고딕" panose="02000500000000000000" pitchFamily="2" charset="-127"/>
-              </a:rPr>
-              <a:t>이 해당 기능을 담당한다</a:t>
-            </a:r>
-            <a:r>
-              <a:rPr lang="en-US" altLang="ko-KR" sz="2000" b="1" dirty="0">
+                <a:sym typeface="Wingdings" panose="05000000000000000000" pitchFamily="2" charset="2"/>
+              </a:rPr>
+              <a:t>English(United State)</a:t>
+            </a:r>
+            <a:r>
+              <a:rPr lang="ko-KR" altLang="en-US" sz="2000" b="1" dirty="0">
                 <a:solidFill>
                   <a:schemeClr val="tx1">
                     <a:lumMod val="50000"/>
@@ -9804,20 +7459,12 @@
                 </a:solidFill>
                 <a:latin typeface="한컴 고딕" panose="02000500000000000000" pitchFamily="2" charset="-127"/>
                 <a:ea typeface="한컴 고딕" panose="02000500000000000000" pitchFamily="2" charset="-127"/>
-              </a:rPr>
-              <a:t>.</a:t>
-            </a:r>
-          </a:p>
-          <a:p>
-            <a:pPr marL="342900" indent="-342900">
-              <a:lnSpc>
-                <a:spcPct val="150000"/>
-              </a:lnSpc>
-              <a:buFont typeface="Arial" panose="020B0604020202020204" pitchFamily="34" charset="0"/>
-              <a:buChar char="•"/>
-            </a:pPr>
-            <a:r>
-              <a:rPr lang="ko-KR" altLang="en-US" sz="2000" b="1" dirty="0">
+                <a:sym typeface="Wingdings" panose="05000000000000000000" pitchFamily="2" charset="2"/>
+              </a:rPr>
+              <a:t>외 다른 국가로 변경 </a:t>
+            </a:r>
+            <a:r>
+              <a:rPr lang="en-US" altLang="ko-KR" sz="2000" b="1" dirty="0">
                 <a:solidFill>
                   <a:schemeClr val="tx1">
                     <a:lumMod val="50000"/>
@@ -9826,83 +7473,20 @@
                 </a:solidFill>
                 <a:latin typeface="한컴 고딕" panose="02000500000000000000" pitchFamily="2" charset="-127"/>
                 <a:ea typeface="한컴 고딕" panose="02000500000000000000" pitchFamily="2" charset="-127"/>
-              </a:rPr>
-              <a:t>안정적인 데이터 전송이 가능하다</a:t>
-            </a:r>
-            <a:r>
-              <a:rPr lang="en-US" altLang="ko-KR" sz="2000" b="1" dirty="0">
-                <a:solidFill>
-                  <a:schemeClr val="tx1">
-                    <a:lumMod val="50000"/>
-                    <a:lumOff val="50000"/>
-                  </a:schemeClr>
-                </a:solidFill>
-                <a:latin typeface="한컴 고딕" panose="02000500000000000000" pitchFamily="2" charset="-127"/>
-                <a:ea typeface="한컴 고딕" panose="02000500000000000000" pitchFamily="2" charset="-127"/>
-              </a:rPr>
-              <a:t>.</a:t>
-            </a:r>
-          </a:p>
-          <a:p>
-            <a:pPr marL="342900" indent="-342900">
-              <a:lnSpc>
-                <a:spcPct val="150000"/>
-              </a:lnSpc>
-              <a:buFont typeface="Arial" panose="020B0604020202020204" pitchFamily="34" charset="0"/>
-              <a:buChar char="•"/>
-            </a:pPr>
-            <a:r>
-              <a:rPr lang="ko-KR" altLang="en-US" sz="2000" b="1" dirty="0">
-                <a:solidFill>
-                  <a:schemeClr val="tx1">
-                    <a:lumMod val="50000"/>
-                    <a:lumOff val="50000"/>
-                  </a:schemeClr>
-                </a:solidFill>
-                <a:latin typeface="한컴 고딕" panose="02000500000000000000" pitchFamily="2" charset="-127"/>
-                <a:ea typeface="한컴 고딕" panose="02000500000000000000" pitchFamily="2" charset="-127"/>
-              </a:rPr>
-              <a:t>모든 데이터가 </a:t>
-            </a:r>
-            <a:r>
-              <a:rPr lang="en-US" altLang="ko-KR" sz="2000" b="1" dirty="0">
-                <a:solidFill>
-                  <a:schemeClr val="tx1">
-                    <a:lumMod val="50000"/>
-                    <a:lumOff val="50000"/>
-                  </a:schemeClr>
-                </a:solidFill>
-                <a:latin typeface="한컴 고딕" panose="02000500000000000000" pitchFamily="2" charset="-127"/>
-                <a:ea typeface="한컴 고딕" panose="02000500000000000000" pitchFamily="2" charset="-127"/>
-              </a:rPr>
-              <a:t>Point-to-Point IP </a:t>
-            </a:r>
-            <a:r>
-              <a:rPr lang="ko-KR" altLang="en-US" sz="2000" b="1" dirty="0">
-                <a:solidFill>
-                  <a:schemeClr val="tx1">
-                    <a:lumMod val="50000"/>
-                    <a:lumOff val="50000"/>
-                  </a:schemeClr>
-                </a:solidFill>
-                <a:latin typeface="한컴 고딕" panose="02000500000000000000" pitchFamily="2" charset="-127"/>
-                <a:ea typeface="한컴 고딕" panose="02000500000000000000" pitchFamily="2" charset="-127"/>
-              </a:rPr>
-              <a:t>연결로 이루어진다</a:t>
-            </a:r>
-            <a:r>
-              <a:rPr lang="en-US" altLang="ko-KR" sz="2000" b="1" dirty="0">
-                <a:solidFill>
-                  <a:schemeClr val="tx1">
-                    <a:lumMod val="50000"/>
-                    <a:lumOff val="50000"/>
-                  </a:schemeClr>
-                </a:solidFill>
-                <a:latin typeface="한컴 고딕" panose="02000500000000000000" pitchFamily="2" charset="-127"/>
-                <a:ea typeface="한컴 고딕" panose="02000500000000000000" pitchFamily="2" charset="-127"/>
-              </a:rPr>
-              <a:t>.</a:t>
-            </a:r>
+                <a:sym typeface="Wingdings" panose="05000000000000000000" pitchFamily="2" charset="2"/>
+              </a:rPr>
+              <a:t> Log Out &amp; Log In</a:t>
+            </a:r>
+            <a:endParaRPr lang="en-US" altLang="ko-KR" sz="2000" b="1" dirty="0">
+              <a:solidFill>
+                <a:schemeClr val="tx1">
+                  <a:lumMod val="50000"/>
+                  <a:lumOff val="50000"/>
+                </a:schemeClr>
+              </a:solidFill>
+              <a:latin typeface="한컴 고딕" panose="02000500000000000000" pitchFamily="2" charset="-127"/>
+              <a:ea typeface="한컴 고딕" panose="02000500000000000000" pitchFamily="2" charset="-127"/>
+            </a:endParaRPr>
           </a:p>
         </p:txBody>
       </p:sp>
@@ -9931,258 +7515,16 @@
               <a:rPr lang="ko-KR" altLang="en-US" smtClean="0"/>
               <a:t>6</a:t>
             </a:fld>
-            <a:endParaRPr lang="ko-KR" altLang="en-US" dirty="0"/>
-          </a:p>
-        </p:txBody>
-      </p:sp>
-      <p:sp>
-        <p:nvSpPr>
-          <p:cNvPr id="7" name="TextBox 6">
-            <a:extLst>
-              <a:ext uri="{FF2B5EF4-FFF2-40B4-BE49-F238E27FC236}">
-                <a16:creationId xmlns:a16="http://schemas.microsoft.com/office/drawing/2014/main" id="{C2B915A4-AAFE-11F0-90DB-0192498B70DD}"/>
-              </a:ext>
-            </a:extLst>
-          </p:cNvPr>
-          <p:cNvSpPr txBox="1"/>
-          <p:nvPr/>
-        </p:nvSpPr>
-        <p:spPr>
-          <a:xfrm>
-            <a:off x="206187" y="3529267"/>
-            <a:ext cx="11833413" cy="1894621"/>
-          </a:xfrm>
-          <a:prstGeom prst="rect">
-            <a:avLst/>
-          </a:prstGeom>
-          <a:noFill/>
-        </p:spPr>
-        <p:txBody>
-          <a:bodyPr wrap="square" rtlCol="0">
-            <a:spAutoFit/>
-          </a:bodyPr>
-          <a:lstStyle/>
-          <a:p>
-            <a:pPr>
-              <a:lnSpc>
-                <a:spcPct val="150000"/>
-              </a:lnSpc>
-            </a:pPr>
-            <a:r>
-              <a:rPr lang="en-US" altLang="ko-KR" sz="2000" b="1" dirty="0">
-                <a:solidFill>
-                  <a:schemeClr val="accent1"/>
-                </a:solidFill>
-                <a:latin typeface="한컴 고딕" panose="02000500000000000000" pitchFamily="2" charset="-127"/>
-                <a:ea typeface="한컴 고딕" panose="02000500000000000000" pitchFamily="2" charset="-127"/>
-              </a:rPr>
-              <a:t>NDN</a:t>
-            </a:r>
-          </a:p>
-          <a:p>
-            <a:pPr marL="342900" indent="-342900">
-              <a:lnSpc>
-                <a:spcPct val="150000"/>
-              </a:lnSpc>
-              <a:buFont typeface="Arial" panose="020B0604020202020204" pitchFamily="34" charset="0"/>
-              <a:buChar char="•"/>
-            </a:pPr>
-            <a:r>
-              <a:rPr lang="en-US" altLang="ko-KR" sz="2000" b="1" dirty="0">
-                <a:solidFill>
-                  <a:schemeClr val="tx1">
-                    <a:lumMod val="50000"/>
-                    <a:lumOff val="50000"/>
-                  </a:schemeClr>
-                </a:solidFill>
-                <a:latin typeface="한컴 고딕" panose="02000500000000000000" pitchFamily="2" charset="-127"/>
-                <a:ea typeface="한컴 고딕" panose="02000500000000000000" pitchFamily="2" charset="-127"/>
-              </a:rPr>
-              <a:t>Name</a:t>
-            </a:r>
-            <a:r>
-              <a:rPr lang="ko-KR" altLang="en-US" sz="2000" b="1" dirty="0">
-                <a:solidFill>
-                  <a:schemeClr val="tx1">
-                    <a:lumMod val="50000"/>
-                    <a:lumOff val="50000"/>
-                  </a:schemeClr>
-                </a:solidFill>
-                <a:latin typeface="한컴 고딕" panose="02000500000000000000" pitchFamily="2" charset="-127"/>
-                <a:ea typeface="한컴 고딕" panose="02000500000000000000" pitchFamily="2" charset="-127"/>
-              </a:rPr>
-              <a:t>을 이용하여 </a:t>
-            </a:r>
-            <a:r>
-              <a:rPr lang="en-US" altLang="ko-KR" sz="2000" b="1" dirty="0">
-                <a:solidFill>
-                  <a:schemeClr val="tx1">
-                    <a:lumMod val="50000"/>
-                    <a:lumOff val="50000"/>
-                  </a:schemeClr>
-                </a:solidFill>
-                <a:latin typeface="한컴 고딕" panose="02000500000000000000" pitchFamily="2" charset="-127"/>
-                <a:ea typeface="한컴 고딕" panose="02000500000000000000" pitchFamily="2" charset="-127"/>
-              </a:rPr>
-              <a:t>Demultiplexing</a:t>
-            </a:r>
-            <a:r>
-              <a:rPr lang="ko-KR" altLang="en-US" sz="2000" b="1" dirty="0">
-                <a:solidFill>
-                  <a:schemeClr val="tx1">
-                    <a:lumMod val="50000"/>
-                    <a:lumOff val="50000"/>
-                  </a:schemeClr>
-                </a:solidFill>
-                <a:latin typeface="한컴 고딕" panose="02000500000000000000" pitchFamily="2" charset="-127"/>
-                <a:ea typeface="한컴 고딕" panose="02000500000000000000" pitchFamily="2" charset="-127"/>
-              </a:rPr>
-              <a:t>을 수행한다</a:t>
-            </a:r>
-            <a:r>
-              <a:rPr lang="en-US" altLang="ko-KR" sz="2000" b="1" dirty="0">
-                <a:solidFill>
-                  <a:schemeClr val="tx1">
-                    <a:lumMod val="50000"/>
-                    <a:lumOff val="50000"/>
-                  </a:schemeClr>
-                </a:solidFill>
-                <a:latin typeface="한컴 고딕" panose="02000500000000000000" pitchFamily="2" charset="-127"/>
-                <a:ea typeface="한컴 고딕" panose="02000500000000000000" pitchFamily="2" charset="-127"/>
-              </a:rPr>
-              <a:t>.</a:t>
-            </a:r>
-          </a:p>
-          <a:p>
-            <a:pPr marL="342900" indent="-342900">
-              <a:lnSpc>
-                <a:spcPct val="150000"/>
-              </a:lnSpc>
-              <a:buFont typeface="Arial" panose="020B0604020202020204" pitchFamily="34" charset="0"/>
-              <a:buChar char="•"/>
-            </a:pPr>
-            <a:r>
-              <a:rPr lang="en-US" altLang="ko-KR" sz="2000" b="1" dirty="0">
-                <a:solidFill>
-                  <a:schemeClr val="tx1">
-                    <a:lumMod val="50000"/>
-                    <a:lumOff val="50000"/>
-                  </a:schemeClr>
-                </a:solidFill>
-                <a:latin typeface="한컴 고딕" panose="02000500000000000000" pitchFamily="2" charset="-127"/>
-                <a:ea typeface="한컴 고딕" panose="02000500000000000000" pitchFamily="2" charset="-127"/>
-              </a:rPr>
-              <a:t>Network </a:t>
-            </a:r>
-            <a:r>
-              <a:rPr lang="ko-KR" altLang="en-US" sz="2000" b="1" dirty="0">
-                <a:solidFill>
-                  <a:schemeClr val="tx1">
-                    <a:lumMod val="50000"/>
-                    <a:lumOff val="50000"/>
-                  </a:schemeClr>
-                </a:solidFill>
-                <a:latin typeface="한컴 고딕" panose="02000500000000000000" pitchFamily="2" charset="-127"/>
-                <a:ea typeface="한컴 고딕" panose="02000500000000000000" pitchFamily="2" charset="-127"/>
-              </a:rPr>
-              <a:t>계층에서 직접 </a:t>
-            </a:r>
-            <a:r>
-              <a:rPr lang="en-US" altLang="ko-KR" sz="2000" b="1" dirty="0">
-                <a:solidFill>
-                  <a:schemeClr val="tx1">
-                    <a:lumMod val="50000"/>
-                    <a:lumOff val="50000"/>
-                  </a:schemeClr>
-                </a:solidFill>
-                <a:latin typeface="한컴 고딕" panose="02000500000000000000" pitchFamily="2" charset="-127"/>
-                <a:ea typeface="한컴 고딕" panose="02000500000000000000" pitchFamily="2" charset="-127"/>
-              </a:rPr>
-              <a:t>Congestion Control</a:t>
-            </a:r>
-            <a:r>
-              <a:rPr lang="ko-KR" altLang="en-US" sz="2000" b="1" dirty="0">
-                <a:solidFill>
-                  <a:schemeClr val="tx1">
-                    <a:lumMod val="50000"/>
-                    <a:lumOff val="50000"/>
-                  </a:schemeClr>
-                </a:solidFill>
-                <a:latin typeface="한컴 고딕" panose="02000500000000000000" pitchFamily="2" charset="-127"/>
-                <a:ea typeface="한컴 고딕" panose="02000500000000000000" pitchFamily="2" charset="-127"/>
-              </a:rPr>
-              <a:t>을 수행한다</a:t>
-            </a:r>
-            <a:r>
-              <a:rPr lang="en-US" altLang="ko-KR" sz="2000" b="1" dirty="0">
-                <a:solidFill>
-                  <a:schemeClr val="tx1">
-                    <a:lumMod val="50000"/>
-                    <a:lumOff val="50000"/>
-                  </a:schemeClr>
-                </a:solidFill>
-                <a:latin typeface="한컴 고딕" panose="02000500000000000000" pitchFamily="2" charset="-127"/>
-                <a:ea typeface="한컴 고딕" panose="02000500000000000000" pitchFamily="2" charset="-127"/>
-              </a:rPr>
-              <a:t>.</a:t>
-            </a:r>
-          </a:p>
-          <a:p>
-            <a:pPr marL="342900" indent="-342900">
-              <a:lnSpc>
-                <a:spcPct val="150000"/>
-              </a:lnSpc>
-              <a:buFont typeface="Arial" panose="020B0604020202020204" pitchFamily="34" charset="0"/>
-              <a:buChar char="•"/>
-            </a:pPr>
-            <a:r>
-              <a:rPr lang="en-US" altLang="ko-KR" sz="2000" b="1" dirty="0">
-                <a:solidFill>
-                  <a:schemeClr val="tx1">
-                    <a:lumMod val="50000"/>
-                    <a:lumOff val="50000"/>
-                  </a:schemeClr>
-                </a:solidFill>
-                <a:latin typeface="한컴 고딕" panose="02000500000000000000" pitchFamily="2" charset="-127"/>
-                <a:ea typeface="한컴 고딕" panose="02000500000000000000" pitchFamily="2" charset="-127"/>
-              </a:rPr>
-              <a:t>TCP/IP</a:t>
-            </a:r>
-            <a:r>
-              <a:rPr lang="ko-KR" altLang="en-US" sz="2000" b="1" dirty="0">
-                <a:solidFill>
-                  <a:schemeClr val="tx1">
-                    <a:lumMod val="50000"/>
-                    <a:lumOff val="50000"/>
-                  </a:schemeClr>
-                </a:solidFill>
-                <a:latin typeface="한컴 고딕" panose="02000500000000000000" pitchFamily="2" charset="-127"/>
-                <a:ea typeface="한컴 고딕" panose="02000500000000000000" pitchFamily="2" charset="-127"/>
-              </a:rPr>
-              <a:t>의 안정적인 데이터 전송 기능을 그대로 유지한다</a:t>
-            </a:r>
-            <a:r>
-              <a:rPr lang="en-US" altLang="ko-KR" sz="2000" b="1" dirty="0">
-                <a:solidFill>
-                  <a:schemeClr val="tx1">
-                    <a:lumMod val="50000"/>
-                    <a:lumOff val="50000"/>
-                  </a:schemeClr>
-                </a:solidFill>
-                <a:latin typeface="한컴 고딕" panose="02000500000000000000" pitchFamily="2" charset="-127"/>
-                <a:ea typeface="한컴 고딕" panose="02000500000000000000" pitchFamily="2" charset="-127"/>
-              </a:rPr>
-              <a:t>.</a:t>
-            </a:r>
+            <a:endParaRPr lang="ko-KR" altLang="en-US"/>
           </a:p>
         </p:txBody>
       </p:sp>
       <p:grpSp>
         <p:nvGrpSpPr>
-          <p:cNvPr id="9" name="그룹 8">
-            <a:extLst>
-              <a:ext uri="{FF2B5EF4-FFF2-40B4-BE49-F238E27FC236}">
-                <a16:creationId xmlns:a16="http://schemas.microsoft.com/office/drawing/2014/main" id="{6E5B2971-7A63-EBDC-4D32-AA141310E921}"/>
+          <p:cNvPr id="7" name="그룹 6">
+            <a:extLst>
+              <a:ext uri="{FF2B5EF4-FFF2-40B4-BE49-F238E27FC236}">
+                <a16:creationId xmlns:a16="http://schemas.microsoft.com/office/drawing/2014/main" id="{FAB541A1-A186-AC72-4A46-14BBB7FD4695}"/>
               </a:ext>
             </a:extLst>
           </p:cNvPr>
@@ -10191,18 +7533,18 @@
         </p:nvGrpSpPr>
         <p:grpSpPr>
           <a:xfrm>
-            <a:off x="7125867" y="2805527"/>
-            <a:ext cx="4859946" cy="3040858"/>
-            <a:chOff x="7125867" y="2805527"/>
-            <a:chExt cx="4859946" cy="3040858"/>
+            <a:off x="6261969" y="956317"/>
+            <a:ext cx="5605397" cy="4945366"/>
+            <a:chOff x="3293302" y="1686911"/>
+            <a:chExt cx="5605397" cy="4945366"/>
           </a:xfrm>
         </p:grpSpPr>
         <p:pic>
           <p:nvPicPr>
-            <p:cNvPr id="2050" name="Picture 2" descr="image">
+            <p:cNvPr id="1026" name="Picture 2" descr="image">
               <a:extLst>
                 <a:ext uri="{FF2B5EF4-FFF2-40B4-BE49-F238E27FC236}">
-                  <a16:creationId xmlns:a16="http://schemas.microsoft.com/office/drawing/2014/main" id="{848D86CB-CB11-2741-68E9-25AF8BB600AF}"/>
+                  <a16:creationId xmlns:a16="http://schemas.microsoft.com/office/drawing/2014/main" id="{D21538E0-3AF5-1390-DD6F-F824BCD95D39}"/>
                 </a:ext>
               </a:extLst>
             </p:cNvPr>
@@ -10226,8 +7568,8 @@
           </p:blipFill>
           <p:spPr bwMode="auto">
             <a:xfrm>
-              <a:off x="7125867" y="2805527"/>
-              <a:ext cx="4859946" cy="2817952"/>
+              <a:off x="3293302" y="1686911"/>
+              <a:ext cx="5605397" cy="4687513"/>
             </a:xfrm>
             <a:prstGeom prst="rect">
               <a:avLst/>
@@ -10246,10 +7588,10 @@
         </p:pic>
         <p:sp>
           <p:nvSpPr>
-            <p:cNvPr id="8" name="TextBox 7">
+            <p:cNvPr id="5" name="TextBox 4">
               <a:extLst>
                 <a:ext uri="{FF2B5EF4-FFF2-40B4-BE49-F238E27FC236}">
-                  <a16:creationId xmlns:a16="http://schemas.microsoft.com/office/drawing/2014/main" id="{ED838EE7-23CC-5F20-E0B9-C3A13FA259B0}"/>
+                  <a16:creationId xmlns:a16="http://schemas.microsoft.com/office/drawing/2014/main" id="{B5F69608-C2E1-D0BA-4094-6A0E91D96E6C}"/>
                 </a:ext>
               </a:extLst>
             </p:cNvPr>
@@ -10258,8 +7600,8 @@
           </p:nvSpPr>
           <p:spPr>
             <a:xfrm>
-              <a:off x="7133579" y="5600164"/>
-              <a:ext cx="4844522" cy="246221"/>
+              <a:off x="4595762" y="6331297"/>
+              <a:ext cx="3000476" cy="300980"/>
             </a:xfrm>
             <a:prstGeom prst="rect">
               <a:avLst/>
@@ -10272,41 +7614,45 @@
             </a:bodyPr>
             <a:lstStyle/>
             <a:p>
-              <a:pPr algn="ctr"/>
+              <a:pPr algn="ctr">
+                <a:lnSpc>
+                  <a:spcPct val="150000"/>
+                </a:lnSpc>
+              </a:pPr>
               <a:r>
                 <a:rPr lang="ko-KR" altLang="en-US" sz="1000" b="1" dirty="0">
                   <a:latin typeface="한컴 고딕" panose="02000500000000000000" pitchFamily="2" charset="-127"/>
                   <a:ea typeface="한컴 고딕" panose="02000500000000000000" pitchFamily="2" charset="-127"/>
                 </a:rPr>
-                <a:t>그림</a:t>
+                <a:t>그림 </a:t>
               </a:r>
               <a:r>
                 <a:rPr lang="en-US" altLang="ko-KR" sz="1000" b="1" dirty="0">
                   <a:latin typeface="한컴 고딕" panose="02000500000000000000" pitchFamily="2" charset="-127"/>
                   <a:ea typeface="한컴 고딕" panose="02000500000000000000" pitchFamily="2" charset="-127"/>
                 </a:rPr>
-                <a:t> 2. TCP/IP</a:t>
+                <a:t>1. </a:t>
               </a:r>
               <a:r>
                 <a:rPr lang="ko-KR" altLang="en-US" sz="1000" b="1" dirty="0">
                   <a:latin typeface="한컴 고딕" panose="02000500000000000000" pitchFamily="2" charset="-127"/>
                   <a:ea typeface="한컴 고딕" panose="02000500000000000000" pitchFamily="2" charset="-127"/>
                 </a:rPr>
-                <a:t>와 </a:t>
+                <a:t>설치 완료된 </a:t>
               </a:r>
               <a:r>
                 <a:rPr lang="en-US" altLang="ko-KR" sz="1000" b="1" dirty="0">
                   <a:latin typeface="한컴 고딕" panose="02000500000000000000" pitchFamily="2" charset="-127"/>
                   <a:ea typeface="한컴 고딕" panose="02000500000000000000" pitchFamily="2" charset="-127"/>
                 </a:rPr>
-                <a:t>NDN</a:t>
+                <a:t>Ubuntu 20.04 </a:t>
               </a:r>
               <a:r>
                 <a:rPr lang="ko-KR" altLang="en-US" sz="1000" b="1" dirty="0">
                   <a:latin typeface="한컴 고딕" panose="02000500000000000000" pitchFamily="2" charset="-127"/>
                   <a:ea typeface="한컴 고딕" panose="02000500000000000000" pitchFamily="2" charset="-127"/>
                 </a:rPr>
-                <a:t>의 차이점</a:t>
+                <a:t>화면</a:t>
               </a:r>
               <a:endParaRPr lang="en-US" altLang="ko-KR" sz="1000" b="1" dirty="0">
                 <a:latin typeface="한컴 고딕" panose="02000500000000000000" pitchFamily="2" charset="-127"/>
@@ -10319,7 +7665,7 @@
     </p:spTree>
     <p:extLst>
       <p:ext uri="{BB962C8B-B14F-4D97-AF65-F5344CB8AC3E}">
-        <p14:creationId xmlns:p14="http://schemas.microsoft.com/office/powerpoint/2010/main" val="3196052653"/>
+        <p14:creationId xmlns:p14="http://schemas.microsoft.com/office/powerpoint/2010/main" val="2364089266"/>
       </p:ext>
     </p:extLst>
   </p:cSld>
@@ -10376,7 +7722,7 @@
           <a:p>
             <a:pPr algn="just"/>
             <a:r>
-              <a:rPr lang="ko-KR" altLang="en-US" sz="3200" dirty="0">
+              <a:rPr lang="en-US" altLang="ko-KR" sz="3200" dirty="0" err="1">
                 <a:solidFill>
                   <a:schemeClr val="tx1">
                     <a:lumMod val="65000"/>
@@ -10386,7 +7732,7 @@
                 <a:latin typeface="배달의민족 도현" panose="020B0600000101010101" pitchFamily="50" charset="-127"/>
                 <a:ea typeface="배달의민족 도현" panose="020B0600000101010101" pitchFamily="50" charset="-127"/>
               </a:rPr>
-              <a:t>기존 </a:t>
+              <a:t>ndnSIM</a:t>
             </a:r>
             <a:r>
               <a:rPr lang="en-US" altLang="ko-KR" sz="3200" dirty="0">
@@ -10399,7 +7745,7 @@
                 <a:latin typeface="배달의민족 도현" panose="020B0600000101010101" pitchFamily="50" charset="-127"/>
                 <a:ea typeface="배달의민족 도현" panose="020B0600000101010101" pitchFamily="50" charset="-127"/>
               </a:rPr>
-              <a:t>TCP/IP</a:t>
+              <a:t> </a:t>
             </a:r>
             <a:r>
               <a:rPr lang="ko-KR" altLang="en-US" sz="3200" dirty="0">
@@ -10412,33 +7758,7 @@
                 <a:latin typeface="배달의민족 도현" panose="020B0600000101010101" pitchFamily="50" charset="-127"/>
                 <a:ea typeface="배달의민족 도현" panose="020B0600000101010101" pitchFamily="50" charset="-127"/>
               </a:rPr>
-              <a:t>와 </a:t>
-            </a:r>
-            <a:r>
-              <a:rPr lang="en-US" altLang="ko-KR" sz="3200" dirty="0">
-                <a:solidFill>
-                  <a:schemeClr val="tx1">
-                    <a:lumMod val="65000"/>
-                    <a:lumOff val="35000"/>
-                  </a:schemeClr>
-                </a:solidFill>
-                <a:latin typeface="배달의민족 도현" panose="020B0600000101010101" pitchFamily="50" charset="-127"/>
-                <a:ea typeface="배달의민족 도현" panose="020B0600000101010101" pitchFamily="50" charset="-127"/>
-              </a:rPr>
-              <a:t>NDN</a:t>
-            </a:r>
-            <a:r>
-              <a:rPr lang="ko-KR" altLang="en-US" sz="3200" dirty="0">
-                <a:solidFill>
-                  <a:schemeClr val="tx1">
-                    <a:lumMod val="65000"/>
-                    <a:lumOff val="35000"/>
-                  </a:schemeClr>
-                </a:solidFill>
-                <a:latin typeface="배달의민족 도현" panose="020B0600000101010101" pitchFamily="50" charset="-127"/>
-                <a:ea typeface="배달의민족 도현" panose="020B0600000101010101" pitchFamily="50" charset="-127"/>
-              </a:rPr>
-              <a:t>의 차이</a:t>
+              <a:t>설치</a:t>
             </a:r>
             <a:endParaRPr lang="en-US" altLang="ko-KR" sz="3200" dirty="0">
               <a:solidFill>
@@ -10470,7 +7790,7 @@
         <p:spPr>
           <a:xfrm>
             <a:off x="206188" y="724225"/>
-            <a:ext cx="5054744" cy="0"/>
+            <a:ext cx="2424278" cy="0"/>
           </a:xfrm>
           <a:prstGeom prst="line">
             <a:avLst/>
@@ -10513,7 +7833,7 @@
         <p:spPr>
           <a:xfrm>
             <a:off x="206187" y="715619"/>
-            <a:ext cx="11833413" cy="1298882"/>
+            <a:ext cx="11842378" cy="3279616"/>
           </a:xfrm>
           <a:prstGeom prst="rect">
             <a:avLst/>
@@ -10532,16 +7852,16 @@
               </a:lnSpc>
             </a:pPr>
             <a:r>
-              <a:rPr lang="ko-KR" altLang="en-US" b="1" dirty="0">
+              <a:rPr lang="ko-KR" altLang="en-US" sz="2000" b="1" dirty="0">
                 <a:solidFill>
                   <a:schemeClr val="accent1"/>
                 </a:solidFill>
                 <a:latin typeface="한컴 고딕" panose="02000500000000000000" pitchFamily="2" charset="-127"/>
                 <a:ea typeface="한컴 고딕" panose="02000500000000000000" pitchFamily="2" charset="-127"/>
               </a:rPr>
-              <a:t>안정적인 데이터 전송의 문제점</a:t>
-            </a:r>
-            <a:endParaRPr lang="en-US" altLang="ko-KR" b="1" dirty="0">
+              <a:t>기본 요구사항 설정</a:t>
+            </a:r>
+            <a:endParaRPr lang="en-US" altLang="ko-KR" sz="2000" b="1" dirty="0">
               <a:solidFill>
                 <a:schemeClr val="accent1"/>
               </a:solidFill>
@@ -10558,7 +7878,7 @@
               <a:buChar char="•"/>
             </a:pPr>
             <a:r>
-              <a:rPr lang="en-US" altLang="ko-KR" b="1" dirty="0">
+              <a:rPr lang="en-US" altLang="ko-KR" sz="2000" b="1" dirty="0">
                 <a:solidFill>
                   <a:schemeClr val="tx1">
                     <a:lumMod val="50000"/>
@@ -10568,10 +7888,10 @@
                 <a:latin typeface="한컴 고딕" panose="02000500000000000000" pitchFamily="2" charset="-127"/>
                 <a:ea typeface="한컴 고딕" panose="02000500000000000000" pitchFamily="2" charset="-127"/>
               </a:rPr>
-              <a:t>1</a:t>
-            </a:r>
-            <a:r>
-              <a:rPr lang="ko-KR" altLang="en-US" b="1" dirty="0">
+              <a:t>GCC 7.4 </a:t>
+            </a:r>
+            <a:r>
+              <a:rPr lang="ko-KR" altLang="en-US" sz="2000" b="1" dirty="0">
                 <a:solidFill>
                   <a:schemeClr val="tx1">
                     <a:lumMod val="50000"/>
@@ -10581,309 +7901,19 @@
                 <a:latin typeface="한컴 고딕" panose="02000500000000000000" pitchFamily="2" charset="-127"/>
                 <a:ea typeface="한컴 고딕" panose="02000500000000000000" pitchFamily="2" charset="-127"/>
               </a:rPr>
-              <a:t>번 상황 </a:t>
-            </a:r>
-            <a:r>
-              <a:rPr lang="en-US" altLang="ko-KR" b="1" dirty="0">
-                <a:solidFill>
-                  <a:schemeClr val="tx1">
-                    <a:lumMod val="50000"/>
-                    <a:lumOff val="50000"/>
-                  </a:schemeClr>
-                </a:solidFill>
-                <a:latin typeface="한컴 고딕" panose="02000500000000000000" pitchFamily="2" charset="-127"/>
-                <a:ea typeface="한컴 고딕" panose="02000500000000000000" pitchFamily="2" charset="-127"/>
-              </a:rPr>
-              <a:t>: </a:t>
-            </a:r>
-            <a:r>
-              <a:rPr lang="ko-KR" altLang="en-US" b="1" dirty="0">
-                <a:solidFill>
-                  <a:schemeClr val="tx1">
-                    <a:lumMod val="50000"/>
-                    <a:lumOff val="50000"/>
-                  </a:schemeClr>
-                </a:solidFill>
-                <a:latin typeface="한컴 고딕" panose="02000500000000000000" pitchFamily="2" charset="-127"/>
-                <a:ea typeface="한컴 고딕" panose="02000500000000000000" pitchFamily="2" charset="-127"/>
-              </a:rPr>
-              <a:t>하나의 전송 서비스가 전송 요구사항이 다른 앱들을 각각 지원할 수 있는가</a:t>
-            </a:r>
-            <a:r>
-              <a:rPr lang="en-US" altLang="ko-KR" b="1" dirty="0">
-                <a:solidFill>
-                  <a:schemeClr val="tx1">
-                    <a:lumMod val="50000"/>
-                    <a:lumOff val="50000"/>
-                  </a:schemeClr>
-                </a:solidFill>
-                <a:latin typeface="한컴 고딕" panose="02000500000000000000" pitchFamily="2" charset="-127"/>
-                <a:ea typeface="한컴 고딕" panose="02000500000000000000" pitchFamily="2" charset="-127"/>
-              </a:rPr>
-              <a:t>?</a:t>
-            </a:r>
-          </a:p>
-          <a:p>
-            <a:pPr marL="800100" lvl="1" indent="-342900">
-              <a:lnSpc>
-                <a:spcPct val="150000"/>
-              </a:lnSpc>
-              <a:buFont typeface="Arial" panose="020B0604020202020204" pitchFamily="34" charset="0"/>
-              <a:buChar char="•"/>
-            </a:pPr>
-            <a:r>
-              <a:rPr lang="ko-KR" altLang="en-US" b="1" dirty="0">
-                <a:solidFill>
-                  <a:schemeClr val="tx1">
-                    <a:lumMod val="50000"/>
-                    <a:lumOff val="50000"/>
-                  </a:schemeClr>
-                </a:solidFill>
-                <a:latin typeface="한컴 고딕" panose="02000500000000000000" pitchFamily="2" charset="-127"/>
-                <a:ea typeface="한컴 고딕" panose="02000500000000000000" pitchFamily="2" charset="-127"/>
-              </a:rPr>
-              <a:t>문제점 </a:t>
-            </a:r>
-            <a:r>
-              <a:rPr lang="en-US" altLang="ko-KR" b="1" dirty="0">
-                <a:solidFill>
-                  <a:schemeClr val="tx1">
-                    <a:lumMod val="50000"/>
-                    <a:lumOff val="50000"/>
-                  </a:schemeClr>
-                </a:solidFill>
-                <a:latin typeface="한컴 고딕" panose="02000500000000000000" pitchFamily="2" charset="-127"/>
-                <a:ea typeface="한컴 고딕" panose="02000500000000000000" pitchFamily="2" charset="-127"/>
-              </a:rPr>
-              <a:t>: TCP/IP</a:t>
-            </a:r>
-            <a:r>
-              <a:rPr lang="ko-KR" altLang="en-US" b="1" dirty="0">
-                <a:solidFill>
-                  <a:schemeClr val="tx1">
-                    <a:lumMod val="50000"/>
-                    <a:lumOff val="50000"/>
-                  </a:schemeClr>
-                </a:solidFill>
-                <a:latin typeface="한컴 고딕" panose="02000500000000000000" pitchFamily="2" charset="-127"/>
-                <a:ea typeface="한컴 고딕" panose="02000500000000000000" pitchFamily="2" charset="-127"/>
-              </a:rPr>
-              <a:t>의 신뢰성 있는 단일 크기가 모든 어플리케이션에 적합하지는 않아 지원이 제한된다</a:t>
-            </a:r>
-            <a:r>
-              <a:rPr lang="en-US" altLang="ko-KR" b="1" dirty="0">
-                <a:solidFill>
-                  <a:schemeClr val="tx1">
-                    <a:lumMod val="50000"/>
-                    <a:lumOff val="50000"/>
-                  </a:schemeClr>
-                </a:solidFill>
-                <a:latin typeface="한컴 고딕" panose="02000500000000000000" pitchFamily="2" charset="-127"/>
-                <a:ea typeface="한컴 고딕" panose="02000500000000000000" pitchFamily="2" charset="-127"/>
-              </a:rPr>
-              <a:t>.</a:t>
-            </a:r>
-          </a:p>
-        </p:txBody>
-      </p:sp>
-      <p:sp>
-        <p:nvSpPr>
-          <p:cNvPr id="3" name="슬라이드 번호 개체 틀 2">
-            <a:extLst>
-              <a:ext uri="{FF2B5EF4-FFF2-40B4-BE49-F238E27FC236}">
-                <a16:creationId xmlns:a16="http://schemas.microsoft.com/office/drawing/2014/main" id="{4EC25071-CFFA-8C9C-CB7A-29C2F016666E}"/>
-              </a:ext>
-            </a:extLst>
-          </p:cNvPr>
-          <p:cNvSpPr>
-            <a:spLocks noGrp="1"/>
-          </p:cNvSpPr>
-          <p:nvPr>
-            <p:ph type="sldNum" sz="quarter" idx="12"/>
-          </p:nvPr>
-        </p:nvSpPr>
-        <p:spPr/>
-        <p:txBody>
-          <a:bodyPr/>
-          <a:lstStyle/>
-          <a:p>
-            <a:fld id="{4503EA79-8FE5-4AB7-9144-49D69278BFF0}" type="slidenum">
-              <a:rPr lang="ko-KR" altLang="en-US" smtClean="0"/>
-              <a:t>7</a:t>
-            </a:fld>
-            <a:endParaRPr lang="ko-KR" altLang="en-US" dirty="0"/>
-          </a:p>
-        </p:txBody>
-      </p:sp>
-      <p:grpSp>
-        <p:nvGrpSpPr>
-          <p:cNvPr id="9" name="그룹 8">
-            <a:extLst>
-              <a:ext uri="{FF2B5EF4-FFF2-40B4-BE49-F238E27FC236}">
-                <a16:creationId xmlns:a16="http://schemas.microsoft.com/office/drawing/2014/main" id="{F916802A-3546-3DDD-0558-9C0217EB86D3}"/>
-              </a:ext>
-            </a:extLst>
-          </p:cNvPr>
-          <p:cNvGrpSpPr/>
-          <p:nvPr/>
-        </p:nvGrpSpPr>
-        <p:grpSpPr>
-          <a:xfrm>
-            <a:off x="1933575" y="1981817"/>
-            <a:ext cx="8324850" cy="1779746"/>
-            <a:chOff x="1933575" y="2157181"/>
-            <a:chExt cx="8324850" cy="1779746"/>
-          </a:xfrm>
-        </p:grpSpPr>
-        <p:pic>
-          <p:nvPicPr>
-            <p:cNvPr id="3074" name="Picture 2" descr="image">
-              <a:extLst>
-                <a:ext uri="{FF2B5EF4-FFF2-40B4-BE49-F238E27FC236}">
-                  <a16:creationId xmlns:a16="http://schemas.microsoft.com/office/drawing/2014/main" id="{AC557D60-1461-BE69-B242-2DD1E7592CD8}"/>
-                </a:ext>
-              </a:extLst>
-            </p:cNvPr>
-            <p:cNvPicPr>
-              <a:picLocks noChangeAspect="1" noChangeArrowheads="1"/>
-            </p:cNvPicPr>
-            <p:nvPr/>
-          </p:nvPicPr>
-          <p:blipFill>
-            <a:blip r:embed="rId2">
-              <a:extLst>
-                <a:ext uri="{28A0092B-C50C-407E-A947-70E740481C1C}">
-                  <a14:useLocalDpi xmlns:a14="http://schemas.microsoft.com/office/drawing/2010/main" val="0"/>
-                </a:ext>
-              </a:extLst>
-            </a:blip>
-            <a:srcRect/>
-            <a:stretch>
-              <a:fillRect/>
-            </a:stretch>
-          </p:blipFill>
-          <p:spPr bwMode="auto">
-            <a:xfrm>
-              <a:off x="1933575" y="2157181"/>
-              <a:ext cx="8324850" cy="1533525"/>
-            </a:xfrm>
-            <a:prstGeom prst="rect">
-              <a:avLst/>
-            </a:prstGeom>
-            <a:noFill/>
-            <a:extLst>
-              <a:ext uri="{909E8E84-426E-40DD-AFC4-6F175D3DCCD1}">
-                <a14:hiddenFill xmlns:a14="http://schemas.microsoft.com/office/drawing/2010/main">
-                  <a:solidFill>
-                    <a:srgbClr val="FFFFFF"/>
-                  </a:solidFill>
-                </a14:hiddenFill>
-              </a:ext>
-            </a:extLst>
-          </p:spPr>
-        </p:pic>
-        <p:sp>
-          <p:nvSpPr>
-            <p:cNvPr id="4" name="TextBox 3">
-              <a:extLst>
-                <a:ext uri="{FF2B5EF4-FFF2-40B4-BE49-F238E27FC236}">
-                  <a16:creationId xmlns:a16="http://schemas.microsoft.com/office/drawing/2014/main" id="{5EBBE5EE-D17D-DEF4-D590-C9C39F81E77D}"/>
-                </a:ext>
-              </a:extLst>
-            </p:cNvPr>
-            <p:cNvSpPr txBox="1"/>
-            <p:nvPr/>
-          </p:nvSpPr>
-          <p:spPr>
-            <a:xfrm>
-              <a:off x="3673739" y="3690706"/>
-              <a:ext cx="4844522" cy="246221"/>
-            </a:xfrm>
-            <a:prstGeom prst="rect">
-              <a:avLst/>
-            </a:prstGeom>
-            <a:noFill/>
-          </p:spPr>
-          <p:txBody>
-            <a:bodyPr wrap="square" rtlCol="0">
-              <a:spAutoFit/>
-            </a:bodyPr>
-            <a:lstStyle/>
-            <a:p>
-              <a:pPr algn="ctr"/>
-              <a:r>
-                <a:rPr lang="ko-KR" altLang="en-US" sz="1000" b="1" dirty="0">
-                  <a:latin typeface="한컴 고딕" panose="02000500000000000000" pitchFamily="2" charset="-127"/>
-                  <a:ea typeface="한컴 고딕" panose="02000500000000000000" pitchFamily="2" charset="-127"/>
-                </a:rPr>
-                <a:t>그림</a:t>
-              </a:r>
-              <a:r>
-                <a:rPr lang="en-US" altLang="ko-KR" sz="1000" b="1" dirty="0">
-                  <a:latin typeface="한컴 고딕" panose="02000500000000000000" pitchFamily="2" charset="-127"/>
-                  <a:ea typeface="한컴 고딕" panose="02000500000000000000" pitchFamily="2" charset="-127"/>
-                </a:rPr>
-                <a:t> 3. BGP </a:t>
-              </a:r>
-              <a:r>
-                <a:rPr lang="ko-KR" altLang="en-US" sz="1000" b="1" dirty="0">
-                  <a:latin typeface="한컴 고딕" panose="02000500000000000000" pitchFamily="2" charset="-127"/>
-                  <a:ea typeface="한컴 고딕" panose="02000500000000000000" pitchFamily="2" charset="-127"/>
-                </a:rPr>
-                <a:t>환경에서 </a:t>
-              </a:r>
-              <a:r>
-                <a:rPr lang="en-US" altLang="ko-KR" sz="1000" b="1" dirty="0">
-                  <a:latin typeface="한컴 고딕" panose="02000500000000000000" pitchFamily="2" charset="-127"/>
-                  <a:ea typeface="한컴 고딕" panose="02000500000000000000" pitchFamily="2" charset="-127"/>
-                </a:rPr>
-                <a:t>TCP</a:t>
-              </a:r>
-              <a:r>
-                <a:rPr lang="ko-KR" altLang="en-US" sz="1000" b="1" dirty="0">
-                  <a:latin typeface="한컴 고딕" panose="02000500000000000000" pitchFamily="2" charset="-127"/>
-                  <a:ea typeface="한컴 고딕" panose="02000500000000000000" pitchFamily="2" charset="-127"/>
-                </a:rPr>
-                <a:t>가 동작할 때 발생할 수 있는 문제점</a:t>
-              </a:r>
-              <a:r>
-                <a:rPr lang="en-US" altLang="ko-KR" sz="1000" b="1" dirty="0">
-                  <a:latin typeface="한컴 고딕" panose="02000500000000000000" pitchFamily="2" charset="-127"/>
-                  <a:ea typeface="한컴 고딕" panose="02000500000000000000" pitchFamily="2" charset="-127"/>
-                </a:rPr>
-                <a:t> </a:t>
-              </a:r>
-            </a:p>
-          </p:txBody>
-        </p:sp>
-      </p:grpSp>
-      <p:sp>
-        <p:nvSpPr>
-          <p:cNvPr id="5" name="TextBox 4">
-            <a:extLst>
-              <a:ext uri="{FF2B5EF4-FFF2-40B4-BE49-F238E27FC236}">
-                <a16:creationId xmlns:a16="http://schemas.microsoft.com/office/drawing/2014/main" id="{C4A028EC-7AC1-37CC-4971-0F48E0C7DB17}"/>
-              </a:ext>
-            </a:extLst>
-          </p:cNvPr>
-          <p:cNvSpPr txBox="1"/>
-          <p:nvPr/>
-        </p:nvSpPr>
-        <p:spPr>
-          <a:xfrm>
-            <a:off x="206186" y="3648829"/>
-            <a:ext cx="11833413" cy="1298882"/>
-          </a:xfrm>
-          <a:prstGeom prst="rect">
-            <a:avLst/>
-          </a:prstGeom>
-          <a:noFill/>
-        </p:spPr>
-        <p:txBody>
-          <a:bodyPr wrap="square" rtlCol="0">
-            <a:spAutoFit/>
-          </a:bodyPr>
-          <a:lstStyle/>
+              <a:t>버전 이상</a:t>
+            </a:r>
+            <a:endParaRPr lang="en-US" altLang="ko-KR" sz="2000" b="1" dirty="0">
+              <a:solidFill>
+                <a:schemeClr val="tx1">
+                  <a:lumMod val="50000"/>
+                  <a:lumOff val="50000"/>
+                </a:schemeClr>
+              </a:solidFill>
+              <a:latin typeface="한컴 고딕" panose="02000500000000000000" pitchFamily="2" charset="-127"/>
+              <a:ea typeface="한컴 고딕" panose="02000500000000000000" pitchFamily="2" charset="-127"/>
+            </a:endParaRPr>
+          </a:p>
           <a:p>
             <a:pPr marL="342900" indent="-342900">
               <a:lnSpc>
@@ -10893,7 +7923,7 @@
               <a:buChar char="•"/>
             </a:pPr>
             <a:r>
-              <a:rPr lang="en-US" altLang="ko-KR" b="1" dirty="0">
+              <a:rPr lang="en-US" altLang="ko-KR" sz="2000" b="1" dirty="0">
                 <a:solidFill>
                   <a:schemeClr val="tx1">
                     <a:lumMod val="50000"/>
@@ -10903,10 +7933,10 @@
                 <a:latin typeface="한컴 고딕" panose="02000500000000000000" pitchFamily="2" charset="-127"/>
                 <a:ea typeface="한컴 고딕" panose="02000500000000000000" pitchFamily="2" charset="-127"/>
               </a:rPr>
-              <a:t>2</a:t>
-            </a:r>
-            <a:r>
-              <a:rPr lang="ko-KR" altLang="en-US" b="1" dirty="0">
+              <a:t>Python 3.6 </a:t>
+            </a:r>
+            <a:r>
+              <a:rPr lang="ko-KR" altLang="en-US" sz="2000" b="1" dirty="0">
                 <a:solidFill>
                   <a:schemeClr val="tx1">
                     <a:lumMod val="50000"/>
@@ -10916,50 +7946,21 @@
                 <a:latin typeface="한컴 고딕" panose="02000500000000000000" pitchFamily="2" charset="-127"/>
                 <a:ea typeface="한컴 고딕" panose="02000500000000000000" pitchFamily="2" charset="-127"/>
               </a:rPr>
-              <a:t>번 상황 </a:t>
-            </a:r>
-            <a:r>
-              <a:rPr lang="en-US" altLang="ko-KR" b="1" dirty="0">
-                <a:solidFill>
-                  <a:schemeClr val="tx1">
-                    <a:lumMod val="50000"/>
-                    <a:lumOff val="50000"/>
-                  </a:schemeClr>
-                </a:solidFill>
-                <a:latin typeface="한컴 고딕" panose="02000500000000000000" pitchFamily="2" charset="-127"/>
-                <a:ea typeface="한컴 고딕" panose="02000500000000000000" pitchFamily="2" charset="-127"/>
-              </a:rPr>
-              <a:t>: </a:t>
-            </a:r>
-            <a:r>
-              <a:rPr lang="ko-KR" altLang="en-US" b="1" dirty="0">
-                <a:solidFill>
-                  <a:schemeClr val="tx1">
-                    <a:lumMod val="50000"/>
-                    <a:lumOff val="50000"/>
-                  </a:schemeClr>
-                </a:solidFill>
-                <a:latin typeface="한컴 고딕" panose="02000500000000000000" pitchFamily="2" charset="-127"/>
-                <a:ea typeface="한컴 고딕" panose="02000500000000000000" pitchFamily="2" charset="-127"/>
-              </a:rPr>
-              <a:t>하나의 전송 서비스가 여러 개의 어플리케이션이 가지고 있는 로컬 제약에 따라 데이터를 조절하여 보낼 수 있는가</a:t>
-            </a:r>
-            <a:r>
-              <a:rPr lang="en-US" altLang="ko-KR" b="1" dirty="0">
-                <a:solidFill>
-                  <a:schemeClr val="tx1">
-                    <a:lumMod val="50000"/>
-                    <a:lumOff val="50000"/>
-                  </a:schemeClr>
-                </a:solidFill>
-                <a:latin typeface="한컴 고딕" panose="02000500000000000000" pitchFamily="2" charset="-127"/>
-                <a:ea typeface="한컴 고딕" panose="02000500000000000000" pitchFamily="2" charset="-127"/>
-              </a:rPr>
-              <a:t>?</a:t>
-            </a:r>
-          </a:p>
-          <a:p>
-            <a:pPr marL="800100" lvl="1" indent="-342900">
+              <a:t>버전 이상</a:t>
+            </a:r>
+            <a:endParaRPr lang="en-US" altLang="ko-KR" sz="2000" b="1" dirty="0">
+              <a:solidFill>
+                <a:schemeClr val="tx1">
+                  <a:lumMod val="50000"/>
+                  <a:lumOff val="50000"/>
+                </a:schemeClr>
+              </a:solidFill>
+              <a:latin typeface="한컴 고딕" panose="02000500000000000000" pitchFamily="2" charset="-127"/>
+              <a:ea typeface="한컴 고딕" panose="02000500000000000000" pitchFamily="2" charset="-127"/>
+            </a:endParaRPr>
+          </a:p>
+          <a:p>
+            <a:pPr marL="342900" indent="-342900">
               <a:lnSpc>
                 <a:spcPct val="150000"/>
               </a:lnSpc>
@@ -10967,7 +7968,7 @@
               <a:buChar char="•"/>
             </a:pPr>
             <a:r>
-              <a:rPr lang="ko-KR" altLang="en-US" b="1" dirty="0">
+              <a:rPr lang="en-US" altLang="ko-KR" sz="2000" b="1" dirty="0">
                 <a:solidFill>
                   <a:schemeClr val="tx1">
                     <a:lumMod val="50000"/>
@@ -10977,10 +7978,19 @@
                 <a:latin typeface="한컴 고딕" panose="02000500000000000000" pitchFamily="2" charset="-127"/>
                 <a:ea typeface="한컴 고딕" panose="02000500000000000000" pitchFamily="2" charset="-127"/>
               </a:rPr>
-              <a:t>문제점 </a:t>
-            </a:r>
-            <a:r>
-              <a:rPr lang="en-US" altLang="ko-KR" b="1" dirty="0">
+              <a:t>pkg-config</a:t>
+            </a:r>
+          </a:p>
+          <a:p>
+            <a:pPr marL="342900" indent="-342900">
+              <a:lnSpc>
+                <a:spcPct val="150000"/>
+              </a:lnSpc>
+              <a:buFont typeface="Arial" panose="020B0604020202020204" pitchFamily="34" charset="0"/>
+              <a:buChar char="•"/>
+            </a:pPr>
+            <a:r>
+              <a:rPr lang="en-US" altLang="ko-KR" sz="2000" b="1" dirty="0">
                 <a:solidFill>
                   <a:schemeClr val="tx1">
                     <a:lumMod val="50000"/>
@@ -10990,10 +8000,10 @@
                 <a:latin typeface="한컴 고딕" panose="02000500000000000000" pitchFamily="2" charset="-127"/>
                 <a:ea typeface="한컴 고딕" panose="02000500000000000000" pitchFamily="2" charset="-127"/>
               </a:rPr>
-              <a:t>: 1</a:t>
-            </a:r>
-            <a:r>
-              <a:rPr lang="ko-KR" altLang="en-US" b="1" dirty="0">
+              <a:t>Boost 1.65.1 </a:t>
+            </a:r>
+            <a:r>
+              <a:rPr lang="ko-KR" altLang="en-US" sz="2000" b="1" dirty="0">
                 <a:solidFill>
                   <a:schemeClr val="tx1">
                     <a:lumMod val="50000"/>
@@ -11003,10 +8013,29 @@
                 <a:latin typeface="한컴 고딕" panose="02000500000000000000" pitchFamily="2" charset="-127"/>
                 <a:ea typeface="한컴 고딕" panose="02000500000000000000" pitchFamily="2" charset="-127"/>
               </a:rPr>
-              <a:t>번 상황과 동일한 </a:t>
-            </a:r>
-            <a:r>
-              <a:rPr lang="en-US" altLang="ko-KR" b="1" dirty="0">
+              <a:t>이상</a:t>
+            </a:r>
+            <a:endParaRPr lang="en-US" altLang="ko-KR" sz="2000" b="1" dirty="0">
+              <a:solidFill>
+                <a:schemeClr val="tx1">
+                  <a:lumMod val="50000"/>
+                  <a:lumOff val="50000"/>
+                </a:schemeClr>
+              </a:solidFill>
+              <a:latin typeface="한컴 고딕" panose="02000500000000000000" pitchFamily="2" charset="-127"/>
+              <a:ea typeface="한컴 고딕" panose="02000500000000000000" pitchFamily="2" charset="-127"/>
+            </a:endParaRPr>
+          </a:p>
+          <a:p>
+            <a:pPr marL="342900" indent="-342900">
+              <a:lnSpc>
+                <a:spcPct val="150000"/>
+              </a:lnSpc>
+              <a:buFont typeface="Arial" panose="020B0604020202020204" pitchFamily="34" charset="0"/>
+              <a:buChar char="•"/>
+            </a:pPr>
+            <a:r>
+              <a:rPr lang="en-US" altLang="ko-KR" sz="2000" b="1" dirty="0">
                 <a:solidFill>
                   <a:schemeClr val="tx1">
                     <a:lumMod val="50000"/>
@@ -11016,10 +8045,19 @@
                 <a:latin typeface="한컴 고딕" panose="02000500000000000000" pitchFamily="2" charset="-127"/>
                 <a:ea typeface="한컴 고딕" panose="02000500000000000000" pitchFamily="2" charset="-127"/>
               </a:rPr>
-              <a:t>TCP/IP</a:t>
-            </a:r>
-            <a:r>
-              <a:rPr lang="ko-KR" altLang="en-US" b="1" dirty="0">
+              <a:t>OpenSSL</a:t>
+            </a:r>
+          </a:p>
+          <a:p>
+            <a:pPr marL="342900" indent="-342900">
+              <a:lnSpc>
+                <a:spcPct val="150000"/>
+              </a:lnSpc>
+              <a:buFont typeface="Arial" panose="020B0604020202020204" pitchFamily="34" charset="0"/>
+              <a:buChar char="•"/>
+            </a:pPr>
+            <a:r>
+              <a:rPr lang="en-US" altLang="ko-KR" sz="2000" b="1" dirty="0">
                 <a:solidFill>
                   <a:schemeClr val="tx1">
                     <a:lumMod val="50000"/>
@@ -11029,10 +8067,10 @@
                 <a:latin typeface="한컴 고딕" panose="02000500000000000000" pitchFamily="2" charset="-127"/>
                 <a:ea typeface="한컴 고딕" panose="02000500000000000000" pitchFamily="2" charset="-127"/>
               </a:rPr>
-              <a:t>의 단일 크기로 인한 한계점으로 제한적인 상황이 발생할 수 있다</a:t>
-            </a:r>
-            <a:r>
-              <a:rPr lang="en-US" altLang="ko-KR" b="1" dirty="0">
+              <a:t>SQLite 3.x </a:t>
+            </a:r>
+            <a:r>
+              <a:rPr lang="ko-KR" altLang="en-US" sz="2000" b="1" dirty="0">
                 <a:solidFill>
                   <a:schemeClr val="tx1">
                     <a:lumMod val="50000"/>
@@ -11042,140 +8080,54 @@
                 <a:latin typeface="한컴 고딕" panose="02000500000000000000" pitchFamily="2" charset="-127"/>
                 <a:ea typeface="한컴 고딕" panose="02000500000000000000" pitchFamily="2" charset="-127"/>
               </a:rPr>
-              <a:t>.</a:t>
-            </a:r>
-          </a:p>
-        </p:txBody>
-      </p:sp>
-      <p:grpSp>
-        <p:nvGrpSpPr>
-          <p:cNvPr id="12" name="그룹 11">
-            <a:extLst>
-              <a:ext uri="{FF2B5EF4-FFF2-40B4-BE49-F238E27FC236}">
-                <a16:creationId xmlns:a16="http://schemas.microsoft.com/office/drawing/2014/main" id="{51284B26-1D71-6A5F-AE77-233D736CCF16}"/>
-              </a:ext>
-            </a:extLst>
-          </p:cNvPr>
-          <p:cNvGrpSpPr/>
-          <p:nvPr/>
-        </p:nvGrpSpPr>
-        <p:grpSpPr>
-          <a:xfrm>
-            <a:off x="3677634" y="4801914"/>
-            <a:ext cx="4844522" cy="1805502"/>
-            <a:chOff x="3677634" y="4801914"/>
-            <a:chExt cx="4844522" cy="1805502"/>
-          </a:xfrm>
-        </p:grpSpPr>
-        <p:pic>
-          <p:nvPicPr>
-            <p:cNvPr id="3076" name="Picture 4" descr="image">
-              <a:extLst>
-                <a:ext uri="{FF2B5EF4-FFF2-40B4-BE49-F238E27FC236}">
-                  <a16:creationId xmlns:a16="http://schemas.microsoft.com/office/drawing/2014/main" id="{0EEE96C5-0844-1262-CCEC-D9A3D9A199A0}"/>
-                </a:ext>
-              </a:extLst>
-            </p:cNvPr>
-            <p:cNvPicPr>
-              <a:picLocks noChangeAspect="1" noChangeArrowheads="1"/>
-            </p:cNvPicPr>
-            <p:nvPr/>
-          </p:nvPicPr>
-          <p:blipFill>
-            <a:blip r:embed="rId3">
-              <a:extLst>
-                <a:ext uri="{28A0092B-C50C-407E-A947-70E740481C1C}">
-                  <a14:useLocalDpi xmlns:a14="http://schemas.microsoft.com/office/drawing/2010/main" val="0"/>
-                </a:ext>
-              </a:extLst>
-            </a:blip>
-            <a:srcRect/>
-            <a:stretch>
-              <a:fillRect/>
-            </a:stretch>
-          </p:blipFill>
-          <p:spPr bwMode="auto">
-            <a:xfrm>
-              <a:off x="4237692" y="4801914"/>
-              <a:ext cx="3716617" cy="1602130"/>
-            </a:xfrm>
-            <a:prstGeom prst="rect">
-              <a:avLst/>
-            </a:prstGeom>
-            <a:noFill/>
-            <a:extLst>
-              <a:ext uri="{909E8E84-426E-40DD-AFC4-6F175D3DCCD1}">
-                <a14:hiddenFill xmlns:a14="http://schemas.microsoft.com/office/drawing/2010/main">
-                  <a:solidFill>
-                    <a:srgbClr val="FFFFFF"/>
-                  </a:solidFill>
-                </a14:hiddenFill>
-              </a:ext>
-            </a:extLst>
-          </p:spPr>
-        </p:pic>
-        <p:sp>
-          <p:nvSpPr>
-            <p:cNvPr id="11" name="TextBox 10">
-              <a:extLst>
-                <a:ext uri="{FF2B5EF4-FFF2-40B4-BE49-F238E27FC236}">
-                  <a16:creationId xmlns:a16="http://schemas.microsoft.com/office/drawing/2014/main" id="{48E352FF-F21C-27CE-B70D-0E493714DAF8}"/>
-                </a:ext>
-              </a:extLst>
-            </p:cNvPr>
-            <p:cNvSpPr txBox="1"/>
-            <p:nvPr/>
-          </p:nvSpPr>
-          <p:spPr>
-            <a:xfrm>
-              <a:off x="3677634" y="6361195"/>
-              <a:ext cx="4844522" cy="246221"/>
-            </a:xfrm>
-            <a:prstGeom prst="rect">
-              <a:avLst/>
-            </a:prstGeom>
-            <a:noFill/>
-          </p:spPr>
-          <p:txBody>
-            <a:bodyPr wrap="square" rtlCol="0">
-              <a:spAutoFit/>
-            </a:bodyPr>
-            <a:lstStyle/>
-            <a:p>
-              <a:pPr algn="ctr"/>
-              <a:r>
-                <a:rPr lang="ko-KR" altLang="en-US" sz="1000" b="1" dirty="0">
-                  <a:latin typeface="한컴 고딕" panose="02000500000000000000" pitchFamily="2" charset="-127"/>
-                  <a:ea typeface="한컴 고딕" panose="02000500000000000000" pitchFamily="2" charset="-127"/>
-                </a:rPr>
-                <a:t>그림</a:t>
-              </a:r>
-              <a:r>
-                <a:rPr lang="en-US" altLang="ko-KR" sz="1000" b="1" dirty="0">
-                  <a:latin typeface="한컴 고딕" panose="02000500000000000000" pitchFamily="2" charset="-127"/>
-                  <a:ea typeface="한컴 고딕" panose="02000500000000000000" pitchFamily="2" charset="-127"/>
-                </a:rPr>
-                <a:t> 4. 2</a:t>
-              </a:r>
-              <a:r>
-                <a:rPr lang="ko-KR" altLang="en-US" sz="1000" b="1" dirty="0">
-                  <a:latin typeface="한컴 고딕" panose="02000500000000000000" pitchFamily="2" charset="-127"/>
-                  <a:ea typeface="한컴 고딕" panose="02000500000000000000" pitchFamily="2" charset="-127"/>
-                </a:rPr>
-                <a:t>번 상황에 대한 시나리오</a:t>
-              </a:r>
-              <a:endParaRPr lang="en-US" altLang="ko-KR" sz="1000" b="1" dirty="0">
-                <a:latin typeface="한컴 고딕" panose="02000500000000000000" pitchFamily="2" charset="-127"/>
-                <a:ea typeface="한컴 고딕" panose="02000500000000000000" pitchFamily="2" charset="-127"/>
-              </a:endParaRPr>
-            </a:p>
-          </p:txBody>
-        </p:sp>
-      </p:grpSp>
+              <a:t>이상</a:t>
+            </a:r>
+            <a:endParaRPr lang="en-US" altLang="ko-KR" sz="2000" b="1" dirty="0">
+              <a:solidFill>
+                <a:schemeClr val="tx1">
+                  <a:lumMod val="50000"/>
+                  <a:lumOff val="50000"/>
+                </a:schemeClr>
+              </a:solidFill>
+              <a:latin typeface="한컴 고딕" panose="02000500000000000000" pitchFamily="2" charset="-127"/>
+              <a:ea typeface="한컴 고딕" panose="02000500000000000000" pitchFamily="2" charset="-127"/>
+            </a:endParaRPr>
+          </a:p>
+        </p:txBody>
+      </p:sp>
+      <p:sp>
+        <p:nvSpPr>
+          <p:cNvPr id="3" name="슬라이드 번호 개체 틀 2">
+            <a:extLst>
+              <a:ext uri="{FF2B5EF4-FFF2-40B4-BE49-F238E27FC236}">
+                <a16:creationId xmlns:a16="http://schemas.microsoft.com/office/drawing/2014/main" id="{4EC25071-CFFA-8C9C-CB7A-29C2F016666E}"/>
+              </a:ext>
+            </a:extLst>
+          </p:cNvPr>
+          <p:cNvSpPr>
+            <a:spLocks noGrp="1"/>
+          </p:cNvSpPr>
+          <p:nvPr>
+            <p:ph type="sldNum" sz="quarter" idx="12"/>
+          </p:nvPr>
+        </p:nvSpPr>
+        <p:spPr/>
+        <p:txBody>
+          <a:bodyPr/>
+          <a:lstStyle/>
+          <a:p>
+            <a:fld id="{4503EA79-8FE5-4AB7-9144-49D69278BFF0}" type="slidenum">
+              <a:rPr lang="ko-KR" altLang="en-US" smtClean="0"/>
+              <a:t>7</a:t>
+            </a:fld>
+            <a:endParaRPr lang="ko-KR" altLang="en-US"/>
+          </a:p>
+        </p:txBody>
+      </p:sp>
     </p:spTree>
     <p:extLst>
       <p:ext uri="{BB962C8B-B14F-4D97-AF65-F5344CB8AC3E}">
-        <p14:creationId xmlns:p14="http://schemas.microsoft.com/office/powerpoint/2010/main" val="2634741308"/>
+        <p14:creationId xmlns:p14="http://schemas.microsoft.com/office/powerpoint/2010/main" val="2814665259"/>
       </p:ext>
     </p:extLst>
   </p:cSld>
@@ -11232,7 +8184,7 @@
           <a:p>
             <a:pPr algn="just"/>
             <a:r>
-              <a:rPr lang="ko-KR" altLang="en-US" sz="3200" dirty="0">
+              <a:rPr lang="en-US" altLang="ko-KR" sz="3200" dirty="0" err="1">
                 <a:solidFill>
                   <a:schemeClr val="tx1">
                     <a:lumMod val="65000"/>
@@ -11242,7 +8194,7 @@
                 <a:latin typeface="배달의민족 도현" panose="020B0600000101010101" pitchFamily="50" charset="-127"/>
                 <a:ea typeface="배달의민족 도현" panose="020B0600000101010101" pitchFamily="50" charset="-127"/>
               </a:rPr>
-              <a:t>기존 </a:t>
+              <a:t>ndnSIM</a:t>
             </a:r>
             <a:r>
               <a:rPr lang="en-US" altLang="ko-KR" sz="3200" dirty="0">
@@ -11255,7 +8207,7 @@
                 <a:latin typeface="배달의민족 도현" panose="020B0600000101010101" pitchFamily="50" charset="-127"/>
                 <a:ea typeface="배달의민족 도현" panose="020B0600000101010101" pitchFamily="50" charset="-127"/>
               </a:rPr>
-              <a:t>TCP/IP</a:t>
+              <a:t> </a:t>
             </a:r>
             <a:r>
               <a:rPr lang="ko-KR" altLang="en-US" sz="3200" dirty="0">
@@ -11268,33 +8220,7 @@
                 <a:latin typeface="배달의민족 도현" panose="020B0600000101010101" pitchFamily="50" charset="-127"/>
                 <a:ea typeface="배달의민족 도현" panose="020B0600000101010101" pitchFamily="50" charset="-127"/>
               </a:rPr>
-              <a:t>와 </a:t>
-            </a:r>
-            <a:r>
-              <a:rPr lang="en-US" altLang="ko-KR" sz="3200" dirty="0">
-                <a:solidFill>
-                  <a:schemeClr val="tx1">
-                    <a:lumMod val="65000"/>
-                    <a:lumOff val="35000"/>
-                  </a:schemeClr>
-                </a:solidFill>
-                <a:latin typeface="배달의민족 도현" panose="020B0600000101010101" pitchFamily="50" charset="-127"/>
-                <a:ea typeface="배달의민족 도현" panose="020B0600000101010101" pitchFamily="50" charset="-127"/>
-              </a:rPr>
-              <a:t>NDN</a:t>
-            </a:r>
-            <a:r>
-              <a:rPr lang="ko-KR" altLang="en-US" sz="3200" dirty="0">
-                <a:solidFill>
-                  <a:schemeClr val="tx1">
-                    <a:lumMod val="65000"/>
-                    <a:lumOff val="35000"/>
-                  </a:schemeClr>
-                </a:solidFill>
-                <a:latin typeface="배달의민족 도현" panose="020B0600000101010101" pitchFamily="50" charset="-127"/>
-                <a:ea typeface="배달의민족 도현" panose="020B0600000101010101" pitchFamily="50" charset="-127"/>
-              </a:rPr>
-              <a:t>의 차이</a:t>
+              <a:t>설치</a:t>
             </a:r>
             <a:endParaRPr lang="en-US" altLang="ko-KR" sz="3200" dirty="0">
               <a:solidFill>
@@ -11326,7 +8252,7 @@
         <p:spPr>
           <a:xfrm>
             <a:off x="206188" y="724225"/>
-            <a:ext cx="5054744" cy="0"/>
+            <a:ext cx="2424278" cy="0"/>
           </a:xfrm>
           <a:prstGeom prst="line">
             <a:avLst/>
@@ -11369,7 +8295,7 @@
         <p:spPr>
           <a:xfrm>
             <a:off x="206187" y="715619"/>
-            <a:ext cx="11833413" cy="1894621"/>
+            <a:ext cx="11842378" cy="509627"/>
           </a:xfrm>
           <a:prstGeom prst="rect">
             <a:avLst/>
@@ -11388,6 +8314,16 @@
               </a:lnSpc>
             </a:pPr>
             <a:r>
+              <a:rPr lang="en-US" altLang="ko-KR" sz="2000" b="1" dirty="0">
+                <a:solidFill>
+                  <a:schemeClr val="accent1"/>
+                </a:solidFill>
+                <a:latin typeface="한컴 고딕" panose="02000500000000000000" pitchFamily="2" charset="-127"/>
+                <a:ea typeface="한컴 고딕" panose="02000500000000000000" pitchFamily="2" charset="-127"/>
+              </a:rPr>
+              <a:t>GCC </a:t>
+            </a:r>
+            <a:r>
               <a:rPr lang="ko-KR" altLang="en-US" sz="2000" b="1" dirty="0">
                 <a:solidFill>
                   <a:schemeClr val="accent1"/>
@@ -11395,7 +8331,7 @@
                 <a:latin typeface="한컴 고딕" panose="02000500000000000000" pitchFamily="2" charset="-127"/>
                 <a:ea typeface="한컴 고딕" panose="02000500000000000000" pitchFamily="2" charset="-127"/>
               </a:rPr>
-              <a:t>안정적인 데이터 전송의 문제점</a:t>
+              <a:t>설치</a:t>
             </a:r>
             <a:endParaRPr lang="en-US" altLang="ko-KR" sz="2000" b="1" dirty="0">
               <a:solidFill>
@@ -11405,202 +8341,6 @@
               <a:ea typeface="한컴 고딕" panose="02000500000000000000" pitchFamily="2" charset="-127"/>
             </a:endParaRPr>
           </a:p>
-          <a:p>
-            <a:pPr marL="342900" indent="-342900">
-              <a:lnSpc>
-                <a:spcPct val="150000"/>
-              </a:lnSpc>
-              <a:buFont typeface="Arial" panose="020B0604020202020204" pitchFamily="34" charset="0"/>
-              <a:buChar char="•"/>
-            </a:pPr>
-            <a:r>
-              <a:rPr lang="en-US" altLang="ko-KR" sz="2000" b="1" dirty="0">
-                <a:solidFill>
-                  <a:schemeClr val="tx1">
-                    <a:lumMod val="50000"/>
-                    <a:lumOff val="50000"/>
-                  </a:schemeClr>
-                </a:solidFill>
-                <a:latin typeface="한컴 고딕" panose="02000500000000000000" pitchFamily="2" charset="-127"/>
-                <a:ea typeface="한컴 고딕" panose="02000500000000000000" pitchFamily="2" charset="-127"/>
-              </a:rPr>
-              <a:t>1</a:t>
-            </a:r>
-            <a:r>
-              <a:rPr lang="ko-KR" altLang="en-US" sz="2000" b="1" dirty="0">
-                <a:solidFill>
-                  <a:schemeClr val="tx1">
-                    <a:lumMod val="50000"/>
-                    <a:lumOff val="50000"/>
-                  </a:schemeClr>
-                </a:solidFill>
-                <a:latin typeface="한컴 고딕" panose="02000500000000000000" pitchFamily="2" charset="-127"/>
-                <a:ea typeface="한컴 고딕" panose="02000500000000000000" pitchFamily="2" charset="-127"/>
-              </a:rPr>
-              <a:t>번</a:t>
-            </a:r>
-            <a:r>
-              <a:rPr lang="en-US" altLang="ko-KR" sz="2000" b="1" dirty="0">
-                <a:solidFill>
-                  <a:schemeClr val="tx1">
-                    <a:lumMod val="50000"/>
-                    <a:lumOff val="50000"/>
-                  </a:schemeClr>
-                </a:solidFill>
-                <a:latin typeface="한컴 고딕" panose="02000500000000000000" pitchFamily="2" charset="-127"/>
-                <a:ea typeface="한컴 고딕" panose="02000500000000000000" pitchFamily="2" charset="-127"/>
-              </a:rPr>
-              <a:t>, 2</a:t>
-            </a:r>
-            <a:r>
-              <a:rPr lang="ko-KR" altLang="en-US" sz="2000" b="1" dirty="0">
-                <a:solidFill>
-                  <a:schemeClr val="tx1">
-                    <a:lumMod val="50000"/>
-                    <a:lumOff val="50000"/>
-                  </a:schemeClr>
-                </a:solidFill>
-                <a:latin typeface="한컴 고딕" panose="02000500000000000000" pitchFamily="2" charset="-127"/>
-                <a:ea typeface="한컴 고딕" panose="02000500000000000000" pitchFamily="2" charset="-127"/>
-              </a:rPr>
-              <a:t>번 상황 아래 메커니즘을 통해 해결할 수 있다</a:t>
-            </a:r>
-            <a:r>
-              <a:rPr lang="en-US" altLang="ko-KR" sz="2000" b="1" dirty="0">
-                <a:solidFill>
-                  <a:schemeClr val="tx1">
-                    <a:lumMod val="50000"/>
-                    <a:lumOff val="50000"/>
-                  </a:schemeClr>
-                </a:solidFill>
-                <a:latin typeface="한컴 고딕" panose="02000500000000000000" pitchFamily="2" charset="-127"/>
-                <a:ea typeface="한컴 고딕" panose="02000500000000000000" pitchFamily="2" charset="-127"/>
-              </a:rPr>
-              <a:t>.</a:t>
-            </a:r>
-          </a:p>
-          <a:p>
-            <a:pPr marL="800100" lvl="1" indent="-342900">
-              <a:lnSpc>
-                <a:spcPct val="150000"/>
-              </a:lnSpc>
-              <a:buFont typeface="Arial" panose="020B0604020202020204" pitchFamily="34" charset="0"/>
-              <a:buChar char="•"/>
-            </a:pPr>
-            <a:r>
-              <a:rPr lang="ko-KR" altLang="en-US" sz="2000" b="1" dirty="0">
-                <a:solidFill>
-                  <a:schemeClr val="tx1">
-                    <a:lumMod val="50000"/>
-                    <a:lumOff val="50000"/>
-                  </a:schemeClr>
-                </a:solidFill>
-                <a:latin typeface="한컴 고딕" panose="02000500000000000000" pitchFamily="2" charset="-127"/>
-                <a:ea typeface="한컴 고딕" panose="02000500000000000000" pitchFamily="2" charset="-127"/>
-              </a:rPr>
-              <a:t>상위 계층 </a:t>
-            </a:r>
-            <a:r>
-              <a:rPr lang="en-US" altLang="ko-KR" sz="2000" b="1" dirty="0">
-                <a:solidFill>
-                  <a:schemeClr val="tx1">
-                    <a:lumMod val="50000"/>
-                    <a:lumOff val="50000"/>
-                  </a:schemeClr>
-                </a:solidFill>
-                <a:latin typeface="한컴 고딕" panose="02000500000000000000" pitchFamily="2" charset="-127"/>
-                <a:ea typeface="한컴 고딕" panose="02000500000000000000" pitchFamily="2" charset="-127"/>
-              </a:rPr>
-              <a:t>: </a:t>
-            </a:r>
-            <a:r>
-              <a:rPr lang="ko-KR" altLang="en-US" sz="2000" b="1" dirty="0">
-                <a:solidFill>
-                  <a:schemeClr val="tx1">
-                    <a:lumMod val="50000"/>
-                    <a:lumOff val="50000"/>
-                  </a:schemeClr>
-                </a:solidFill>
-                <a:latin typeface="한컴 고딕" panose="02000500000000000000" pitchFamily="2" charset="-127"/>
-                <a:ea typeface="한컴 고딕" panose="02000500000000000000" pitchFamily="2" charset="-127"/>
-              </a:rPr>
-              <a:t>데이터를 가져올 수 있는지에 대한 여부와 그 중에서 어떤 데이터를 먼저 가져올지 결정한다</a:t>
-            </a:r>
-            <a:r>
-              <a:rPr lang="en-US" altLang="ko-KR" sz="2000" b="1" dirty="0">
-                <a:solidFill>
-                  <a:schemeClr val="tx1">
-                    <a:lumMod val="50000"/>
-                    <a:lumOff val="50000"/>
-                  </a:schemeClr>
-                </a:solidFill>
-                <a:latin typeface="한컴 고딕" panose="02000500000000000000" pitchFamily="2" charset="-127"/>
-                <a:ea typeface="한컴 고딕" panose="02000500000000000000" pitchFamily="2" charset="-127"/>
-              </a:rPr>
-              <a:t>.</a:t>
-            </a:r>
-          </a:p>
-          <a:p>
-            <a:pPr marL="800100" lvl="1" indent="-342900">
-              <a:lnSpc>
-                <a:spcPct val="150000"/>
-              </a:lnSpc>
-              <a:buFont typeface="Arial" panose="020B0604020202020204" pitchFamily="34" charset="0"/>
-              <a:buChar char="•"/>
-            </a:pPr>
-            <a:r>
-              <a:rPr lang="ko-KR" altLang="en-US" sz="2000" b="1" dirty="0">
-                <a:solidFill>
-                  <a:schemeClr val="tx1">
-                    <a:lumMod val="50000"/>
-                    <a:lumOff val="50000"/>
-                  </a:schemeClr>
-                </a:solidFill>
-                <a:latin typeface="한컴 고딕" panose="02000500000000000000" pitchFamily="2" charset="-127"/>
-                <a:ea typeface="한컴 고딕" panose="02000500000000000000" pitchFamily="2" charset="-127"/>
-              </a:rPr>
-              <a:t>하위 계층 </a:t>
-            </a:r>
-            <a:r>
-              <a:rPr lang="en-US" altLang="ko-KR" sz="2000" b="1" dirty="0">
-                <a:solidFill>
-                  <a:schemeClr val="tx1">
-                    <a:lumMod val="50000"/>
-                    <a:lumOff val="50000"/>
-                  </a:schemeClr>
-                </a:solidFill>
-                <a:latin typeface="한컴 고딕" panose="02000500000000000000" pitchFamily="2" charset="-127"/>
-                <a:ea typeface="한컴 고딕" panose="02000500000000000000" pitchFamily="2" charset="-127"/>
-              </a:rPr>
-              <a:t>: </a:t>
-            </a:r>
-            <a:r>
-              <a:rPr lang="ko-KR" altLang="en-US" sz="2000" b="1" dirty="0">
-                <a:solidFill>
-                  <a:schemeClr val="tx1">
-                    <a:lumMod val="50000"/>
-                    <a:lumOff val="50000"/>
-                  </a:schemeClr>
-                </a:solidFill>
-                <a:latin typeface="한컴 고딕" panose="02000500000000000000" pitchFamily="2" charset="-127"/>
-                <a:ea typeface="한컴 고딕" panose="02000500000000000000" pitchFamily="2" charset="-127"/>
-              </a:rPr>
-              <a:t>데이터를 가져올 수 있는 최적의 시기와 방법을 결정한다</a:t>
-            </a:r>
-            <a:r>
-              <a:rPr lang="en-US" altLang="ko-KR" sz="2000" b="1" dirty="0">
-                <a:solidFill>
-                  <a:schemeClr val="tx1">
-                    <a:lumMod val="50000"/>
-                    <a:lumOff val="50000"/>
-                  </a:schemeClr>
-                </a:solidFill>
-                <a:latin typeface="한컴 고딕" panose="02000500000000000000" pitchFamily="2" charset="-127"/>
-                <a:ea typeface="한컴 고딕" panose="02000500000000000000" pitchFamily="2" charset="-127"/>
-              </a:rPr>
-              <a:t>.</a:t>
-            </a:r>
-          </a:p>
         </p:txBody>
       </p:sp>
       <p:sp>
@@ -11628,153 +8368,323 @@
               <a:rPr lang="ko-KR" altLang="en-US" smtClean="0"/>
               <a:t>8</a:t>
             </a:fld>
-            <a:endParaRPr lang="ko-KR" altLang="en-US" dirty="0"/>
-          </a:p>
-        </p:txBody>
-      </p:sp>
-      <p:grpSp>
-        <p:nvGrpSpPr>
-          <p:cNvPr id="8" name="그룹 7">
-            <a:extLst>
-              <a:ext uri="{FF2B5EF4-FFF2-40B4-BE49-F238E27FC236}">
-                <a16:creationId xmlns:a16="http://schemas.microsoft.com/office/drawing/2014/main" id="{BEF5E67E-AB04-E381-B0B5-FC1CAF174B91}"/>
-              </a:ext>
-            </a:extLst>
-          </p:cNvPr>
-          <p:cNvGrpSpPr/>
+            <a:endParaRPr lang="ko-KR" altLang="en-US"/>
+          </a:p>
+        </p:txBody>
+      </p:sp>
+      <p:pic>
+        <p:nvPicPr>
+          <p:cNvPr id="5" name="그림 4">
+            <a:extLst>
+              <a:ext uri="{FF2B5EF4-FFF2-40B4-BE49-F238E27FC236}">
+                <a16:creationId xmlns:a16="http://schemas.microsoft.com/office/drawing/2014/main" id="{A56E8D2E-AA33-4D52-2A60-E55414BBBCB4}"/>
+              </a:ext>
+            </a:extLst>
+          </p:cNvPr>
+          <p:cNvPicPr>
+            <a:picLocks noChangeAspect="1"/>
+          </p:cNvPicPr>
           <p:nvPr/>
-        </p:nvGrpSpPr>
-        <p:grpSpPr>
+        </p:nvPicPr>
+        <p:blipFill>
+          <a:blip r:embed="rId2"/>
+          <a:stretch>
+            <a:fillRect/>
+          </a:stretch>
+        </p:blipFill>
+        <p:spPr>
           <a:xfrm>
-            <a:off x="1590675" y="2610240"/>
-            <a:ext cx="9010650" cy="2646521"/>
-            <a:chOff x="1590675" y="2610240"/>
-            <a:chExt cx="9010650" cy="2646521"/>
+            <a:off x="348502" y="1225246"/>
+            <a:ext cx="9409273" cy="1056143"/>
           </a:xfrm>
-        </p:grpSpPr>
-        <p:pic>
-          <p:nvPicPr>
-            <p:cNvPr id="4098" name="Picture 2" descr="image">
-              <a:extLst>
-                <a:ext uri="{FF2B5EF4-FFF2-40B4-BE49-F238E27FC236}">
-                  <a16:creationId xmlns:a16="http://schemas.microsoft.com/office/drawing/2014/main" id="{7E750D81-1D80-2DD2-7675-7CD4B22EF39D}"/>
-                </a:ext>
-              </a:extLst>
-            </p:cNvPr>
-            <p:cNvPicPr>
-              <a:picLocks noChangeAspect="1" noChangeArrowheads="1"/>
-            </p:cNvPicPr>
-            <p:nvPr/>
-          </p:nvPicPr>
-          <p:blipFill>
-            <a:blip r:embed="rId2">
-              <a:extLst>
-                <a:ext uri="{28A0092B-C50C-407E-A947-70E740481C1C}">
-                  <a14:useLocalDpi xmlns:a14="http://schemas.microsoft.com/office/drawing/2010/main" val="0"/>
-                </a:ext>
-              </a:extLst>
-            </a:blip>
-            <a:srcRect/>
-            <a:stretch>
-              <a:fillRect/>
-            </a:stretch>
-          </p:blipFill>
-          <p:spPr bwMode="auto">
-            <a:xfrm>
-              <a:off x="1590675" y="2610240"/>
-              <a:ext cx="9010650" cy="2400300"/>
-            </a:xfrm>
-            <a:prstGeom prst="rect">
-              <a:avLst/>
-            </a:prstGeom>
-            <a:noFill/>
-            <a:extLst>
-              <a:ext uri="{909E8E84-426E-40DD-AFC4-6F175D3DCCD1}">
-                <a14:hiddenFill xmlns:a14="http://schemas.microsoft.com/office/drawing/2010/main">
-                  <a:solidFill>
-                    <a:srgbClr val="FFFFFF"/>
-                  </a:solidFill>
-                </a14:hiddenFill>
-              </a:ext>
-            </a:extLst>
-          </p:spPr>
-        </p:pic>
-        <p:sp>
-          <p:nvSpPr>
-            <p:cNvPr id="7" name="TextBox 6">
-              <a:extLst>
-                <a:ext uri="{FF2B5EF4-FFF2-40B4-BE49-F238E27FC236}">
-                  <a16:creationId xmlns:a16="http://schemas.microsoft.com/office/drawing/2014/main" id="{0BA2E4F3-C3A2-87BB-B7E5-F01D8375A8F6}"/>
-                </a:ext>
-              </a:extLst>
-            </p:cNvPr>
-            <p:cNvSpPr txBox="1"/>
-            <p:nvPr/>
-          </p:nvSpPr>
-          <p:spPr>
-            <a:xfrm>
-              <a:off x="3673739" y="5010540"/>
-              <a:ext cx="4844522" cy="246221"/>
-            </a:xfrm>
-            <a:prstGeom prst="rect">
-              <a:avLst/>
-            </a:prstGeom>
-            <a:noFill/>
-          </p:spPr>
-          <p:txBody>
-            <a:bodyPr wrap="square" rtlCol="0">
-              <a:spAutoFit/>
-            </a:bodyPr>
-            <a:lstStyle/>
-            <a:p>
-              <a:pPr algn="ctr"/>
-              <a:r>
-                <a:rPr lang="ko-KR" altLang="en-US" sz="1000" b="1" dirty="0">
-                  <a:latin typeface="한컴 고딕" panose="02000500000000000000" pitchFamily="2" charset="-127"/>
-                  <a:ea typeface="한컴 고딕" panose="02000500000000000000" pitchFamily="2" charset="-127"/>
-                </a:rPr>
-                <a:t>그림</a:t>
-              </a:r>
-              <a:r>
-                <a:rPr lang="en-US" altLang="ko-KR" sz="1000" b="1" dirty="0">
-                  <a:latin typeface="한컴 고딕" panose="02000500000000000000" pitchFamily="2" charset="-127"/>
-                  <a:ea typeface="한컴 고딕" panose="02000500000000000000" pitchFamily="2" charset="-127"/>
-                </a:rPr>
-                <a:t> 5. </a:t>
-              </a:r>
-              <a:r>
-                <a:rPr lang="ko-KR" altLang="en-US" sz="1000" b="1" dirty="0">
-                  <a:latin typeface="한컴 고딕" panose="02000500000000000000" pitchFamily="2" charset="-127"/>
-                  <a:ea typeface="한컴 고딕" panose="02000500000000000000" pitchFamily="2" charset="-127"/>
-                </a:rPr>
-                <a:t>해결 메커니즘이 적용된 </a:t>
-              </a:r>
-              <a:r>
-                <a:rPr lang="en-US" altLang="ko-KR" sz="1000" b="1" dirty="0">
-                  <a:latin typeface="한컴 고딕" panose="02000500000000000000" pitchFamily="2" charset="-127"/>
-                  <a:ea typeface="한컴 고딕" panose="02000500000000000000" pitchFamily="2" charset="-127"/>
-                </a:rPr>
-                <a:t>1, 2</a:t>
-              </a:r>
-              <a:r>
-                <a:rPr lang="ko-KR" altLang="en-US" sz="1000" b="1" dirty="0">
-                  <a:latin typeface="한컴 고딕" panose="02000500000000000000" pitchFamily="2" charset="-127"/>
-                  <a:ea typeface="한컴 고딕" panose="02000500000000000000" pitchFamily="2" charset="-127"/>
-                </a:rPr>
-                <a:t>번 상황의 예</a:t>
-              </a:r>
-              <a:endParaRPr lang="en-US" altLang="ko-KR" sz="1000" b="1" dirty="0">
-                <a:latin typeface="한컴 고딕" panose="02000500000000000000" pitchFamily="2" charset="-127"/>
-                <a:ea typeface="한컴 고딕" panose="02000500000000000000" pitchFamily="2" charset="-127"/>
-              </a:endParaRPr>
-            </a:p>
-          </p:txBody>
-        </p:sp>
-      </p:grpSp>
+          <a:prstGeom prst="rect">
+            <a:avLst/>
+          </a:prstGeom>
+        </p:spPr>
+      </p:pic>
+      <p:sp>
+        <p:nvSpPr>
+          <p:cNvPr id="9" name="TextBox 8">
+            <a:extLst>
+              <a:ext uri="{FF2B5EF4-FFF2-40B4-BE49-F238E27FC236}">
+                <a16:creationId xmlns:a16="http://schemas.microsoft.com/office/drawing/2014/main" id="{9525C918-D57C-7DF4-CB15-017123084B9C}"/>
+              </a:ext>
+            </a:extLst>
+          </p:cNvPr>
+          <p:cNvSpPr txBox="1"/>
+          <p:nvPr/>
+        </p:nvSpPr>
+        <p:spPr>
+          <a:xfrm>
+            <a:off x="206187" y="2243471"/>
+            <a:ext cx="11842378" cy="509627"/>
+          </a:xfrm>
+          <a:prstGeom prst="rect">
+            <a:avLst/>
+          </a:prstGeom>
+          <a:noFill/>
+        </p:spPr>
+        <p:txBody>
+          <a:bodyPr wrap="square" rtlCol="0">
+            <a:spAutoFit/>
+          </a:bodyPr>
+          <a:lstStyle/>
+          <a:p>
+            <a:pPr>
+              <a:lnSpc>
+                <a:spcPct val="150000"/>
+              </a:lnSpc>
+            </a:pPr>
+            <a:r>
+              <a:rPr lang="en-US" altLang="ko-KR" sz="2000" b="1" dirty="0">
+                <a:solidFill>
+                  <a:schemeClr val="accent1"/>
+                </a:solidFill>
+                <a:latin typeface="한컴 고딕" panose="02000500000000000000" pitchFamily="2" charset="-127"/>
+                <a:ea typeface="한컴 고딕" panose="02000500000000000000" pitchFamily="2" charset="-127"/>
+              </a:rPr>
+              <a:t>Python </a:t>
+            </a:r>
+            <a:r>
+              <a:rPr lang="ko-KR" altLang="en-US" sz="2000" b="1" dirty="0">
+                <a:solidFill>
+                  <a:schemeClr val="accent1"/>
+                </a:solidFill>
+                <a:latin typeface="한컴 고딕" panose="02000500000000000000" pitchFamily="2" charset="-127"/>
+                <a:ea typeface="한컴 고딕" panose="02000500000000000000" pitchFamily="2" charset="-127"/>
+              </a:rPr>
+              <a:t>설치</a:t>
+            </a:r>
+            <a:endParaRPr lang="en-US" altLang="ko-KR" sz="2000" b="1" dirty="0">
+              <a:solidFill>
+                <a:schemeClr val="accent1"/>
+              </a:solidFill>
+              <a:latin typeface="한컴 고딕" panose="02000500000000000000" pitchFamily="2" charset="-127"/>
+              <a:ea typeface="한컴 고딕" panose="02000500000000000000" pitchFamily="2" charset="-127"/>
+            </a:endParaRPr>
+          </a:p>
+        </p:txBody>
+      </p:sp>
+      <p:pic>
+        <p:nvPicPr>
+          <p:cNvPr id="12" name="그림 11">
+            <a:extLst>
+              <a:ext uri="{FF2B5EF4-FFF2-40B4-BE49-F238E27FC236}">
+                <a16:creationId xmlns:a16="http://schemas.microsoft.com/office/drawing/2014/main" id="{3862D246-2C87-3419-E418-2FF478BBF880}"/>
+              </a:ext>
+            </a:extLst>
+          </p:cNvPr>
+          <p:cNvPicPr>
+            <a:picLocks noChangeAspect="1"/>
+          </p:cNvPicPr>
+          <p:nvPr/>
+        </p:nvPicPr>
+        <p:blipFill>
+          <a:blip r:embed="rId3"/>
+          <a:stretch>
+            <a:fillRect/>
+          </a:stretch>
+        </p:blipFill>
+        <p:spPr>
+          <a:xfrm>
+            <a:off x="348502" y="2752725"/>
+            <a:ext cx="9334500" cy="676275"/>
+          </a:xfrm>
+          <a:prstGeom prst="rect">
+            <a:avLst/>
+          </a:prstGeom>
+        </p:spPr>
+      </p:pic>
+      <p:sp>
+        <p:nvSpPr>
+          <p:cNvPr id="13" name="TextBox 12">
+            <a:extLst>
+              <a:ext uri="{FF2B5EF4-FFF2-40B4-BE49-F238E27FC236}">
+                <a16:creationId xmlns:a16="http://schemas.microsoft.com/office/drawing/2014/main" id="{796B28D7-E063-3A80-3A5C-96B7E90B3EBC}"/>
+              </a:ext>
+            </a:extLst>
+          </p:cNvPr>
+          <p:cNvSpPr txBox="1"/>
+          <p:nvPr/>
+        </p:nvSpPr>
+        <p:spPr>
+          <a:xfrm>
+            <a:off x="206187" y="3429000"/>
+            <a:ext cx="11842378" cy="509627"/>
+          </a:xfrm>
+          <a:prstGeom prst="rect">
+            <a:avLst/>
+          </a:prstGeom>
+          <a:noFill/>
+        </p:spPr>
+        <p:txBody>
+          <a:bodyPr wrap="square" rtlCol="0">
+            <a:spAutoFit/>
+          </a:bodyPr>
+          <a:lstStyle/>
+          <a:p>
+            <a:pPr>
+              <a:lnSpc>
+                <a:spcPct val="150000"/>
+              </a:lnSpc>
+            </a:pPr>
+            <a:r>
+              <a:rPr lang="en-US" altLang="ko-KR" sz="2000" b="1" dirty="0">
+                <a:solidFill>
+                  <a:schemeClr val="accent1"/>
+                </a:solidFill>
+                <a:latin typeface="한컴 고딕" panose="02000500000000000000" pitchFamily="2" charset="-127"/>
+                <a:ea typeface="한컴 고딕" panose="02000500000000000000" pitchFamily="2" charset="-127"/>
+              </a:rPr>
+              <a:t>pkg-config </a:t>
+            </a:r>
+            <a:r>
+              <a:rPr lang="ko-KR" altLang="en-US" sz="2000" b="1" dirty="0">
+                <a:solidFill>
+                  <a:schemeClr val="accent1"/>
+                </a:solidFill>
+                <a:latin typeface="한컴 고딕" panose="02000500000000000000" pitchFamily="2" charset="-127"/>
+                <a:ea typeface="한컴 고딕" panose="02000500000000000000" pitchFamily="2" charset="-127"/>
+              </a:rPr>
+              <a:t>설치</a:t>
+            </a:r>
+            <a:endParaRPr lang="en-US" altLang="ko-KR" sz="2000" b="1" dirty="0">
+              <a:solidFill>
+                <a:schemeClr val="accent1"/>
+              </a:solidFill>
+              <a:latin typeface="한컴 고딕" panose="02000500000000000000" pitchFamily="2" charset="-127"/>
+              <a:ea typeface="한컴 고딕" panose="02000500000000000000" pitchFamily="2" charset="-127"/>
+            </a:endParaRPr>
+          </a:p>
+        </p:txBody>
+      </p:sp>
+      <p:pic>
+        <p:nvPicPr>
+          <p:cNvPr id="15" name="그림 14">
+            <a:extLst>
+              <a:ext uri="{FF2B5EF4-FFF2-40B4-BE49-F238E27FC236}">
+                <a16:creationId xmlns:a16="http://schemas.microsoft.com/office/drawing/2014/main" id="{4E494F6F-5C0C-3945-ED5E-F7E5A71BCE22}"/>
+              </a:ext>
+            </a:extLst>
+          </p:cNvPr>
+          <p:cNvPicPr>
+            <a:picLocks noChangeAspect="1"/>
+          </p:cNvPicPr>
+          <p:nvPr/>
+        </p:nvPicPr>
+        <p:blipFill>
+          <a:blip r:embed="rId4"/>
+          <a:stretch>
+            <a:fillRect/>
+          </a:stretch>
+        </p:blipFill>
+        <p:spPr>
+          <a:xfrm>
+            <a:off x="348502" y="3900336"/>
+            <a:ext cx="9334500" cy="676275"/>
+          </a:xfrm>
+          <a:prstGeom prst="rect">
+            <a:avLst/>
+          </a:prstGeom>
+        </p:spPr>
+      </p:pic>
+      <p:sp>
+        <p:nvSpPr>
+          <p:cNvPr id="16" name="TextBox 15">
+            <a:extLst>
+              <a:ext uri="{FF2B5EF4-FFF2-40B4-BE49-F238E27FC236}">
+                <a16:creationId xmlns:a16="http://schemas.microsoft.com/office/drawing/2014/main" id="{69DAF7D2-7218-3241-68D7-407BF9D46490}"/>
+              </a:ext>
+            </a:extLst>
+          </p:cNvPr>
+          <p:cNvSpPr txBox="1"/>
+          <p:nvPr/>
+        </p:nvSpPr>
+        <p:spPr>
+          <a:xfrm>
+            <a:off x="206187" y="4444297"/>
+            <a:ext cx="11842378" cy="509627"/>
+          </a:xfrm>
+          <a:prstGeom prst="rect">
+            <a:avLst/>
+          </a:prstGeom>
+          <a:noFill/>
+        </p:spPr>
+        <p:txBody>
+          <a:bodyPr wrap="square" rtlCol="0">
+            <a:spAutoFit/>
+          </a:bodyPr>
+          <a:lstStyle/>
+          <a:p>
+            <a:pPr>
+              <a:lnSpc>
+                <a:spcPct val="150000"/>
+              </a:lnSpc>
+            </a:pPr>
+            <a:r>
+              <a:rPr lang="en-US" altLang="ko-KR" sz="2000" b="1" dirty="0">
+                <a:solidFill>
+                  <a:schemeClr val="accent1"/>
+                </a:solidFill>
+                <a:latin typeface="한컴 고딕" panose="02000500000000000000" pitchFamily="2" charset="-127"/>
+                <a:ea typeface="한컴 고딕" panose="02000500000000000000" pitchFamily="2" charset="-127"/>
+              </a:rPr>
+              <a:t>Boost </a:t>
+            </a:r>
+            <a:r>
+              <a:rPr lang="ko-KR" altLang="en-US" sz="2000" b="1" dirty="0">
+                <a:solidFill>
+                  <a:schemeClr val="accent1"/>
+                </a:solidFill>
+                <a:latin typeface="한컴 고딕" panose="02000500000000000000" pitchFamily="2" charset="-127"/>
+                <a:ea typeface="한컴 고딕" panose="02000500000000000000" pitchFamily="2" charset="-127"/>
+              </a:rPr>
+              <a:t>설치</a:t>
+            </a:r>
+            <a:endParaRPr lang="en-US" altLang="ko-KR" sz="2000" b="1" dirty="0">
+              <a:solidFill>
+                <a:schemeClr val="accent1"/>
+              </a:solidFill>
+              <a:latin typeface="한컴 고딕" panose="02000500000000000000" pitchFamily="2" charset="-127"/>
+              <a:ea typeface="한컴 고딕" panose="02000500000000000000" pitchFamily="2" charset="-127"/>
+            </a:endParaRPr>
+          </a:p>
+        </p:txBody>
+      </p:sp>
+      <p:pic>
+        <p:nvPicPr>
+          <p:cNvPr id="18" name="그림 17">
+            <a:extLst>
+              <a:ext uri="{FF2B5EF4-FFF2-40B4-BE49-F238E27FC236}">
+                <a16:creationId xmlns:a16="http://schemas.microsoft.com/office/drawing/2014/main" id="{6D16E4CF-122D-54F2-EBD8-AA8E104C0447}"/>
+              </a:ext>
+            </a:extLst>
+          </p:cNvPr>
+          <p:cNvPicPr>
+            <a:picLocks noChangeAspect="1"/>
+          </p:cNvPicPr>
+          <p:nvPr/>
+        </p:nvPicPr>
+        <p:blipFill>
+          <a:blip r:embed="rId5"/>
+          <a:stretch>
+            <a:fillRect/>
+          </a:stretch>
+        </p:blipFill>
+        <p:spPr>
+          <a:xfrm>
+            <a:off x="348502" y="4907664"/>
+            <a:ext cx="9334500" cy="866775"/>
+          </a:xfrm>
+          <a:prstGeom prst="rect">
+            <a:avLst/>
+          </a:prstGeom>
+        </p:spPr>
+      </p:pic>
     </p:spTree>
     <p:extLst>
       <p:ext uri="{BB962C8B-B14F-4D97-AF65-F5344CB8AC3E}">
-        <p14:creationId xmlns:p14="http://schemas.microsoft.com/office/powerpoint/2010/main" val="2351020452"/>
+        <p14:creationId xmlns:p14="http://schemas.microsoft.com/office/powerpoint/2010/main" val="2794931563"/>
       </p:ext>
     </p:extLst>
   </p:cSld>
@@ -11815,8 +8725,8 @@
         </p:nvSpPr>
         <p:spPr>
           <a:xfrm>
-            <a:off x="570947" y="1859340"/>
-            <a:ext cx="9744635" cy="1569660"/>
+            <a:off x="143435" y="130844"/>
+            <a:ext cx="9744635" cy="584775"/>
           </a:xfrm>
           <a:prstGeom prst="rect">
             <a:avLst/>
@@ -11831,7 +8741,7 @@
           <a:p>
             <a:pPr algn="just"/>
             <a:r>
-              <a:rPr lang="en-US" altLang="ko-KR" sz="4800" dirty="0">
+              <a:rPr lang="en-US" altLang="ko-KR" sz="3200" dirty="0" err="1">
                 <a:solidFill>
                   <a:schemeClr val="tx1">
                     <a:lumMod val="65000"/>
@@ -11841,13 +8751,10 @@
                 <a:latin typeface="배달의민족 도현" panose="020B0600000101010101" pitchFamily="50" charset="-127"/>
                 <a:ea typeface="배달의민족 도현" panose="020B0600000101010101" pitchFamily="50" charset="-127"/>
               </a:rPr>
-              <a:t>NDN Transport :</a:t>
-            </a:r>
-          </a:p>
-          <a:p>
-            <a:pPr algn="just"/>
-            <a:r>
-              <a:rPr lang="en-US" altLang="ko-KR" sz="4800" dirty="0">
+              <a:t>ndnSIM</a:t>
+            </a:r>
+            <a:r>
+              <a:rPr lang="en-US" altLang="ko-KR" sz="3200" dirty="0">
                 <a:solidFill>
                   <a:schemeClr val="tx1">
                     <a:lumMod val="65000"/>
@@ -11857,46 +8764,40 @@
                 <a:latin typeface="배달의민족 도현" panose="020B0600000101010101" pitchFamily="50" charset="-127"/>
                 <a:ea typeface="배달의민족 도현" panose="020B0600000101010101" pitchFamily="50" charset="-127"/>
               </a:rPr>
-              <a:t>Synchronizing Dataset Names</a:t>
-            </a:r>
-          </a:p>
-        </p:txBody>
-      </p:sp>
-      <p:sp>
-        <p:nvSpPr>
-          <p:cNvPr id="3" name="슬라이드 번호 개체 틀 2">
-            <a:extLst>
-              <a:ext uri="{FF2B5EF4-FFF2-40B4-BE49-F238E27FC236}">
-                <a16:creationId xmlns:a16="http://schemas.microsoft.com/office/drawing/2014/main" id="{CE2C3055-3767-2EC3-17AD-3FDE29F361B0}"/>
-              </a:ext>
-            </a:extLst>
-          </p:cNvPr>
-          <p:cNvSpPr>
-            <a:spLocks noGrp="1"/>
-          </p:cNvSpPr>
-          <p:nvPr>
-            <p:ph type="sldNum" sz="quarter" idx="12"/>
-          </p:nvPr>
-        </p:nvSpPr>
-        <p:spPr/>
-        <p:txBody>
-          <a:bodyPr/>
-          <a:lstStyle/>
-          <a:p>
-            <a:fld id="{4503EA79-8FE5-4AB7-9144-49D69278BFF0}" type="slidenum">
-              <a:rPr lang="ko-KR" altLang="en-US" smtClean="0"/>
-              <a:t>9</a:t>
-            </a:fld>
-            <a:endParaRPr lang="ko-KR" altLang="en-US"/>
+              <a:t> </a:t>
+            </a:r>
+            <a:r>
+              <a:rPr lang="ko-KR" altLang="en-US" sz="3200" dirty="0">
+                <a:solidFill>
+                  <a:schemeClr val="tx1">
+                    <a:lumMod val="65000"/>
+                    <a:lumOff val="35000"/>
+                  </a:schemeClr>
+                </a:solidFill>
+                <a:latin typeface="배달의민족 도현" panose="020B0600000101010101" pitchFamily="50" charset="-127"/>
+                <a:ea typeface="배달의민족 도현" panose="020B0600000101010101" pitchFamily="50" charset="-127"/>
+              </a:rPr>
+              <a:t>설치</a:t>
+            </a:r>
+            <a:endParaRPr lang="en-US" altLang="ko-KR" sz="3200" dirty="0">
+              <a:solidFill>
+                <a:schemeClr val="tx1">
+                  <a:lumMod val="65000"/>
+                  <a:lumOff val="35000"/>
+                </a:schemeClr>
+              </a:solidFill>
+              <a:latin typeface="배달의민족 도현" panose="020B0600000101010101" pitchFamily="50" charset="-127"/>
+              <a:ea typeface="배달의민족 도현" panose="020B0600000101010101" pitchFamily="50" charset="-127"/>
+            </a:endParaRPr>
           </a:p>
         </p:txBody>
       </p:sp>
       <p:cxnSp>
         <p:nvCxnSpPr>
-          <p:cNvPr id="4" name="직선 연결선 3">
-            <a:extLst>
-              <a:ext uri="{FF2B5EF4-FFF2-40B4-BE49-F238E27FC236}">
-                <a16:creationId xmlns:a16="http://schemas.microsoft.com/office/drawing/2014/main" id="{00650591-D617-465F-DFD1-82178FC4CBF0}"/>
+          <p:cNvPr id="6" name="직선 연결선 5">
+            <a:extLst>
+              <a:ext uri="{FF2B5EF4-FFF2-40B4-BE49-F238E27FC236}">
+                <a16:creationId xmlns:a16="http://schemas.microsoft.com/office/drawing/2014/main" id="{3CAFC98D-1DA6-5CE0-43FD-6D3D9C8D3B4F}"/>
               </a:ext>
             </a:extLst>
           </p:cNvPr>
@@ -11907,8 +8808,8 @@
         </p:nvCxnSpPr>
         <p:spPr>
           <a:xfrm>
-            <a:off x="570947" y="3429000"/>
-            <a:ext cx="9499979" cy="0"/>
+            <a:off x="206188" y="724225"/>
+            <a:ext cx="2424278" cy="0"/>
           </a:xfrm>
           <a:prstGeom prst="line">
             <a:avLst/>
@@ -11938,62 +8839,223 @@
       </p:cxnSp>
       <p:sp>
         <p:nvSpPr>
-          <p:cNvPr id="7" name="직사각형 6">
-            <a:extLst>
-              <a:ext uri="{FF2B5EF4-FFF2-40B4-BE49-F238E27FC236}">
-                <a16:creationId xmlns:a16="http://schemas.microsoft.com/office/drawing/2014/main" id="{A2519E08-BC8B-64F6-779D-97498F7134AE}"/>
-              </a:ext>
-            </a:extLst>
-          </p:cNvPr>
-          <p:cNvSpPr/>
+          <p:cNvPr id="10" name="TextBox 9">
+            <a:extLst>
+              <a:ext uri="{FF2B5EF4-FFF2-40B4-BE49-F238E27FC236}">
+                <a16:creationId xmlns:a16="http://schemas.microsoft.com/office/drawing/2014/main" id="{266829A7-D0F8-7CDF-D9BC-CA16B9A4C881}"/>
+              </a:ext>
+            </a:extLst>
+          </p:cNvPr>
+          <p:cNvSpPr txBox="1"/>
           <p:nvPr/>
         </p:nvSpPr>
         <p:spPr>
           <a:xfrm>
-            <a:off x="0" y="0"/>
-            <a:ext cx="12192000" cy="6858000"/>
+            <a:off x="206187" y="715619"/>
+            <a:ext cx="11842378" cy="509627"/>
           </a:xfrm>
           <a:prstGeom prst="rect">
             <a:avLst/>
           </a:prstGeom>
           <a:noFill/>
-          <a:ln w="190500">
-            <a:solidFill>
-              <a:schemeClr val="accent1">
-                <a:lumMod val="75000"/>
-              </a:schemeClr>
-            </a:solidFill>
-          </a:ln>
         </p:spPr>
-        <p:style>
-          <a:lnRef idx="2">
-            <a:schemeClr val="accent1">
-              <a:shade val="50000"/>
-            </a:schemeClr>
-          </a:lnRef>
-          <a:fillRef idx="1">
-            <a:schemeClr val="accent1"/>
-          </a:fillRef>
-          <a:effectRef idx="0">
-            <a:schemeClr val="accent1"/>
-          </a:effectRef>
-          <a:fontRef idx="minor">
-            <a:schemeClr val="lt1"/>
-          </a:fontRef>
-        </p:style>
-        <p:txBody>
-          <a:bodyPr rtlCol="0" anchor="ctr"/>
+        <p:txBody>
+          <a:bodyPr wrap="square" rtlCol="0">
+            <a:spAutoFit/>
+          </a:bodyPr>
           <a:lstStyle/>
           <a:p>
-            <a:pPr algn="ctr"/>
-            <a:endParaRPr lang="ko-KR" altLang="en-US" dirty="0"/>
-          </a:p>
-        </p:txBody>
-      </p:sp>
+            <a:pPr>
+              <a:lnSpc>
+                <a:spcPct val="150000"/>
+              </a:lnSpc>
+            </a:pPr>
+            <a:r>
+              <a:rPr lang="en-US" altLang="ko-KR" sz="2000" b="1" dirty="0">
+                <a:solidFill>
+                  <a:schemeClr val="accent1"/>
+                </a:solidFill>
+                <a:latin typeface="한컴 고딕" panose="02000500000000000000" pitchFamily="2" charset="-127"/>
+                <a:ea typeface="한컴 고딕" panose="02000500000000000000" pitchFamily="2" charset="-127"/>
+              </a:rPr>
+              <a:t>OpenSSL </a:t>
+            </a:r>
+            <a:r>
+              <a:rPr lang="ko-KR" altLang="en-US" sz="2000" b="1" dirty="0">
+                <a:solidFill>
+                  <a:schemeClr val="accent1"/>
+                </a:solidFill>
+                <a:latin typeface="한컴 고딕" panose="02000500000000000000" pitchFamily="2" charset="-127"/>
+                <a:ea typeface="한컴 고딕" panose="02000500000000000000" pitchFamily="2" charset="-127"/>
+              </a:rPr>
+              <a:t>설치</a:t>
+            </a:r>
+            <a:endParaRPr lang="en-US" altLang="ko-KR" sz="2000" b="1" dirty="0">
+              <a:solidFill>
+                <a:schemeClr val="accent1"/>
+              </a:solidFill>
+              <a:latin typeface="한컴 고딕" panose="02000500000000000000" pitchFamily="2" charset="-127"/>
+              <a:ea typeface="한컴 고딕" panose="02000500000000000000" pitchFamily="2" charset="-127"/>
+            </a:endParaRPr>
+          </a:p>
+        </p:txBody>
+      </p:sp>
+      <p:sp>
+        <p:nvSpPr>
+          <p:cNvPr id="3" name="슬라이드 번호 개체 틀 2">
+            <a:extLst>
+              <a:ext uri="{FF2B5EF4-FFF2-40B4-BE49-F238E27FC236}">
+                <a16:creationId xmlns:a16="http://schemas.microsoft.com/office/drawing/2014/main" id="{4EC25071-CFFA-8C9C-CB7A-29C2F016666E}"/>
+              </a:ext>
+            </a:extLst>
+          </p:cNvPr>
+          <p:cNvSpPr>
+            <a:spLocks noGrp="1"/>
+          </p:cNvSpPr>
+          <p:nvPr>
+            <p:ph type="sldNum" sz="quarter" idx="12"/>
+          </p:nvPr>
+        </p:nvSpPr>
+        <p:spPr/>
+        <p:txBody>
+          <a:bodyPr/>
+          <a:lstStyle/>
+          <a:p>
+            <a:fld id="{4503EA79-8FE5-4AB7-9144-49D69278BFF0}" type="slidenum">
+              <a:rPr lang="ko-KR" altLang="en-US" smtClean="0"/>
+              <a:t>9</a:t>
+            </a:fld>
+            <a:endParaRPr lang="ko-KR" altLang="en-US"/>
+          </a:p>
+        </p:txBody>
+      </p:sp>
+      <p:pic>
+        <p:nvPicPr>
+          <p:cNvPr id="7" name="그림 6">
+            <a:extLst>
+              <a:ext uri="{FF2B5EF4-FFF2-40B4-BE49-F238E27FC236}">
+                <a16:creationId xmlns:a16="http://schemas.microsoft.com/office/drawing/2014/main" id="{30A677E4-79BA-FF31-1041-34F6DDA1D105}"/>
+              </a:ext>
+            </a:extLst>
+          </p:cNvPr>
+          <p:cNvPicPr>
+            <a:picLocks noChangeAspect="1"/>
+          </p:cNvPicPr>
+          <p:nvPr/>
+        </p:nvPicPr>
+        <p:blipFill>
+          <a:blip r:embed="rId2"/>
+          <a:stretch>
+            <a:fillRect/>
+          </a:stretch>
+        </p:blipFill>
+        <p:spPr>
+          <a:xfrm>
+            <a:off x="206186" y="1225246"/>
+            <a:ext cx="9334500" cy="2171700"/>
+          </a:xfrm>
+          <a:prstGeom prst="rect">
+            <a:avLst/>
+          </a:prstGeom>
+        </p:spPr>
+      </p:pic>
+      <p:sp>
+        <p:nvSpPr>
+          <p:cNvPr id="8" name="TextBox 7">
+            <a:extLst>
+              <a:ext uri="{FF2B5EF4-FFF2-40B4-BE49-F238E27FC236}">
+                <a16:creationId xmlns:a16="http://schemas.microsoft.com/office/drawing/2014/main" id="{DA7DE96F-2418-AA06-5D7B-DE1616F96A74}"/>
+              </a:ext>
+            </a:extLst>
+          </p:cNvPr>
+          <p:cNvSpPr txBox="1"/>
+          <p:nvPr/>
+        </p:nvSpPr>
+        <p:spPr>
+          <a:xfrm>
+            <a:off x="206187" y="3429000"/>
+            <a:ext cx="11842378" cy="509627"/>
+          </a:xfrm>
+          <a:prstGeom prst="rect">
+            <a:avLst/>
+          </a:prstGeom>
+          <a:noFill/>
+        </p:spPr>
+        <p:txBody>
+          <a:bodyPr wrap="square" rtlCol="0">
+            <a:spAutoFit/>
+          </a:bodyPr>
+          <a:lstStyle/>
+          <a:p>
+            <a:pPr>
+              <a:lnSpc>
+                <a:spcPct val="150000"/>
+              </a:lnSpc>
+            </a:pPr>
+            <a:r>
+              <a:rPr lang="en-US" altLang="ko-KR" sz="2000" b="1" dirty="0">
+                <a:solidFill>
+                  <a:schemeClr val="accent1"/>
+                </a:solidFill>
+                <a:latin typeface="한컴 고딕" panose="02000500000000000000" pitchFamily="2" charset="-127"/>
+                <a:ea typeface="한컴 고딕" panose="02000500000000000000" pitchFamily="2" charset="-127"/>
+              </a:rPr>
+              <a:t>SQLite </a:t>
+            </a:r>
+            <a:r>
+              <a:rPr lang="ko-KR" altLang="en-US" sz="2000" b="1" dirty="0">
+                <a:solidFill>
+                  <a:schemeClr val="accent1"/>
+                </a:solidFill>
+                <a:latin typeface="한컴 고딕" panose="02000500000000000000" pitchFamily="2" charset="-127"/>
+                <a:ea typeface="한컴 고딕" panose="02000500000000000000" pitchFamily="2" charset="-127"/>
+              </a:rPr>
+              <a:t>설치</a:t>
+            </a:r>
+            <a:endParaRPr lang="en-US" altLang="ko-KR" sz="2000" b="1" dirty="0">
+              <a:solidFill>
+                <a:schemeClr val="accent1"/>
+              </a:solidFill>
+              <a:latin typeface="한컴 고딕" panose="02000500000000000000" pitchFamily="2" charset="-127"/>
+              <a:ea typeface="한컴 고딕" panose="02000500000000000000" pitchFamily="2" charset="-127"/>
+            </a:endParaRPr>
+          </a:p>
+        </p:txBody>
+      </p:sp>
+      <p:pic>
+        <p:nvPicPr>
+          <p:cNvPr id="14" name="그림 13">
+            <a:extLst>
+              <a:ext uri="{FF2B5EF4-FFF2-40B4-BE49-F238E27FC236}">
+                <a16:creationId xmlns:a16="http://schemas.microsoft.com/office/drawing/2014/main" id="{619C74A8-6B75-C0E6-2ED8-870A94363DBB}"/>
+              </a:ext>
+            </a:extLst>
+          </p:cNvPr>
+          <p:cNvPicPr>
+            <a:picLocks noChangeAspect="1"/>
+          </p:cNvPicPr>
+          <p:nvPr/>
+        </p:nvPicPr>
+        <p:blipFill>
+          <a:blip r:embed="rId3"/>
+          <a:stretch>
+            <a:fillRect/>
+          </a:stretch>
+        </p:blipFill>
+        <p:spPr>
+          <a:xfrm>
+            <a:off x="206186" y="3938627"/>
+            <a:ext cx="9334500" cy="495300"/>
+          </a:xfrm>
+          <a:prstGeom prst="rect">
+            <a:avLst/>
+          </a:prstGeom>
+        </p:spPr>
+      </p:pic>
     </p:spTree>
     <p:extLst>
       <p:ext uri="{BB962C8B-B14F-4D97-AF65-F5344CB8AC3E}">
-        <p14:creationId xmlns:p14="http://schemas.microsoft.com/office/powerpoint/2010/main" val="2804094877"/>
+        <p14:creationId xmlns:p14="http://schemas.microsoft.com/office/powerpoint/2010/main" val="545395061"/>
       </p:ext>
     </p:extLst>
   </p:cSld>
@@ -12594,6 +9656,12 @@
 </file>
 
 <file path=customXml/item1.xml><?xml version="1.0" encoding="utf-8"?>
+<p:properties xmlns:p="http://schemas.microsoft.com/office/2006/metadata/properties" xmlns:xsi="http://www.w3.org/2001/XMLSchema-instance" xmlns:pc="http://schemas.microsoft.com/office/infopath/2007/PartnerControls">
+  <documentManagement/>
+</p:properties>
+</file>
+
+<file path=customXml/item2.xml><?xml version="1.0" encoding="utf-8"?>
 <ct:contentTypeSchema xmlns:ct="http://schemas.microsoft.com/office/2006/metadata/contentType" xmlns:ma="http://schemas.microsoft.com/office/2006/metadata/properties/metaAttributes" ct:_="" ma:_="" ma:contentTypeName="문서" ma:contentTypeID="0x010100E4927A4037DBD641A85992FBC73A8B40" ma:contentTypeVersion="2" ma:contentTypeDescription="새 문서를 만듭니다." ma:contentTypeScope="" ma:versionID="785516272148627df98f01afb93c3ec0">
   <xsd:schema xmlns:xsd="http://www.w3.org/2001/XMLSchema" xmlns:xs="http://www.w3.org/2001/XMLSchema" xmlns:p="http://schemas.microsoft.com/office/2006/metadata/properties" xmlns:ns3="8163f15b-5006-406c-85c3-8b9bf000eef1" targetNamespace="http://schemas.microsoft.com/office/2006/metadata/properties" ma:root="true" ma:fieldsID="3387be2b6cc6ac182b5d48e801aa7a71" ns3:_="">
     <xsd:import namespace="8163f15b-5006-406c-85c3-8b9bf000eef1"/>
@@ -12725,12 +9793,6 @@
 </ct:contentTypeSchema>
 </file>
 
-<file path=customXml/item2.xml><?xml version="1.0" encoding="utf-8"?>
-<p:properties xmlns:p="http://schemas.microsoft.com/office/2006/metadata/properties" xmlns:xsi="http://www.w3.org/2001/XMLSchema-instance" xmlns:pc="http://schemas.microsoft.com/office/infopath/2007/PartnerControls">
-  <documentManagement/>
-</p:properties>
-</file>
-
 <file path=customXml/item3.xml><?xml version="1.0" encoding="utf-8"?>
 <?mso-contentType ?>
 <FormTemplates xmlns="http://schemas.microsoft.com/sharepoint/v3/contenttype/forms">
@@ -12741,6 +9803,22 @@
 </file>
 
 <file path=customXml/itemProps1.xml><?xml version="1.0" encoding="utf-8"?>
+<ds:datastoreItem xmlns:ds="http://schemas.openxmlformats.org/officeDocument/2006/customXml" ds:itemID="{77F7A99E-4399-4A80-972F-A96848332908}">
+  <ds:schemaRefs>
+    <ds:schemaRef ds:uri="http://purl.org/dc/terms/"/>
+    <ds:schemaRef ds:uri="http://www.w3.org/XML/1998/namespace"/>
+    <ds:schemaRef ds:uri="http://purl.org/dc/elements/1.1/"/>
+    <ds:schemaRef ds:uri="http://purl.org/dc/dcmitype/"/>
+    <ds:schemaRef ds:uri="http://schemas.microsoft.com/office/infopath/2007/PartnerControls"/>
+    <ds:schemaRef ds:uri="http://schemas.microsoft.com/office/2006/metadata/properties"/>
+    <ds:schemaRef ds:uri="http://schemas.microsoft.com/office/2006/documentManagement/types"/>
+    <ds:schemaRef ds:uri="http://schemas.openxmlformats.org/package/2006/metadata/core-properties"/>
+    <ds:schemaRef ds:uri="8163f15b-5006-406c-85c3-8b9bf000eef1"/>
+  </ds:schemaRefs>
+</ds:datastoreItem>
+</file>
+
+<file path=customXml/itemProps2.xml><?xml version="1.0" encoding="utf-8"?>
 <ds:datastoreItem xmlns:ds="http://schemas.openxmlformats.org/officeDocument/2006/customXml" ds:itemID="{B23CD78E-FDBA-45D3-A74E-F9DB3B758C5E}">
   <ds:schemaRefs>
     <ds:schemaRef ds:uri="http://schemas.microsoft.com/office/2006/metadata/contentType"/>
@@ -12758,22 +9836,6 @@
 </ds:datastoreItem>
 </file>
 
-<file path=customXml/itemProps2.xml><?xml version="1.0" encoding="utf-8"?>
-<ds:datastoreItem xmlns:ds="http://schemas.openxmlformats.org/officeDocument/2006/customXml" ds:itemID="{77F7A99E-4399-4A80-972F-A96848332908}">
-  <ds:schemaRefs>
-    <ds:schemaRef ds:uri="http://purl.org/dc/terms/"/>
-    <ds:schemaRef ds:uri="http://www.w3.org/XML/1998/namespace"/>
-    <ds:schemaRef ds:uri="http://purl.org/dc/elements/1.1/"/>
-    <ds:schemaRef ds:uri="http://purl.org/dc/dcmitype/"/>
-    <ds:schemaRef ds:uri="http://schemas.microsoft.com/office/infopath/2007/PartnerControls"/>
-    <ds:schemaRef ds:uri="http://schemas.microsoft.com/office/2006/metadata/properties"/>
-    <ds:schemaRef ds:uri="http://schemas.microsoft.com/office/2006/documentManagement/types"/>
-    <ds:schemaRef ds:uri="http://schemas.openxmlformats.org/package/2006/metadata/core-properties"/>
-    <ds:schemaRef ds:uri="8163f15b-5006-406c-85c3-8b9bf000eef1"/>
-  </ds:schemaRefs>
-</ds:datastoreItem>
-</file>
-
 <file path=customXml/itemProps3.xml><?xml version="1.0" encoding="utf-8"?>
 <ds:datastoreItem xmlns:ds="http://schemas.openxmlformats.org/officeDocument/2006/customXml" ds:itemID="{4F4AD1C9-2958-46E3-9F6B-F7BA68A8F8FC}">
   <ds:schemaRefs>
